--- a/FinalPresentation.pptx
+++ b/FinalPresentation.pptx
@@ -6,6 +6,11 @@
   </p:sldMasterIdLst>
   <p:sldIdLst>
     <p:sldId id="256" r:id="rId2"/>
+    <p:sldId id="257" r:id="rId3"/>
+    <p:sldId id="258" r:id="rId4"/>
+    <p:sldId id="259" r:id="rId5"/>
+    <p:sldId id="260" r:id="rId6"/>
+    <p:sldId id="261" r:id="rId7"/>
   </p:sldIdLst>
   <p:sldSz cx="12192000" cy="6858000"/>
   <p:notesSz cx="6858000" cy="9144000"/>
@@ -104,6 +109,11 @@
       </a:defRPr>
     </a:lvl9pPr>
   </p:defaultTextStyle>
+  <p:extLst>
+    <p:ext uri="{EFAFB233-063F-42B5-8137-9DF3F51BA10A}">
+      <p15:sldGuideLst xmlns:p15="http://schemas.microsoft.com/office/powerpoint/2012/main"/>
+    </p:ext>
+  </p:extLst>
 </p:presentation>
 </file>
 
@@ -246,7 +256,7 @@
           <a:p>
             <a:fld id="{5F1E1CA5-B2D8-4145-95B6-2A9DFAB2AD4B}" type="datetimeFigureOut">
               <a:rPr lang="en-US" smtClean="0"/>
-              <a:t>11/29/2022</a:t>
+              <a:t>11/30/2022</a:t>
             </a:fld>
             <a:endParaRPr lang="en-US"/>
           </a:p>
@@ -457,7 +467,7 @@
           <a:p>
             <a:fld id="{5F1E1CA5-B2D8-4145-95B6-2A9DFAB2AD4B}" type="datetimeFigureOut">
               <a:rPr lang="en-US" smtClean="0"/>
-              <a:t>11/29/2022</a:t>
+              <a:t>11/30/2022</a:t>
             </a:fld>
             <a:endParaRPr lang="en-US"/>
           </a:p>
@@ -672,7 +682,7 @@
           <a:p>
             <a:fld id="{5F1E1CA5-B2D8-4145-95B6-2A9DFAB2AD4B}" type="datetimeFigureOut">
               <a:rPr lang="en-US" smtClean="0"/>
-              <a:t>11/29/2022</a:t>
+              <a:t>11/30/2022</a:t>
             </a:fld>
             <a:endParaRPr lang="en-US"/>
           </a:p>
@@ -873,7 +883,7 @@
           <a:p>
             <a:fld id="{5F1E1CA5-B2D8-4145-95B6-2A9DFAB2AD4B}" type="datetimeFigureOut">
               <a:rPr lang="en-US" smtClean="0"/>
-              <a:t>11/29/2022</a:t>
+              <a:t>11/30/2022</a:t>
             </a:fld>
             <a:endParaRPr lang="en-US"/>
           </a:p>
@@ -1152,7 +1162,7 @@
           <a:p>
             <a:fld id="{5F1E1CA5-B2D8-4145-95B6-2A9DFAB2AD4B}" type="datetimeFigureOut">
               <a:rPr lang="en-US" smtClean="0"/>
-              <a:t>11/29/2022</a:t>
+              <a:t>11/30/2022</a:t>
             </a:fld>
             <a:endParaRPr lang="en-US"/>
           </a:p>
@@ -1420,7 +1430,7 @@
           <a:p>
             <a:fld id="{5F1E1CA5-B2D8-4145-95B6-2A9DFAB2AD4B}" type="datetimeFigureOut">
               <a:rPr lang="en-US" smtClean="0"/>
-              <a:t>11/29/2022</a:t>
+              <a:t>11/30/2022</a:t>
             </a:fld>
             <a:endParaRPr lang="en-US"/>
           </a:p>
@@ -1836,7 +1846,7 @@
           <a:p>
             <a:fld id="{5F1E1CA5-B2D8-4145-95B6-2A9DFAB2AD4B}" type="datetimeFigureOut">
               <a:rPr lang="en-US" smtClean="0"/>
-              <a:t>11/29/2022</a:t>
+              <a:t>11/30/2022</a:t>
             </a:fld>
             <a:endParaRPr lang="en-US"/>
           </a:p>
@@ -1985,7 +1995,7 @@
           <a:p>
             <a:fld id="{5F1E1CA5-B2D8-4145-95B6-2A9DFAB2AD4B}" type="datetimeFigureOut">
               <a:rPr lang="en-US" smtClean="0"/>
-              <a:t>11/29/2022</a:t>
+              <a:t>11/30/2022</a:t>
             </a:fld>
             <a:endParaRPr lang="en-US"/>
           </a:p>
@@ -2111,7 +2121,7 @@
           <a:p>
             <a:fld id="{5F1E1CA5-B2D8-4145-95B6-2A9DFAB2AD4B}" type="datetimeFigureOut">
               <a:rPr lang="en-US" smtClean="0"/>
-              <a:t>11/29/2022</a:t>
+              <a:t>11/30/2022</a:t>
             </a:fld>
             <a:endParaRPr lang="en-US"/>
           </a:p>
@@ -2362,7 +2372,7 @@
           <a:p>
             <a:fld id="{5F1E1CA5-B2D8-4145-95B6-2A9DFAB2AD4B}" type="datetimeFigureOut">
               <a:rPr lang="en-US" smtClean="0"/>
-              <a:t>11/29/2022</a:t>
+              <a:t>11/30/2022</a:t>
             </a:fld>
             <a:endParaRPr lang="en-US"/>
           </a:p>
@@ -2807,7 +2817,7 @@
           <a:p>
             <a:fld id="{5F1E1CA5-B2D8-4145-95B6-2A9DFAB2AD4B}" type="datetimeFigureOut">
               <a:rPr lang="en-US" smtClean="0"/>
-              <a:t>11/29/2022</a:t>
+              <a:t>11/30/2022</a:t>
             </a:fld>
             <a:endParaRPr lang="en-US"/>
           </a:p>
@@ -3134,7 +3144,7 @@
           <a:p>
             <a:fld id="{5F1E1CA5-B2D8-4145-95B6-2A9DFAB2AD4B}" type="datetimeFigureOut">
               <a:rPr lang="en-US" smtClean="0"/>
-              <a:t>11/29/2022</a:t>
+              <a:t>11/30/2022</a:t>
             </a:fld>
             <a:endParaRPr lang="en-US"/>
           </a:p>
@@ -3694,6 +3704,1701 @@
 </p:sld>
 </file>
 
+<file path=ppt/slides/slide2.xml><?xml version="1.0" encoding="utf-8"?>
+<p:sld xmlns:a="http://schemas.openxmlformats.org/drawingml/2006/main" xmlns:r="http://schemas.openxmlformats.org/officeDocument/2006/relationships" xmlns:p="http://schemas.openxmlformats.org/presentationml/2006/main">
+  <p:cSld>
+    <p:spTree>
+      <p:nvGrpSpPr>
+        <p:cNvPr id="1" name=""/>
+        <p:cNvGrpSpPr/>
+        <p:nvPr/>
+      </p:nvGrpSpPr>
+      <p:grpSpPr>
+        <a:xfrm>
+          <a:off x="0" y="0"/>
+          <a:ext cx="0" cy="0"/>
+          <a:chOff x="0" y="0"/>
+          <a:chExt cx="0" cy="0"/>
+        </a:xfrm>
+      </p:grpSpPr>
+      <p:sp>
+        <p:nvSpPr>
+          <p:cNvPr id="2" name="Title 1">
+            <a:extLst>
+              <a:ext uri="{FF2B5EF4-FFF2-40B4-BE49-F238E27FC236}">
+                <a16:creationId xmlns:a16="http://schemas.microsoft.com/office/drawing/2014/main" id="{45AD21B7-8882-FA4A-9E52-86A9C986739F}"/>
+              </a:ext>
+            </a:extLst>
+          </p:cNvPr>
+          <p:cNvSpPr>
+            <a:spLocks noGrp="1"/>
+          </p:cNvSpPr>
+          <p:nvPr>
+            <p:ph type="title"/>
+          </p:nvPr>
+        </p:nvSpPr>
+        <p:spPr/>
+        <p:txBody>
+          <a:bodyPr/>
+          <a:lstStyle/>
+          <a:p>
+            <a:r>
+              <a:rPr lang="en-US" dirty="0"/>
+              <a:t>Overview</a:t>
+            </a:r>
+          </a:p>
+        </p:txBody>
+      </p:sp>
+      <p:sp>
+        <p:nvSpPr>
+          <p:cNvPr id="3" name="Content Placeholder 2">
+            <a:extLst>
+              <a:ext uri="{FF2B5EF4-FFF2-40B4-BE49-F238E27FC236}">
+                <a16:creationId xmlns:a16="http://schemas.microsoft.com/office/drawing/2014/main" id="{4D03080E-D5C7-1F19-613C-6FA647EBD5F2}"/>
+              </a:ext>
+            </a:extLst>
+          </p:cNvPr>
+          <p:cNvSpPr>
+            <a:spLocks noGrp="1"/>
+          </p:cNvSpPr>
+          <p:nvPr>
+            <p:ph idx="1"/>
+          </p:nvPr>
+        </p:nvSpPr>
+        <p:spPr/>
+        <p:txBody>
+          <a:bodyPr/>
+          <a:lstStyle/>
+          <a:p>
+            <a:r>
+              <a:rPr lang="en-US" dirty="0"/>
+              <a:t>Starting this project, we were interested in how to make these procedures very similar to something like a C or Java function.</a:t>
+            </a:r>
+          </a:p>
+          <a:p>
+            <a:r>
+              <a:rPr lang="en-US" dirty="0"/>
+              <a:t>To get hands-on experience with something similar, we made as many procedures as possible to operate on the same data.</a:t>
+            </a:r>
+          </a:p>
+          <a:p>
+            <a:r>
+              <a:rPr lang="en-US" dirty="0"/>
+              <a:t>This forces out all the unnecessary changes that assembly makes to data and made us establish a scope and a consistent way of operating with data.</a:t>
+            </a:r>
+          </a:p>
+          <a:p>
+            <a:r>
+              <a:rPr lang="en-US" dirty="0"/>
+              <a:t>Doing this in a loop makes sure that all those procedures work the same way each time.</a:t>
+            </a:r>
+          </a:p>
+        </p:txBody>
+      </p:sp>
+    </p:spTree>
+    <p:extLst>
+      <p:ext uri="{BB962C8B-B14F-4D97-AF65-F5344CB8AC3E}">
+        <p14:creationId xmlns:p14="http://schemas.microsoft.com/office/powerpoint/2010/main" val="72424194"/>
+      </p:ext>
+    </p:extLst>
+  </p:cSld>
+  <p:clrMapOvr>
+    <a:masterClrMapping/>
+  </p:clrMapOvr>
+</p:sld>
+</file>
+
+<file path=ppt/slides/slide3.xml><?xml version="1.0" encoding="utf-8"?>
+<p:sld xmlns:a="http://schemas.openxmlformats.org/drawingml/2006/main" xmlns:r="http://schemas.openxmlformats.org/officeDocument/2006/relationships" xmlns:p="http://schemas.openxmlformats.org/presentationml/2006/main">
+  <p:cSld>
+    <p:bg>
+      <p:bgPr>
+        <a:gradFill rotWithShape="1">
+          <a:gsLst>
+            <a:gs pos="0">
+              <a:schemeClr val="bg2">
+                <a:tint val="94000"/>
+                <a:satMod val="80000"/>
+                <a:lumMod val="106000"/>
+              </a:schemeClr>
+            </a:gs>
+            <a:gs pos="100000">
+              <a:schemeClr val="bg2">
+                <a:shade val="80000"/>
+              </a:schemeClr>
+            </a:gs>
+          </a:gsLst>
+          <a:path path="circle">
+            <a:fillToRect l="43000" r="43000" b="100000"/>
+          </a:path>
+        </a:gradFill>
+        <a:effectLst/>
+      </p:bgPr>
+    </p:bg>
+    <p:spTree>
+      <p:nvGrpSpPr>
+        <p:cNvPr id="1" name=""/>
+        <p:cNvGrpSpPr/>
+        <p:nvPr/>
+      </p:nvGrpSpPr>
+      <p:grpSpPr>
+        <a:xfrm>
+          <a:off x="0" y="0"/>
+          <a:ext cx="0" cy="0"/>
+          <a:chOff x="0" y="0"/>
+          <a:chExt cx="0" cy="0"/>
+        </a:xfrm>
+      </p:grpSpPr>
+      <p:sp>
+        <p:nvSpPr>
+          <p:cNvPr id="138" name="Rectangle 137">
+            <a:extLst>
+              <a:ext uri="{FF2B5EF4-FFF2-40B4-BE49-F238E27FC236}">
+                <a16:creationId xmlns:a16="http://schemas.microsoft.com/office/drawing/2014/main" id="{E724B9E8-02C8-4B2E-8770-A00A67760DF0}"/>
+              </a:ext>
+              <a:ext uri="{C183D7F6-B498-43B3-948B-1728B52AA6E4}">
+                <adec:decorative xmlns:adec="http://schemas.microsoft.com/office/drawing/2017/decorative" val="1"/>
+              </a:ext>
+            </a:extLst>
+          </p:cNvPr>
+          <p:cNvSpPr>
+            <a:spLocks noGrp="1" noRot="1" noChangeAspect="1" noMove="1" noResize="1" noEditPoints="1" noAdjustHandles="1" noChangeArrowheads="1" noChangeShapeType="1" noTextEdit="1"/>
+          </p:cNvSpPr>
+          <p:nvPr>
+            <p:extLst>
+              <p:ext uri="{386F3935-93C4-4BCD-93E2-E3B085C9AB24}">
+                <p16:designElem xmlns:p16="http://schemas.microsoft.com/office/powerpoint/2015/main" val="1"/>
+              </p:ext>
+            </p:extLst>
+          </p:nvPr>
+        </p:nvSpPr>
+        <p:spPr>
+          <a:xfrm>
+            <a:off x="0" y="2019476"/>
+            <a:ext cx="12192000" cy="4105941"/>
+          </a:xfrm>
+          <a:prstGeom prst="rect">
+            <a:avLst/>
+          </a:prstGeom>
+          <a:gradFill flip="none" rotWithShape="1">
+            <a:gsLst>
+              <a:gs pos="0">
+                <a:schemeClr val="bg2">
+                  <a:alpha val="0"/>
+                </a:schemeClr>
+              </a:gs>
+              <a:gs pos="100000">
+                <a:schemeClr val="bg2"/>
+              </a:gs>
+            </a:gsLst>
+            <a:lin ang="5400000" scaled="0"/>
+            <a:tileRect/>
+          </a:gradFill>
+          <a:ln>
+            <a:noFill/>
+          </a:ln>
+        </p:spPr>
+        <p:style>
+          <a:lnRef idx="2">
+            <a:schemeClr val="accent1">
+              <a:shade val="50000"/>
+            </a:schemeClr>
+          </a:lnRef>
+          <a:fillRef idx="1">
+            <a:schemeClr val="accent1"/>
+          </a:fillRef>
+          <a:effectRef idx="0">
+            <a:schemeClr val="accent1"/>
+          </a:effectRef>
+          <a:fontRef idx="minor">
+            <a:schemeClr val="lt1"/>
+          </a:fontRef>
+        </p:style>
+      </p:sp>
+      <p:pic>
+        <p:nvPicPr>
+          <p:cNvPr id="140" name="Picture 139">
+            <a:extLst>
+              <a:ext uri="{FF2B5EF4-FFF2-40B4-BE49-F238E27FC236}">
+                <a16:creationId xmlns:a16="http://schemas.microsoft.com/office/drawing/2014/main" id="{7B8AE548-0BFA-4792-9962-3375923C7635}"/>
+              </a:ext>
+              <a:ext uri="{C183D7F6-B498-43B3-948B-1728B52AA6E4}">
+                <adec:decorative xmlns:adec="http://schemas.microsoft.com/office/drawing/2017/decorative" val="1"/>
+              </a:ext>
+            </a:extLst>
+          </p:cNvPr>
+          <p:cNvPicPr>
+            <a:picLocks noGrp="1" noRot="1" noChangeAspect="1" noMove="1" noResize="1" noEditPoints="1" noAdjustHandles="1" noChangeArrowheads="1" noChangeShapeType="1" noCrop="1"/>
+          </p:cNvPicPr>
+          <p:nvPr>
+            <p:extLst>
+              <p:ext uri="{386F3935-93C4-4BCD-93E2-E3B085C9AB24}">
+                <p16:designElem xmlns:p16="http://schemas.microsoft.com/office/powerpoint/2015/main" val="1"/>
+              </p:ext>
+            </p:extLst>
+          </p:nvPr>
+        </p:nvPicPr>
+        <p:blipFill rotWithShape="1">
+          <a:blip r:embed="rId2">
+            <a:extLst>
+              <a:ext uri="{28A0092B-C50C-407E-A947-70E740481C1C}">
+                <a14:useLocalDpi xmlns:a14="http://schemas.microsoft.com/office/drawing/2010/main" val="0"/>
+              </a:ext>
+            </a:extLst>
+          </a:blip>
+          <a:srcRect t="1538" b="-1538"/>
+          <a:stretch/>
+        </p:blipFill>
+        <p:spPr bwMode="black">
+          <a:xfrm>
+            <a:off x="0" y="6126480"/>
+            <a:ext cx="12192000" cy="742950"/>
+          </a:xfrm>
+          <a:prstGeom prst="rect">
+            <a:avLst/>
+          </a:prstGeom>
+        </p:spPr>
+      </p:pic>
+      <p:cxnSp>
+        <p:nvCxnSpPr>
+          <p:cNvPr id="142" name="Straight Connector 141">
+            <a:extLst>
+              <a:ext uri="{FF2B5EF4-FFF2-40B4-BE49-F238E27FC236}">
+                <a16:creationId xmlns:a16="http://schemas.microsoft.com/office/drawing/2014/main" id="{67639EF4-FA83-4D85-90FE-B831AF283896}"/>
+              </a:ext>
+              <a:ext uri="{C183D7F6-B498-43B3-948B-1728B52AA6E4}">
+                <adec:decorative xmlns:adec="http://schemas.microsoft.com/office/drawing/2017/decorative" val="1"/>
+              </a:ext>
+            </a:extLst>
+          </p:cNvPr>
+          <p:cNvCxnSpPr>
+            <a:cxnSpLocks noGrp="1" noRot="1" noChangeAspect="1" noMove="1" noResize="1" noEditPoints="1" noAdjustHandles="1" noChangeArrowheads="1" noChangeShapeType="1"/>
+          </p:cNvCxnSpPr>
+          <p:nvPr>
+            <p:extLst>
+              <p:ext uri="{386F3935-93C4-4BCD-93E2-E3B085C9AB24}">
+                <p16:designElem xmlns:p16="http://schemas.microsoft.com/office/powerpoint/2015/main" val="1"/>
+              </p:ext>
+            </p:extLst>
+          </p:nvPr>
+        </p:nvCxnSpPr>
+        <p:spPr>
+          <a:xfrm>
+            <a:off x="0" y="6128413"/>
+            <a:ext cx="12192000" cy="0"/>
+          </a:xfrm>
+          <a:prstGeom prst="line">
+            <a:avLst/>
+          </a:prstGeom>
+          <a:ln w="12700">
+            <a:solidFill>
+              <a:srgbClr val="000001">
+                <a:alpha val="20000"/>
+              </a:srgbClr>
+            </a:solidFill>
+          </a:ln>
+        </p:spPr>
+        <p:style>
+          <a:lnRef idx="1">
+            <a:schemeClr val="accent1"/>
+          </a:lnRef>
+          <a:fillRef idx="0">
+            <a:schemeClr val="accent1"/>
+          </a:fillRef>
+          <a:effectRef idx="0">
+            <a:schemeClr val="accent1"/>
+          </a:effectRef>
+          <a:fontRef idx="minor">
+            <a:schemeClr val="tx1"/>
+          </a:fontRef>
+        </p:style>
+      </p:cxnSp>
+      <p:cxnSp>
+        <p:nvCxnSpPr>
+          <p:cNvPr id="144" name="Straight Connector 143">
+            <a:extLst>
+              <a:ext uri="{FF2B5EF4-FFF2-40B4-BE49-F238E27FC236}">
+                <a16:creationId xmlns:a16="http://schemas.microsoft.com/office/drawing/2014/main" id="{CC87E76A-8F50-413D-9BFC-C5A1525BD9BC}"/>
+              </a:ext>
+              <a:ext uri="{C183D7F6-B498-43B3-948B-1728B52AA6E4}">
+                <adec:decorative xmlns:adec="http://schemas.microsoft.com/office/drawing/2017/decorative" val="1"/>
+              </a:ext>
+            </a:extLst>
+          </p:cNvPr>
+          <p:cNvCxnSpPr>
+            <a:cxnSpLocks noGrp="1" noRot="1" noChangeAspect="1" noMove="1" noResize="1" noEditPoints="1" noAdjustHandles="1" noChangeArrowheads="1" noChangeShapeType="1"/>
+          </p:cNvCxnSpPr>
+          <p:nvPr>
+            <p:extLst>
+              <p:ext uri="{386F3935-93C4-4BCD-93E2-E3B085C9AB24}">
+                <p16:designElem xmlns:p16="http://schemas.microsoft.com/office/powerpoint/2015/main" val="1"/>
+              </p:ext>
+            </p:extLst>
+          </p:nvPr>
+        </p:nvCxnSpPr>
+        <p:spPr>
+          <a:xfrm>
+            <a:off x="2417780" y="3528542"/>
+            <a:ext cx="8637072" cy="0"/>
+          </a:xfrm>
+          <a:prstGeom prst="line">
+            <a:avLst/>
+          </a:prstGeom>
+          <a:ln w="31750"/>
+        </p:spPr>
+        <p:style>
+          <a:lnRef idx="3">
+            <a:schemeClr val="accent1"/>
+          </a:lnRef>
+          <a:fillRef idx="0">
+            <a:schemeClr val="accent1"/>
+          </a:fillRef>
+          <a:effectRef idx="2">
+            <a:schemeClr val="accent1"/>
+          </a:effectRef>
+          <a:fontRef idx="minor">
+            <a:schemeClr val="tx1"/>
+          </a:fontRef>
+        </p:style>
+      </p:cxnSp>
+      <p:sp useBgFill="1">
+        <p:nvSpPr>
+          <p:cNvPr id="146" name="Rectangle 145">
+            <a:extLst>
+              <a:ext uri="{FF2B5EF4-FFF2-40B4-BE49-F238E27FC236}">
+                <a16:creationId xmlns:a16="http://schemas.microsoft.com/office/drawing/2014/main" id="{773E595B-9F61-4FDD-9E17-2C10990593E4}"/>
+              </a:ext>
+              <a:ext uri="{C183D7F6-B498-43B3-948B-1728B52AA6E4}">
+                <adec:decorative xmlns:adec="http://schemas.microsoft.com/office/drawing/2017/decorative" val="1"/>
+              </a:ext>
+            </a:extLst>
+          </p:cNvPr>
+          <p:cNvSpPr>
+            <a:spLocks noGrp="1" noRot="1" noChangeAspect="1" noMove="1" noResize="1" noEditPoints="1" noAdjustHandles="1" noChangeArrowheads="1" noChangeShapeType="1" noTextEdit="1"/>
+          </p:cNvSpPr>
+          <p:nvPr>
+            <p:extLst>
+              <p:ext uri="{386F3935-93C4-4BCD-93E2-E3B085C9AB24}">
+                <p16:designElem xmlns:p16="http://schemas.microsoft.com/office/powerpoint/2015/main" val="1"/>
+              </p:ext>
+            </p:extLst>
+          </p:nvPr>
+        </p:nvSpPr>
+        <p:spPr>
+          <a:xfrm>
+            <a:off x="2" y="0"/>
+            <a:ext cx="12191695" cy="6858000"/>
+          </a:xfrm>
+          <a:prstGeom prst="rect">
+            <a:avLst/>
+          </a:prstGeom>
+          <a:ln>
+            <a:noFill/>
+          </a:ln>
+        </p:spPr>
+        <p:style>
+          <a:lnRef idx="2">
+            <a:schemeClr val="accent1">
+              <a:shade val="50000"/>
+            </a:schemeClr>
+          </a:lnRef>
+          <a:fillRef idx="1">
+            <a:schemeClr val="accent1"/>
+          </a:fillRef>
+          <a:effectRef idx="0">
+            <a:schemeClr val="accent1"/>
+          </a:effectRef>
+          <a:fontRef idx="minor">
+            <a:schemeClr val="lt1"/>
+          </a:fontRef>
+        </p:style>
+        <p:txBody>
+          <a:bodyPr rtlCol="0" anchor="ctr"/>
+          <a:lstStyle/>
+          <a:p>
+            <a:pPr algn="ctr"/>
+            <a:endParaRPr lang="en-US"/>
+          </a:p>
+        </p:txBody>
+      </p:sp>
+      <p:sp>
+        <p:nvSpPr>
+          <p:cNvPr id="148" name="Rectangle 147">
+            <a:extLst>
+              <a:ext uri="{FF2B5EF4-FFF2-40B4-BE49-F238E27FC236}">
+                <a16:creationId xmlns:a16="http://schemas.microsoft.com/office/drawing/2014/main" id="{27BC3662-B476-4E80-9DB8-92244082FDEF}"/>
+              </a:ext>
+              <a:ext uri="{C183D7F6-B498-43B3-948B-1728B52AA6E4}">
+                <adec:decorative xmlns:adec="http://schemas.microsoft.com/office/drawing/2017/decorative" val="1"/>
+              </a:ext>
+            </a:extLst>
+          </p:cNvPr>
+          <p:cNvSpPr>
+            <a:spLocks noGrp="1" noRot="1" noChangeAspect="1" noMove="1" noResize="1" noEditPoints="1" noAdjustHandles="1" noChangeArrowheads="1" noChangeShapeType="1" noTextEdit="1"/>
+          </p:cNvSpPr>
+          <p:nvPr>
+            <p:extLst>
+              <p:ext uri="{386F3935-93C4-4BCD-93E2-E3B085C9AB24}">
+                <p16:designElem xmlns:p16="http://schemas.microsoft.com/office/powerpoint/2015/main" val="1"/>
+              </p:ext>
+            </p:extLst>
+          </p:nvPr>
+        </p:nvSpPr>
+        <p:spPr>
+          <a:xfrm>
+            <a:off x="0" y="2019476"/>
+            <a:ext cx="12192000" cy="4105941"/>
+          </a:xfrm>
+          <a:prstGeom prst="rect">
+            <a:avLst/>
+          </a:prstGeom>
+          <a:gradFill flip="none" rotWithShape="1">
+            <a:gsLst>
+              <a:gs pos="0">
+                <a:schemeClr val="bg2">
+                  <a:alpha val="0"/>
+                </a:schemeClr>
+              </a:gs>
+              <a:gs pos="100000">
+                <a:schemeClr val="bg2"/>
+              </a:gs>
+            </a:gsLst>
+            <a:lin ang="5400000" scaled="0"/>
+            <a:tileRect/>
+          </a:gradFill>
+          <a:ln>
+            <a:noFill/>
+          </a:ln>
+        </p:spPr>
+        <p:style>
+          <a:lnRef idx="2">
+            <a:schemeClr val="accent1">
+              <a:shade val="50000"/>
+            </a:schemeClr>
+          </a:lnRef>
+          <a:fillRef idx="1">
+            <a:schemeClr val="accent1"/>
+          </a:fillRef>
+          <a:effectRef idx="0">
+            <a:schemeClr val="accent1"/>
+          </a:effectRef>
+          <a:fontRef idx="minor">
+            <a:schemeClr val="lt1"/>
+          </a:fontRef>
+        </p:style>
+        <p:txBody>
+          <a:bodyPr rtlCol="0" anchor="ctr"/>
+          <a:lstStyle/>
+          <a:p>
+            <a:pPr lvl="0" algn="ctr"/>
+            <a:endParaRPr lang="en-US"/>
+          </a:p>
+        </p:txBody>
+      </p:sp>
+      <p:sp>
+        <p:nvSpPr>
+          <p:cNvPr id="2" name="Title 1">
+            <a:extLst>
+              <a:ext uri="{FF2B5EF4-FFF2-40B4-BE49-F238E27FC236}">
+                <a16:creationId xmlns:a16="http://schemas.microsoft.com/office/drawing/2014/main" id="{561D0A1F-0C63-0C4E-D9AC-CACCCD7DEA1C}"/>
+              </a:ext>
+            </a:extLst>
+          </p:cNvPr>
+          <p:cNvSpPr>
+            <a:spLocks noGrp="1"/>
+          </p:cNvSpPr>
+          <p:nvPr>
+            <p:ph type="title"/>
+          </p:nvPr>
+        </p:nvSpPr>
+        <p:spPr>
+          <a:xfrm>
+            <a:off x="8673476" y="1468464"/>
+            <a:ext cx="2858835" cy="1873219"/>
+          </a:xfrm>
+        </p:spPr>
+        <p:txBody>
+          <a:bodyPr vert="horz" lIns="91440" tIns="45720" rIns="91440" bIns="0" rtlCol="0" anchor="b">
+            <a:normAutofit/>
+          </a:bodyPr>
+          <a:lstStyle/>
+          <a:p>
+            <a:r>
+              <a:rPr lang="en-US" sz="3600" dirty="0"/>
+              <a:t>Compiling</a:t>
+            </a:r>
+          </a:p>
+        </p:txBody>
+      </p:sp>
+      <p:sp>
+        <p:nvSpPr>
+          <p:cNvPr id="3" name="Content Placeholder 2">
+            <a:extLst>
+              <a:ext uri="{FF2B5EF4-FFF2-40B4-BE49-F238E27FC236}">
+                <a16:creationId xmlns:a16="http://schemas.microsoft.com/office/drawing/2014/main" id="{0EE3E2BF-EE5F-7EFF-BDED-76C29CBCEA02}"/>
+              </a:ext>
+            </a:extLst>
+          </p:cNvPr>
+          <p:cNvSpPr>
+            <a:spLocks noGrp="1"/>
+          </p:cNvSpPr>
+          <p:nvPr>
+            <p:ph idx="1"/>
+          </p:nvPr>
+        </p:nvSpPr>
+        <p:spPr>
+          <a:xfrm>
+            <a:off x="8671407" y="3529160"/>
+            <a:ext cx="2848300" cy="1613537"/>
+          </a:xfrm>
+        </p:spPr>
+        <p:txBody>
+          <a:bodyPr vert="horz" lIns="91440" tIns="91440" rIns="91440" bIns="91440" rtlCol="0">
+            <a:normAutofit/>
+          </a:bodyPr>
+          <a:lstStyle/>
+          <a:p>
+            <a:pPr marL="0" indent="0">
+              <a:lnSpc>
+                <a:spcPct val="110000"/>
+              </a:lnSpc>
+              <a:buNone/>
+            </a:pPr>
+            <a:r>
+              <a:rPr lang="en-US" sz="1600" cap="all"/>
+              <a:t>The first place to turn to for how to make a function with a consistent scope was compiled C.</a:t>
+            </a:r>
+          </a:p>
+        </p:txBody>
+      </p:sp>
+      <p:pic>
+        <p:nvPicPr>
+          <p:cNvPr id="23" name="Picture 22" descr="A screenshot of a computer&#10;&#10;Description automatically generated with medium confidence">
+            <a:extLst>
+              <a:ext uri="{FF2B5EF4-FFF2-40B4-BE49-F238E27FC236}">
+                <a16:creationId xmlns:a16="http://schemas.microsoft.com/office/drawing/2014/main" id="{68A033CD-D030-36EA-63E0-046EE2B55712}"/>
+              </a:ext>
+            </a:extLst>
+          </p:cNvPr>
+          <p:cNvPicPr>
+            <a:picLocks noChangeAspect="1"/>
+          </p:cNvPicPr>
+          <p:nvPr/>
+        </p:nvPicPr>
+        <p:blipFill>
+          <a:blip r:embed="rId3"/>
+          <a:stretch>
+            <a:fillRect/>
+          </a:stretch>
+        </p:blipFill>
+        <p:spPr>
+          <a:xfrm>
+            <a:off x="1411533" y="520604"/>
+            <a:ext cx="2760642" cy="2491907"/>
+          </a:xfrm>
+          <a:prstGeom prst="rect">
+            <a:avLst/>
+          </a:prstGeom>
+        </p:spPr>
+      </p:pic>
+      <p:pic>
+        <p:nvPicPr>
+          <p:cNvPr id="27" name="Picture 26" descr="A screenshot of a computer&#10;&#10;Description automatically generated with medium confidence">
+            <a:extLst>
+              <a:ext uri="{FF2B5EF4-FFF2-40B4-BE49-F238E27FC236}">
+                <a16:creationId xmlns:a16="http://schemas.microsoft.com/office/drawing/2014/main" id="{EF05C489-9233-DBC2-384F-1CB9B255ADF7}"/>
+              </a:ext>
+            </a:extLst>
+          </p:cNvPr>
+          <p:cNvPicPr>
+            <a:picLocks noChangeAspect="1"/>
+          </p:cNvPicPr>
+          <p:nvPr/>
+        </p:nvPicPr>
+        <p:blipFill>
+          <a:blip r:embed="rId4"/>
+          <a:stretch>
+            <a:fillRect/>
+          </a:stretch>
+        </p:blipFill>
+        <p:spPr>
+          <a:xfrm>
+            <a:off x="4488786" y="522206"/>
+            <a:ext cx="3693150" cy="5067089"/>
+          </a:xfrm>
+          <a:prstGeom prst="rect">
+            <a:avLst/>
+          </a:prstGeom>
+        </p:spPr>
+      </p:pic>
+      <p:pic>
+        <p:nvPicPr>
+          <p:cNvPr id="31" name="Picture 30">
+            <a:extLst>
+              <a:ext uri="{FF2B5EF4-FFF2-40B4-BE49-F238E27FC236}">
+                <a16:creationId xmlns:a16="http://schemas.microsoft.com/office/drawing/2014/main" id="{B304D378-8E50-6E61-2FE6-EC153F8EE20D}"/>
+              </a:ext>
+            </a:extLst>
+          </p:cNvPr>
+          <p:cNvPicPr>
+            <a:picLocks noChangeAspect="1"/>
+          </p:cNvPicPr>
+          <p:nvPr/>
+        </p:nvPicPr>
+        <p:blipFill>
+          <a:blip r:embed="rId5"/>
+          <a:stretch>
+            <a:fillRect/>
+          </a:stretch>
+        </p:blipFill>
+        <p:spPr>
+          <a:xfrm>
+            <a:off x="485007" y="3597287"/>
+            <a:ext cx="3687168" cy="1992008"/>
+          </a:xfrm>
+          <a:prstGeom prst="rect">
+            <a:avLst/>
+          </a:prstGeom>
+        </p:spPr>
+      </p:pic>
+      <p:cxnSp>
+        <p:nvCxnSpPr>
+          <p:cNvPr id="150" name="Straight Connector 149">
+            <a:extLst>
+              <a:ext uri="{FF2B5EF4-FFF2-40B4-BE49-F238E27FC236}">
+                <a16:creationId xmlns:a16="http://schemas.microsoft.com/office/drawing/2014/main" id="{9F824A54-888E-4305-AAC0-F58D136F21C9}"/>
+              </a:ext>
+              <a:ext uri="{C183D7F6-B498-43B3-948B-1728B52AA6E4}">
+                <adec:decorative xmlns:adec="http://schemas.microsoft.com/office/drawing/2017/decorative" val="1"/>
+              </a:ext>
+            </a:extLst>
+          </p:cNvPr>
+          <p:cNvCxnSpPr>
+            <a:cxnSpLocks noGrp="1" noRot="1" noChangeAspect="1" noMove="1" noResize="1" noEditPoints="1" noAdjustHandles="1" noChangeArrowheads="1" noChangeShapeType="1"/>
+          </p:cNvCxnSpPr>
+          <p:nvPr>
+            <p:extLst>
+              <p:ext uri="{386F3935-93C4-4BCD-93E2-E3B085C9AB24}">
+                <p16:designElem xmlns:p16="http://schemas.microsoft.com/office/powerpoint/2015/main" val="1"/>
+              </p:ext>
+            </p:extLst>
+          </p:nvPr>
+        </p:nvCxnSpPr>
+        <p:spPr>
+          <a:xfrm>
+            <a:off x="8680960" y="3526496"/>
+            <a:ext cx="2844424" cy="0"/>
+          </a:xfrm>
+          <a:prstGeom prst="line">
+            <a:avLst/>
+          </a:prstGeom>
+          <a:ln w="31750"/>
+        </p:spPr>
+        <p:style>
+          <a:lnRef idx="3">
+            <a:schemeClr val="accent1"/>
+          </a:lnRef>
+          <a:fillRef idx="0">
+            <a:schemeClr val="accent1"/>
+          </a:fillRef>
+          <a:effectRef idx="2">
+            <a:schemeClr val="accent1"/>
+          </a:effectRef>
+          <a:fontRef idx="minor">
+            <a:schemeClr val="tx1"/>
+          </a:fontRef>
+        </p:style>
+      </p:cxnSp>
+      <p:pic>
+        <p:nvPicPr>
+          <p:cNvPr id="152" name="Picture 151">
+            <a:extLst>
+              <a:ext uri="{FF2B5EF4-FFF2-40B4-BE49-F238E27FC236}">
+                <a16:creationId xmlns:a16="http://schemas.microsoft.com/office/drawing/2014/main" id="{63C4FC2C-673A-4C7E-B73D-41007CF3836B}"/>
+              </a:ext>
+              <a:ext uri="{C183D7F6-B498-43B3-948B-1728B52AA6E4}">
+                <adec:decorative xmlns:adec="http://schemas.microsoft.com/office/drawing/2017/decorative" val="1"/>
+              </a:ext>
+            </a:extLst>
+          </p:cNvPr>
+          <p:cNvPicPr>
+            <a:picLocks noGrp="1" noRot="1" noChangeAspect="1" noMove="1" noResize="1" noEditPoints="1" noAdjustHandles="1" noChangeArrowheads="1" noChangeShapeType="1" noCrop="1"/>
+          </p:cNvPicPr>
+          <p:nvPr>
+            <p:extLst>
+              <p:ext uri="{386F3935-93C4-4BCD-93E2-E3B085C9AB24}">
+                <p16:designElem xmlns:p16="http://schemas.microsoft.com/office/powerpoint/2015/main" val="1"/>
+              </p:ext>
+            </p:extLst>
+          </p:nvPr>
+        </p:nvPicPr>
+        <p:blipFill rotWithShape="1">
+          <a:blip r:embed="rId2">
+            <a:extLst>
+              <a:ext uri="{28A0092B-C50C-407E-A947-70E740481C1C}">
+                <a14:useLocalDpi xmlns:a14="http://schemas.microsoft.com/office/drawing/2010/main" val="0"/>
+              </a:ext>
+            </a:extLst>
+          </a:blip>
+          <a:srcRect t="1538" b="-1538"/>
+          <a:stretch/>
+        </p:blipFill>
+        <p:spPr bwMode="black">
+          <a:xfrm>
+            <a:off x="0" y="6126480"/>
+            <a:ext cx="12192000" cy="742950"/>
+          </a:xfrm>
+          <a:prstGeom prst="rect">
+            <a:avLst/>
+          </a:prstGeom>
+        </p:spPr>
+      </p:pic>
+      <p:cxnSp>
+        <p:nvCxnSpPr>
+          <p:cNvPr id="154" name="Straight Connector 153">
+            <a:extLst>
+              <a:ext uri="{FF2B5EF4-FFF2-40B4-BE49-F238E27FC236}">
+                <a16:creationId xmlns:a16="http://schemas.microsoft.com/office/drawing/2014/main" id="{717C0D9D-2585-4972-BB3E-A26585F1F83E}"/>
+              </a:ext>
+              <a:ext uri="{C183D7F6-B498-43B3-948B-1728B52AA6E4}">
+                <adec:decorative xmlns:adec="http://schemas.microsoft.com/office/drawing/2017/decorative" val="1"/>
+              </a:ext>
+            </a:extLst>
+          </p:cNvPr>
+          <p:cNvCxnSpPr>
+            <a:cxnSpLocks noGrp="1" noRot="1" noChangeAspect="1" noMove="1" noResize="1" noEditPoints="1" noAdjustHandles="1" noChangeArrowheads="1" noChangeShapeType="1"/>
+          </p:cNvCxnSpPr>
+          <p:nvPr>
+            <p:extLst>
+              <p:ext uri="{386F3935-93C4-4BCD-93E2-E3B085C9AB24}">
+                <p16:designElem xmlns:p16="http://schemas.microsoft.com/office/powerpoint/2015/main" val="1"/>
+              </p:ext>
+            </p:extLst>
+          </p:nvPr>
+        </p:nvCxnSpPr>
+        <p:spPr>
+          <a:xfrm>
+            <a:off x="0" y="6128413"/>
+            <a:ext cx="12192000" cy="0"/>
+          </a:xfrm>
+          <a:prstGeom prst="line">
+            <a:avLst/>
+          </a:prstGeom>
+          <a:ln w="12700">
+            <a:solidFill>
+              <a:srgbClr val="000001">
+                <a:alpha val="20000"/>
+              </a:srgbClr>
+            </a:solidFill>
+          </a:ln>
+        </p:spPr>
+        <p:style>
+          <a:lnRef idx="1">
+            <a:schemeClr val="accent1"/>
+          </a:lnRef>
+          <a:fillRef idx="0">
+            <a:schemeClr val="accent1"/>
+          </a:fillRef>
+          <a:effectRef idx="0">
+            <a:schemeClr val="accent1"/>
+          </a:effectRef>
+          <a:fontRef idx="minor">
+            <a:schemeClr val="tx1"/>
+          </a:fontRef>
+        </p:style>
+      </p:cxnSp>
+    </p:spTree>
+    <p:extLst>
+      <p:ext uri="{BB962C8B-B14F-4D97-AF65-F5344CB8AC3E}">
+        <p14:creationId xmlns:p14="http://schemas.microsoft.com/office/powerpoint/2010/main" val="1105069204"/>
+      </p:ext>
+    </p:extLst>
+  </p:cSld>
+  <p:clrMapOvr>
+    <a:masterClrMapping/>
+  </p:clrMapOvr>
+</p:sld>
+</file>
+
+<file path=ppt/slides/slide4.xml><?xml version="1.0" encoding="utf-8"?>
+<p:sld xmlns:a="http://schemas.openxmlformats.org/drawingml/2006/main" xmlns:r="http://schemas.openxmlformats.org/officeDocument/2006/relationships" xmlns:p="http://schemas.openxmlformats.org/presentationml/2006/main">
+  <p:cSld>
+    <p:spTree>
+      <p:nvGrpSpPr>
+        <p:cNvPr id="1" name=""/>
+        <p:cNvGrpSpPr/>
+        <p:nvPr/>
+      </p:nvGrpSpPr>
+      <p:grpSpPr>
+        <a:xfrm>
+          <a:off x="0" y="0"/>
+          <a:ext cx="0" cy="0"/>
+          <a:chOff x="0" y="0"/>
+          <a:chExt cx="0" cy="0"/>
+        </a:xfrm>
+      </p:grpSpPr>
+      <p:sp>
+        <p:nvSpPr>
+          <p:cNvPr id="2" name="Title 1">
+            <a:extLst>
+              <a:ext uri="{FF2B5EF4-FFF2-40B4-BE49-F238E27FC236}">
+                <a16:creationId xmlns:a16="http://schemas.microsoft.com/office/drawing/2014/main" id="{D455D13C-797F-9AC1-156F-C35BE28EF1F7}"/>
+              </a:ext>
+            </a:extLst>
+          </p:cNvPr>
+          <p:cNvSpPr>
+            <a:spLocks noGrp="1"/>
+          </p:cNvSpPr>
+          <p:nvPr>
+            <p:ph type="title"/>
+          </p:nvPr>
+        </p:nvSpPr>
+        <p:spPr/>
+        <p:txBody>
+          <a:bodyPr/>
+          <a:lstStyle/>
+          <a:p>
+            <a:r>
+              <a:rPr lang="en-US" dirty="0"/>
+              <a:t>Implementing this process	 in TASM</a:t>
+            </a:r>
+          </a:p>
+        </p:txBody>
+      </p:sp>
+      <p:sp>
+        <p:nvSpPr>
+          <p:cNvPr id="3" name="Content Placeholder 2">
+            <a:extLst>
+              <a:ext uri="{FF2B5EF4-FFF2-40B4-BE49-F238E27FC236}">
+                <a16:creationId xmlns:a16="http://schemas.microsoft.com/office/drawing/2014/main" id="{7315A839-25B3-5D0B-6FD1-D954D53407C9}"/>
+              </a:ext>
+            </a:extLst>
+          </p:cNvPr>
+          <p:cNvSpPr>
+            <a:spLocks noGrp="1"/>
+          </p:cNvSpPr>
+          <p:nvPr>
+            <p:ph idx="1"/>
+          </p:nvPr>
+        </p:nvSpPr>
+        <p:spPr/>
+        <p:txBody>
+          <a:bodyPr/>
+          <a:lstStyle/>
+          <a:p>
+            <a:r>
+              <a:rPr lang="en-US" dirty="0"/>
+              <a:t>First, save the base pointer and move the stack pointer into base pointer.</a:t>
+            </a:r>
+          </a:p>
+          <a:p>
+            <a:r>
+              <a:rPr lang="en-US" dirty="0"/>
+              <a:t>This makes bp into an offset that lets procedure “arguments” be referred to consistently.</a:t>
+            </a:r>
+          </a:p>
+          <a:p>
+            <a:r>
+              <a:rPr lang="en-US" dirty="0"/>
+              <a:t>When procedure is called, return address gets pushed to stack by the call operation, then bp is pushed to stack by us, bp holds the stack pointer at this moment in time.</a:t>
+            </a:r>
+          </a:p>
+          <a:p>
+            <a:r>
+              <a:rPr lang="en-US" dirty="0"/>
+              <a:t>[bp] is the original base pointer, [bp+2] is the address to return to, [bp+4] is the last “argument” pushed, then [bp+6], [bp+8], and so on.</a:t>
+            </a:r>
+          </a:p>
+        </p:txBody>
+      </p:sp>
+    </p:spTree>
+    <p:extLst>
+      <p:ext uri="{BB962C8B-B14F-4D97-AF65-F5344CB8AC3E}">
+        <p14:creationId xmlns:p14="http://schemas.microsoft.com/office/powerpoint/2010/main" val="692019691"/>
+      </p:ext>
+    </p:extLst>
+  </p:cSld>
+  <p:clrMapOvr>
+    <a:masterClrMapping/>
+  </p:clrMapOvr>
+</p:sld>
+</file>
+
+<file path=ppt/slides/slide5.xml><?xml version="1.0" encoding="utf-8"?>
+<p:sld xmlns:a="http://schemas.openxmlformats.org/drawingml/2006/main" xmlns:r="http://schemas.openxmlformats.org/officeDocument/2006/relationships" xmlns:p="http://schemas.openxmlformats.org/presentationml/2006/main">
+  <p:cSld>
+    <p:bg>
+      <p:bgPr>
+        <a:gradFill rotWithShape="1">
+          <a:gsLst>
+            <a:gs pos="0">
+              <a:schemeClr val="bg2">
+                <a:tint val="94000"/>
+                <a:satMod val="80000"/>
+                <a:lumMod val="106000"/>
+              </a:schemeClr>
+            </a:gs>
+            <a:gs pos="100000">
+              <a:schemeClr val="bg2">
+                <a:shade val="80000"/>
+              </a:schemeClr>
+            </a:gs>
+          </a:gsLst>
+          <a:path path="circle">
+            <a:fillToRect l="43000" r="43000" b="100000"/>
+          </a:path>
+        </a:gradFill>
+        <a:effectLst/>
+      </p:bgPr>
+    </p:bg>
+    <p:spTree>
+      <p:nvGrpSpPr>
+        <p:cNvPr id="1" name=""/>
+        <p:cNvGrpSpPr/>
+        <p:nvPr/>
+      </p:nvGrpSpPr>
+      <p:grpSpPr>
+        <a:xfrm>
+          <a:off x="0" y="0"/>
+          <a:ext cx="0" cy="0"/>
+          <a:chOff x="0" y="0"/>
+          <a:chExt cx="0" cy="0"/>
+        </a:xfrm>
+      </p:grpSpPr>
+      <p:sp>
+        <p:nvSpPr>
+          <p:cNvPr id="42" name="Rectangle 19">
+            <a:extLst>
+              <a:ext uri="{FF2B5EF4-FFF2-40B4-BE49-F238E27FC236}">
+                <a16:creationId xmlns:a16="http://schemas.microsoft.com/office/drawing/2014/main" id="{E724B9E8-02C8-4B2E-8770-A00A67760DF0}"/>
+              </a:ext>
+              <a:ext uri="{C183D7F6-B498-43B3-948B-1728B52AA6E4}">
+                <adec:decorative xmlns:adec="http://schemas.microsoft.com/office/drawing/2017/decorative" val="1"/>
+              </a:ext>
+            </a:extLst>
+          </p:cNvPr>
+          <p:cNvSpPr>
+            <a:spLocks noGrp="1" noRot="1" noChangeAspect="1" noMove="1" noResize="1" noEditPoints="1" noAdjustHandles="1" noChangeArrowheads="1" noChangeShapeType="1" noTextEdit="1"/>
+          </p:cNvSpPr>
+          <p:nvPr>
+            <p:extLst>
+              <p:ext uri="{386F3935-93C4-4BCD-93E2-E3B085C9AB24}">
+                <p16:designElem xmlns:p16="http://schemas.microsoft.com/office/powerpoint/2015/main" val="1"/>
+              </p:ext>
+            </p:extLst>
+          </p:nvPr>
+        </p:nvSpPr>
+        <p:spPr>
+          <a:xfrm>
+            <a:off x="0" y="2019476"/>
+            <a:ext cx="12192000" cy="4105941"/>
+          </a:xfrm>
+          <a:prstGeom prst="rect">
+            <a:avLst/>
+          </a:prstGeom>
+          <a:gradFill flip="none" rotWithShape="1">
+            <a:gsLst>
+              <a:gs pos="0">
+                <a:schemeClr val="bg2">
+                  <a:alpha val="0"/>
+                </a:schemeClr>
+              </a:gs>
+              <a:gs pos="100000">
+                <a:schemeClr val="bg2"/>
+              </a:gs>
+            </a:gsLst>
+            <a:lin ang="5400000" scaled="0"/>
+            <a:tileRect/>
+          </a:gradFill>
+          <a:ln>
+            <a:noFill/>
+          </a:ln>
+        </p:spPr>
+        <p:style>
+          <a:lnRef idx="2">
+            <a:schemeClr val="accent1">
+              <a:shade val="50000"/>
+            </a:schemeClr>
+          </a:lnRef>
+          <a:fillRef idx="1">
+            <a:schemeClr val="accent1"/>
+          </a:fillRef>
+          <a:effectRef idx="0">
+            <a:schemeClr val="accent1"/>
+          </a:effectRef>
+          <a:fontRef idx="minor">
+            <a:schemeClr val="lt1"/>
+          </a:fontRef>
+        </p:style>
+      </p:sp>
+      <p:pic>
+        <p:nvPicPr>
+          <p:cNvPr id="43" name="Picture 21">
+            <a:extLst>
+              <a:ext uri="{FF2B5EF4-FFF2-40B4-BE49-F238E27FC236}">
+                <a16:creationId xmlns:a16="http://schemas.microsoft.com/office/drawing/2014/main" id="{7B8AE548-0BFA-4792-9962-3375923C7635}"/>
+              </a:ext>
+              <a:ext uri="{C183D7F6-B498-43B3-948B-1728B52AA6E4}">
+                <adec:decorative xmlns:adec="http://schemas.microsoft.com/office/drawing/2017/decorative" val="1"/>
+              </a:ext>
+            </a:extLst>
+          </p:cNvPr>
+          <p:cNvPicPr>
+            <a:picLocks noGrp="1" noRot="1" noChangeAspect="1" noMove="1" noResize="1" noEditPoints="1" noAdjustHandles="1" noChangeArrowheads="1" noChangeShapeType="1" noCrop="1"/>
+          </p:cNvPicPr>
+          <p:nvPr>
+            <p:extLst>
+              <p:ext uri="{386F3935-93C4-4BCD-93E2-E3B085C9AB24}">
+                <p16:designElem xmlns:p16="http://schemas.microsoft.com/office/powerpoint/2015/main" val="1"/>
+              </p:ext>
+            </p:extLst>
+          </p:nvPr>
+        </p:nvPicPr>
+        <p:blipFill rotWithShape="1">
+          <a:blip r:embed="rId2">
+            <a:extLst>
+              <a:ext uri="{28A0092B-C50C-407E-A947-70E740481C1C}">
+                <a14:useLocalDpi xmlns:a14="http://schemas.microsoft.com/office/drawing/2010/main" val="0"/>
+              </a:ext>
+            </a:extLst>
+          </a:blip>
+          <a:srcRect t="1538" b="-1538"/>
+          <a:stretch/>
+        </p:blipFill>
+        <p:spPr bwMode="black">
+          <a:xfrm>
+            <a:off x="0" y="6126480"/>
+            <a:ext cx="12192000" cy="742950"/>
+          </a:xfrm>
+          <a:prstGeom prst="rect">
+            <a:avLst/>
+          </a:prstGeom>
+        </p:spPr>
+      </p:pic>
+      <p:cxnSp>
+        <p:nvCxnSpPr>
+          <p:cNvPr id="44" name="Straight Connector 23">
+            <a:extLst>
+              <a:ext uri="{FF2B5EF4-FFF2-40B4-BE49-F238E27FC236}">
+                <a16:creationId xmlns:a16="http://schemas.microsoft.com/office/drawing/2014/main" id="{67639EF4-FA83-4D85-90FE-B831AF283896}"/>
+              </a:ext>
+              <a:ext uri="{C183D7F6-B498-43B3-948B-1728B52AA6E4}">
+                <adec:decorative xmlns:adec="http://schemas.microsoft.com/office/drawing/2017/decorative" val="1"/>
+              </a:ext>
+            </a:extLst>
+          </p:cNvPr>
+          <p:cNvCxnSpPr>
+            <a:cxnSpLocks noGrp="1" noRot="1" noChangeAspect="1" noMove="1" noResize="1" noEditPoints="1" noAdjustHandles="1" noChangeArrowheads="1" noChangeShapeType="1"/>
+          </p:cNvCxnSpPr>
+          <p:nvPr>
+            <p:extLst>
+              <p:ext uri="{386F3935-93C4-4BCD-93E2-E3B085C9AB24}">
+                <p16:designElem xmlns:p16="http://schemas.microsoft.com/office/powerpoint/2015/main" val="1"/>
+              </p:ext>
+            </p:extLst>
+          </p:nvPr>
+        </p:nvCxnSpPr>
+        <p:spPr>
+          <a:xfrm>
+            <a:off x="0" y="6128413"/>
+            <a:ext cx="12192000" cy="0"/>
+          </a:xfrm>
+          <a:prstGeom prst="line">
+            <a:avLst/>
+          </a:prstGeom>
+          <a:ln w="12700">
+            <a:solidFill>
+              <a:srgbClr val="000001">
+                <a:alpha val="20000"/>
+              </a:srgbClr>
+            </a:solidFill>
+          </a:ln>
+        </p:spPr>
+        <p:style>
+          <a:lnRef idx="1">
+            <a:schemeClr val="accent1"/>
+          </a:lnRef>
+          <a:fillRef idx="0">
+            <a:schemeClr val="accent1"/>
+          </a:fillRef>
+          <a:effectRef idx="0">
+            <a:schemeClr val="accent1"/>
+          </a:effectRef>
+          <a:fontRef idx="minor">
+            <a:schemeClr val="tx1"/>
+          </a:fontRef>
+        </p:style>
+      </p:cxnSp>
+      <p:cxnSp>
+        <p:nvCxnSpPr>
+          <p:cNvPr id="45" name="Straight Connector 25">
+            <a:extLst>
+              <a:ext uri="{FF2B5EF4-FFF2-40B4-BE49-F238E27FC236}">
+                <a16:creationId xmlns:a16="http://schemas.microsoft.com/office/drawing/2014/main" id="{CC87E76A-8F50-413D-9BFC-C5A1525BD9BC}"/>
+              </a:ext>
+              <a:ext uri="{C183D7F6-B498-43B3-948B-1728B52AA6E4}">
+                <adec:decorative xmlns:adec="http://schemas.microsoft.com/office/drawing/2017/decorative" val="1"/>
+              </a:ext>
+            </a:extLst>
+          </p:cNvPr>
+          <p:cNvCxnSpPr>
+            <a:cxnSpLocks noGrp="1" noRot="1" noChangeAspect="1" noMove="1" noResize="1" noEditPoints="1" noAdjustHandles="1" noChangeArrowheads="1" noChangeShapeType="1"/>
+          </p:cNvCxnSpPr>
+          <p:nvPr>
+            <p:extLst>
+              <p:ext uri="{386F3935-93C4-4BCD-93E2-E3B085C9AB24}">
+                <p16:designElem xmlns:p16="http://schemas.microsoft.com/office/powerpoint/2015/main" val="1"/>
+              </p:ext>
+            </p:extLst>
+          </p:nvPr>
+        </p:nvCxnSpPr>
+        <p:spPr>
+          <a:xfrm>
+            <a:off x="2417780" y="3528542"/>
+            <a:ext cx="8637072" cy="0"/>
+          </a:xfrm>
+          <a:prstGeom prst="line">
+            <a:avLst/>
+          </a:prstGeom>
+          <a:ln w="31750"/>
+        </p:spPr>
+        <p:style>
+          <a:lnRef idx="3">
+            <a:schemeClr val="accent1"/>
+          </a:lnRef>
+          <a:fillRef idx="0">
+            <a:schemeClr val="accent1"/>
+          </a:fillRef>
+          <a:effectRef idx="2">
+            <a:schemeClr val="accent1"/>
+          </a:effectRef>
+          <a:fontRef idx="minor">
+            <a:schemeClr val="tx1"/>
+          </a:fontRef>
+        </p:style>
+      </p:cxnSp>
+      <p:sp useBgFill="1">
+        <p:nvSpPr>
+          <p:cNvPr id="46" name="Rectangle 27">
+            <a:extLst>
+              <a:ext uri="{FF2B5EF4-FFF2-40B4-BE49-F238E27FC236}">
+                <a16:creationId xmlns:a16="http://schemas.microsoft.com/office/drawing/2014/main" id="{0F28EA84-13B4-4494-A4D3-8DE462FF0E6B}"/>
+              </a:ext>
+              <a:ext uri="{C183D7F6-B498-43B3-948B-1728B52AA6E4}">
+                <adec:decorative xmlns:adec="http://schemas.microsoft.com/office/drawing/2017/decorative" val="1"/>
+              </a:ext>
+            </a:extLst>
+          </p:cNvPr>
+          <p:cNvSpPr>
+            <a:spLocks noGrp="1" noRot="1" noChangeAspect="1" noMove="1" noResize="1" noEditPoints="1" noAdjustHandles="1" noChangeArrowheads="1" noChangeShapeType="1" noTextEdit="1"/>
+          </p:cNvSpPr>
+          <p:nvPr>
+            <p:extLst>
+              <p:ext uri="{386F3935-93C4-4BCD-93E2-E3B085C9AB24}">
+                <p16:designElem xmlns:p16="http://schemas.microsoft.com/office/powerpoint/2015/main" val="1"/>
+              </p:ext>
+            </p:extLst>
+          </p:nvPr>
+        </p:nvSpPr>
+        <p:spPr>
+          <a:xfrm>
+            <a:off x="2" y="0"/>
+            <a:ext cx="12191695" cy="6858000"/>
+          </a:xfrm>
+          <a:prstGeom prst="rect">
+            <a:avLst/>
+          </a:prstGeom>
+          <a:ln>
+            <a:noFill/>
+          </a:ln>
+        </p:spPr>
+        <p:style>
+          <a:lnRef idx="2">
+            <a:schemeClr val="accent1">
+              <a:shade val="50000"/>
+            </a:schemeClr>
+          </a:lnRef>
+          <a:fillRef idx="1">
+            <a:schemeClr val="accent1"/>
+          </a:fillRef>
+          <a:effectRef idx="0">
+            <a:schemeClr val="accent1"/>
+          </a:effectRef>
+          <a:fontRef idx="minor">
+            <a:schemeClr val="lt1"/>
+          </a:fontRef>
+        </p:style>
+        <p:txBody>
+          <a:bodyPr rtlCol="0" anchor="ctr"/>
+          <a:lstStyle/>
+          <a:p>
+            <a:pPr algn="ctr"/>
+            <a:endParaRPr lang="en-US"/>
+          </a:p>
+        </p:txBody>
+      </p:sp>
+      <p:sp>
+        <p:nvSpPr>
+          <p:cNvPr id="47" name="Rectangle 29">
+            <a:extLst>
+              <a:ext uri="{FF2B5EF4-FFF2-40B4-BE49-F238E27FC236}">
+                <a16:creationId xmlns:a16="http://schemas.microsoft.com/office/drawing/2014/main" id="{6BEB1B24-66CE-4D63-A39D-2D1B481DF95E}"/>
+              </a:ext>
+              <a:ext uri="{C183D7F6-B498-43B3-948B-1728B52AA6E4}">
+                <adec:decorative xmlns:adec="http://schemas.microsoft.com/office/drawing/2017/decorative" val="1"/>
+              </a:ext>
+            </a:extLst>
+          </p:cNvPr>
+          <p:cNvSpPr>
+            <a:spLocks noGrp="1" noRot="1" noChangeAspect="1" noMove="1" noResize="1" noEditPoints="1" noAdjustHandles="1" noChangeArrowheads="1" noChangeShapeType="1" noTextEdit="1"/>
+          </p:cNvSpPr>
+          <p:nvPr>
+            <p:extLst>
+              <p:ext uri="{386F3935-93C4-4BCD-93E2-E3B085C9AB24}">
+                <p16:designElem xmlns:p16="http://schemas.microsoft.com/office/powerpoint/2015/main" val="1"/>
+              </p:ext>
+            </p:extLst>
+          </p:nvPr>
+        </p:nvSpPr>
+        <p:spPr>
+          <a:xfrm>
+            <a:off x="0" y="2019476"/>
+            <a:ext cx="12192000" cy="4105941"/>
+          </a:xfrm>
+          <a:prstGeom prst="rect">
+            <a:avLst/>
+          </a:prstGeom>
+          <a:gradFill flip="none" rotWithShape="1">
+            <a:gsLst>
+              <a:gs pos="0">
+                <a:schemeClr val="bg2">
+                  <a:alpha val="0"/>
+                </a:schemeClr>
+              </a:gs>
+              <a:gs pos="100000">
+                <a:schemeClr val="bg2"/>
+              </a:gs>
+            </a:gsLst>
+            <a:lin ang="5400000" scaled="0"/>
+            <a:tileRect/>
+          </a:gradFill>
+          <a:ln>
+            <a:noFill/>
+          </a:ln>
+        </p:spPr>
+        <p:style>
+          <a:lnRef idx="2">
+            <a:schemeClr val="accent1">
+              <a:shade val="50000"/>
+            </a:schemeClr>
+          </a:lnRef>
+          <a:fillRef idx="1">
+            <a:schemeClr val="accent1"/>
+          </a:fillRef>
+          <a:effectRef idx="0">
+            <a:schemeClr val="accent1"/>
+          </a:effectRef>
+          <a:fontRef idx="minor">
+            <a:schemeClr val="lt1"/>
+          </a:fontRef>
+        </p:style>
+        <p:txBody>
+          <a:bodyPr rtlCol="0" anchor="ctr"/>
+          <a:lstStyle/>
+          <a:p>
+            <a:pPr lvl="0" algn="ctr"/>
+            <a:endParaRPr lang="en-US"/>
+          </a:p>
+        </p:txBody>
+      </p:sp>
+      <p:sp>
+        <p:nvSpPr>
+          <p:cNvPr id="2" name="Title 1">
+            <a:extLst>
+              <a:ext uri="{FF2B5EF4-FFF2-40B4-BE49-F238E27FC236}">
+                <a16:creationId xmlns:a16="http://schemas.microsoft.com/office/drawing/2014/main" id="{C490B5FB-6E39-462B-BF64-E8D5AECA1914}"/>
+              </a:ext>
+            </a:extLst>
+          </p:cNvPr>
+          <p:cNvSpPr>
+            <a:spLocks noGrp="1"/>
+          </p:cNvSpPr>
+          <p:nvPr>
+            <p:ph type="title"/>
+          </p:nvPr>
+        </p:nvSpPr>
+        <p:spPr>
+          <a:xfrm>
+            <a:off x="659301" y="1474969"/>
+            <a:ext cx="2823919" cy="1868760"/>
+          </a:xfrm>
+        </p:spPr>
+        <p:txBody>
+          <a:bodyPr vert="horz" lIns="91440" tIns="45720" rIns="91440" bIns="0" rtlCol="0" anchor="b">
+            <a:normAutofit/>
+          </a:bodyPr>
+          <a:lstStyle/>
+          <a:p>
+            <a:r>
+              <a:rPr lang="en-US" sz="2800" dirty="0"/>
+              <a:t>Implementing this process</a:t>
+            </a:r>
+          </a:p>
+        </p:txBody>
+      </p:sp>
+      <p:cxnSp>
+        <p:nvCxnSpPr>
+          <p:cNvPr id="48" name="Straight Connector 31">
+            <a:extLst>
+              <a:ext uri="{FF2B5EF4-FFF2-40B4-BE49-F238E27FC236}">
+                <a16:creationId xmlns:a16="http://schemas.microsoft.com/office/drawing/2014/main" id="{78DE337D-1DBA-4536-8145-B43EE65C747D}"/>
+              </a:ext>
+              <a:ext uri="{C183D7F6-B498-43B3-948B-1728B52AA6E4}">
+                <adec:decorative xmlns:adec="http://schemas.microsoft.com/office/drawing/2017/decorative" val="1"/>
+              </a:ext>
+            </a:extLst>
+          </p:cNvPr>
+          <p:cNvCxnSpPr>
+            <a:cxnSpLocks noGrp="1" noRot="1" noChangeAspect="1" noMove="1" noResize="1" noEditPoints="1" noAdjustHandles="1" noChangeArrowheads="1" noChangeShapeType="1"/>
+          </p:cNvCxnSpPr>
+          <p:nvPr>
+            <p:extLst>
+              <p:ext uri="{386F3935-93C4-4BCD-93E2-E3B085C9AB24}">
+                <p16:designElem xmlns:p16="http://schemas.microsoft.com/office/powerpoint/2015/main" val="1"/>
+              </p:ext>
+            </p:extLst>
+          </p:nvPr>
+        </p:nvCxnSpPr>
+        <p:spPr>
+          <a:xfrm>
+            <a:off x="659301" y="3528543"/>
+            <a:ext cx="2823919" cy="0"/>
+          </a:xfrm>
+          <a:prstGeom prst="line">
+            <a:avLst/>
+          </a:prstGeom>
+          <a:ln w="31750"/>
+        </p:spPr>
+        <p:style>
+          <a:lnRef idx="3">
+            <a:schemeClr val="accent1"/>
+          </a:lnRef>
+          <a:fillRef idx="0">
+            <a:schemeClr val="accent1"/>
+          </a:fillRef>
+          <a:effectRef idx="2">
+            <a:schemeClr val="accent1"/>
+          </a:effectRef>
+          <a:fontRef idx="minor">
+            <a:schemeClr val="tx1"/>
+          </a:fontRef>
+        </p:style>
+      </p:cxnSp>
+      <p:pic>
+        <p:nvPicPr>
+          <p:cNvPr id="15" name="Picture 14">
+            <a:extLst>
+              <a:ext uri="{FF2B5EF4-FFF2-40B4-BE49-F238E27FC236}">
+                <a16:creationId xmlns:a16="http://schemas.microsoft.com/office/drawing/2014/main" id="{47B6ADB0-F81B-2AAB-13E3-E1CA7317EA45}"/>
+              </a:ext>
+            </a:extLst>
+          </p:cNvPr>
+          <p:cNvPicPr>
+            <a:picLocks noChangeAspect="1"/>
+          </p:cNvPicPr>
+          <p:nvPr/>
+        </p:nvPicPr>
+        <p:blipFill>
+          <a:blip r:embed="rId3"/>
+          <a:stretch>
+            <a:fillRect/>
+          </a:stretch>
+        </p:blipFill>
+        <p:spPr>
+          <a:xfrm>
+            <a:off x="3989479" y="1547615"/>
+            <a:ext cx="3693150" cy="3016271"/>
+          </a:xfrm>
+          <a:prstGeom prst="rect">
+            <a:avLst/>
+          </a:prstGeom>
+        </p:spPr>
+      </p:pic>
+      <p:pic>
+        <p:nvPicPr>
+          <p:cNvPr id="11" name="Picture 10">
+            <a:extLst>
+              <a:ext uri="{FF2B5EF4-FFF2-40B4-BE49-F238E27FC236}">
+                <a16:creationId xmlns:a16="http://schemas.microsoft.com/office/drawing/2014/main" id="{B8F4D5F4-D273-C34F-D8BE-54854DF13851}"/>
+              </a:ext>
+            </a:extLst>
+          </p:cNvPr>
+          <p:cNvPicPr>
+            <a:picLocks noChangeAspect="1"/>
+          </p:cNvPicPr>
+          <p:nvPr/>
+        </p:nvPicPr>
+        <p:blipFill>
+          <a:blip r:embed="rId4"/>
+          <a:stretch>
+            <a:fillRect/>
+          </a:stretch>
+        </p:blipFill>
+        <p:spPr>
+          <a:xfrm>
+            <a:off x="7846354" y="630129"/>
+            <a:ext cx="3687168" cy="2193864"/>
+          </a:xfrm>
+          <a:prstGeom prst="rect">
+            <a:avLst/>
+          </a:prstGeom>
+        </p:spPr>
+      </p:pic>
+      <p:pic>
+        <p:nvPicPr>
+          <p:cNvPr id="13" name="Picture 12">
+            <a:extLst>
+              <a:ext uri="{FF2B5EF4-FFF2-40B4-BE49-F238E27FC236}">
+                <a16:creationId xmlns:a16="http://schemas.microsoft.com/office/drawing/2014/main" id="{D9935483-9FCD-DD9E-BCA6-5D50BB3CE171}"/>
+              </a:ext>
+            </a:extLst>
+          </p:cNvPr>
+          <p:cNvPicPr>
+            <a:picLocks noChangeAspect="1"/>
+          </p:cNvPicPr>
+          <p:nvPr/>
+        </p:nvPicPr>
+        <p:blipFill>
+          <a:blip r:embed="rId5"/>
+          <a:stretch>
+            <a:fillRect/>
+          </a:stretch>
+        </p:blipFill>
+        <p:spPr>
+          <a:xfrm>
+            <a:off x="7846051" y="3308418"/>
+            <a:ext cx="3687168" cy="2152042"/>
+          </a:xfrm>
+          <a:prstGeom prst="rect">
+            <a:avLst/>
+          </a:prstGeom>
+        </p:spPr>
+      </p:pic>
+      <p:pic>
+        <p:nvPicPr>
+          <p:cNvPr id="49" name="Picture 33">
+            <a:extLst>
+              <a:ext uri="{FF2B5EF4-FFF2-40B4-BE49-F238E27FC236}">
+                <a16:creationId xmlns:a16="http://schemas.microsoft.com/office/drawing/2014/main" id="{E7233926-059A-41AD-A9F2-56552CF4FF6B}"/>
+              </a:ext>
+              <a:ext uri="{C183D7F6-B498-43B3-948B-1728B52AA6E4}">
+                <adec:decorative xmlns:adec="http://schemas.microsoft.com/office/drawing/2017/decorative" val="1"/>
+              </a:ext>
+            </a:extLst>
+          </p:cNvPr>
+          <p:cNvPicPr>
+            <a:picLocks noGrp="1" noRot="1" noChangeAspect="1" noMove="1" noResize="1" noEditPoints="1" noAdjustHandles="1" noChangeArrowheads="1" noChangeShapeType="1" noCrop="1"/>
+          </p:cNvPicPr>
+          <p:nvPr>
+            <p:extLst>
+              <p:ext uri="{386F3935-93C4-4BCD-93E2-E3B085C9AB24}">
+                <p16:designElem xmlns:p16="http://schemas.microsoft.com/office/powerpoint/2015/main" val="1"/>
+              </p:ext>
+            </p:extLst>
+          </p:nvPr>
+        </p:nvPicPr>
+        <p:blipFill rotWithShape="1">
+          <a:blip r:embed="rId2">
+            <a:extLst>
+              <a:ext uri="{28A0092B-C50C-407E-A947-70E740481C1C}">
+                <a14:useLocalDpi xmlns:a14="http://schemas.microsoft.com/office/drawing/2010/main" val="0"/>
+              </a:ext>
+            </a:extLst>
+          </a:blip>
+          <a:srcRect t="1538" b="-1538"/>
+          <a:stretch/>
+        </p:blipFill>
+        <p:spPr bwMode="black">
+          <a:xfrm>
+            <a:off x="0" y="6126480"/>
+            <a:ext cx="12192000" cy="742950"/>
+          </a:xfrm>
+          <a:prstGeom prst="rect">
+            <a:avLst/>
+          </a:prstGeom>
+        </p:spPr>
+      </p:pic>
+      <p:cxnSp>
+        <p:nvCxnSpPr>
+          <p:cNvPr id="50" name="Straight Connector 35">
+            <a:extLst>
+              <a:ext uri="{FF2B5EF4-FFF2-40B4-BE49-F238E27FC236}">
+                <a16:creationId xmlns:a16="http://schemas.microsoft.com/office/drawing/2014/main" id="{C13C145E-93D4-481E-92DC-736D9EBA37FC}"/>
+              </a:ext>
+              <a:ext uri="{C183D7F6-B498-43B3-948B-1728B52AA6E4}">
+                <adec:decorative xmlns:adec="http://schemas.microsoft.com/office/drawing/2017/decorative" val="1"/>
+              </a:ext>
+            </a:extLst>
+          </p:cNvPr>
+          <p:cNvCxnSpPr>
+            <a:cxnSpLocks noGrp="1" noRot="1" noChangeAspect="1" noMove="1" noResize="1" noEditPoints="1" noAdjustHandles="1" noChangeArrowheads="1" noChangeShapeType="1"/>
+          </p:cNvCxnSpPr>
+          <p:nvPr>
+            <p:extLst>
+              <p:ext uri="{386F3935-93C4-4BCD-93E2-E3B085C9AB24}">
+                <p16:designElem xmlns:p16="http://schemas.microsoft.com/office/powerpoint/2015/main" val="1"/>
+              </p:ext>
+            </p:extLst>
+          </p:nvPr>
+        </p:nvCxnSpPr>
+        <p:spPr>
+          <a:xfrm>
+            <a:off x="0" y="6128413"/>
+            <a:ext cx="12192000" cy="0"/>
+          </a:xfrm>
+          <a:prstGeom prst="line">
+            <a:avLst/>
+          </a:prstGeom>
+          <a:ln w="12700">
+            <a:solidFill>
+              <a:srgbClr val="000001">
+                <a:alpha val="20000"/>
+              </a:srgbClr>
+            </a:solidFill>
+          </a:ln>
+        </p:spPr>
+        <p:style>
+          <a:lnRef idx="1">
+            <a:schemeClr val="accent1"/>
+          </a:lnRef>
+          <a:fillRef idx="0">
+            <a:schemeClr val="accent1"/>
+          </a:fillRef>
+          <a:effectRef idx="0">
+            <a:schemeClr val="accent1"/>
+          </a:effectRef>
+          <a:fontRef idx="minor">
+            <a:schemeClr val="tx1"/>
+          </a:fontRef>
+        </p:style>
+      </p:cxnSp>
+    </p:spTree>
+    <p:extLst>
+      <p:ext uri="{BB962C8B-B14F-4D97-AF65-F5344CB8AC3E}">
+        <p14:creationId xmlns:p14="http://schemas.microsoft.com/office/powerpoint/2010/main" val="939395748"/>
+      </p:ext>
+    </p:extLst>
+  </p:cSld>
+  <p:clrMapOvr>
+    <a:masterClrMapping/>
+  </p:clrMapOvr>
+</p:sld>
+</file>
+
+<file path=ppt/slides/slide6.xml><?xml version="1.0" encoding="utf-8"?>
+<p:sld xmlns:a="http://schemas.openxmlformats.org/drawingml/2006/main" xmlns:r="http://schemas.openxmlformats.org/officeDocument/2006/relationships" xmlns:p="http://schemas.openxmlformats.org/presentationml/2006/main">
+  <p:cSld>
+    <p:spTree>
+      <p:nvGrpSpPr>
+        <p:cNvPr id="1" name=""/>
+        <p:cNvGrpSpPr/>
+        <p:nvPr/>
+      </p:nvGrpSpPr>
+      <p:grpSpPr>
+        <a:xfrm>
+          <a:off x="0" y="0"/>
+          <a:ext cx="0" cy="0"/>
+          <a:chOff x="0" y="0"/>
+          <a:chExt cx="0" cy="0"/>
+        </a:xfrm>
+      </p:grpSpPr>
+      <p:sp>
+        <p:nvSpPr>
+          <p:cNvPr id="2" name="Title 1">
+            <a:extLst>
+              <a:ext uri="{FF2B5EF4-FFF2-40B4-BE49-F238E27FC236}">
+                <a16:creationId xmlns:a16="http://schemas.microsoft.com/office/drawing/2014/main" id="{AC45F756-34DC-D118-26B3-BFD22B6E1CC8}"/>
+              </a:ext>
+            </a:extLst>
+          </p:cNvPr>
+          <p:cNvSpPr>
+            <a:spLocks noGrp="1"/>
+          </p:cNvSpPr>
+          <p:nvPr>
+            <p:ph type="title"/>
+          </p:nvPr>
+        </p:nvSpPr>
+        <p:spPr/>
+        <p:txBody>
+          <a:bodyPr/>
+          <a:lstStyle/>
+          <a:p>
+            <a:r>
+              <a:rPr lang="en-US" dirty="0"/>
+              <a:t>Practicality	</a:t>
+            </a:r>
+          </a:p>
+        </p:txBody>
+      </p:sp>
+      <p:sp>
+        <p:nvSpPr>
+          <p:cNvPr id="3" name="Content Placeholder 2">
+            <a:extLst>
+              <a:ext uri="{FF2B5EF4-FFF2-40B4-BE49-F238E27FC236}">
+                <a16:creationId xmlns:a16="http://schemas.microsoft.com/office/drawing/2014/main" id="{0FDD1A63-4F8B-27A5-DF41-FDE8CD9440CF}"/>
+              </a:ext>
+            </a:extLst>
+          </p:cNvPr>
+          <p:cNvSpPr>
+            <a:spLocks noGrp="1"/>
+          </p:cNvSpPr>
+          <p:nvPr>
+            <p:ph idx="1"/>
+          </p:nvPr>
+        </p:nvSpPr>
+        <p:spPr/>
+        <p:txBody>
+          <a:bodyPr/>
+          <a:lstStyle/>
+          <a:p>
+            <a:r>
+              <a:rPr lang="en-US" dirty="0"/>
+              <a:t>Most of the time, functions only take, at most, one or two arguments.</a:t>
+            </a:r>
+          </a:p>
+          <a:p>
+            <a:r>
+              <a:rPr lang="en-US" dirty="0"/>
+              <a:t>This is easy to implement by passing registers, so why bother pushing everything just to move it back into registers to do operations on?</a:t>
+            </a:r>
+          </a:p>
+          <a:p>
+            <a:r>
+              <a:rPr lang="en-US" dirty="0"/>
+              <a:t>Consistency: Literally every procedure can be designed to have the exact same input/output behavior, and that makes working with those procedures as if they were C functions extremely easy.</a:t>
+            </a:r>
+          </a:p>
+          <a:p>
+            <a:r>
+              <a:rPr lang="en-US" dirty="0"/>
+              <a:t>Push bx, call square is now identical to ax = square(bx), with no need to modify those registers before calling the function.</a:t>
+            </a:r>
+          </a:p>
+        </p:txBody>
+      </p:sp>
+    </p:spTree>
+    <p:extLst>
+      <p:ext uri="{BB962C8B-B14F-4D97-AF65-F5344CB8AC3E}">
+        <p14:creationId xmlns:p14="http://schemas.microsoft.com/office/powerpoint/2010/main" val="2074227398"/>
+      </p:ext>
+    </p:extLst>
+  </p:cSld>
+  <p:clrMapOvr>
+    <a:masterClrMapping/>
+  </p:clrMapOvr>
+</p:sld>
+</file>
+
 <file path=ppt/theme/theme1.xml><?xml version="1.0" encoding="utf-8"?>
 <a:theme xmlns:a="http://schemas.openxmlformats.org/drawingml/2006/main" name="Gallery">
   <a:themeElements>

--- a/FinalPresentation.pptx
+++ b/FinalPresentation.pptx
@@ -8,9 +8,12 @@
     <p:sldId id="256" r:id="rId2"/>
     <p:sldId id="257" r:id="rId3"/>
     <p:sldId id="258" r:id="rId4"/>
-    <p:sldId id="259" r:id="rId5"/>
-    <p:sldId id="260" r:id="rId6"/>
-    <p:sldId id="261" r:id="rId7"/>
+    <p:sldId id="262" r:id="rId5"/>
+    <p:sldId id="263" r:id="rId6"/>
+    <p:sldId id="259" r:id="rId7"/>
+    <p:sldId id="260" r:id="rId8"/>
+    <p:sldId id="261" r:id="rId9"/>
+    <p:sldId id="264" r:id="rId10"/>
   </p:sldIdLst>
   <p:sldSz cx="12192000" cy="6858000"/>
   <p:notesSz cx="6858000" cy="9144000"/>
@@ -256,7 +259,7 @@
           <a:p>
             <a:fld id="{5F1E1CA5-B2D8-4145-95B6-2A9DFAB2AD4B}" type="datetimeFigureOut">
               <a:rPr lang="en-US" smtClean="0"/>
-              <a:t>11/30/2022</a:t>
+              <a:t>12/3/2022</a:t>
             </a:fld>
             <a:endParaRPr lang="en-US"/>
           </a:p>
@@ -467,7 +470,7 @@
           <a:p>
             <a:fld id="{5F1E1CA5-B2D8-4145-95B6-2A9DFAB2AD4B}" type="datetimeFigureOut">
               <a:rPr lang="en-US" smtClean="0"/>
-              <a:t>11/30/2022</a:t>
+              <a:t>12/3/2022</a:t>
             </a:fld>
             <a:endParaRPr lang="en-US"/>
           </a:p>
@@ -682,7 +685,7 @@
           <a:p>
             <a:fld id="{5F1E1CA5-B2D8-4145-95B6-2A9DFAB2AD4B}" type="datetimeFigureOut">
               <a:rPr lang="en-US" smtClean="0"/>
-              <a:t>11/30/2022</a:t>
+              <a:t>12/3/2022</a:t>
             </a:fld>
             <a:endParaRPr lang="en-US"/>
           </a:p>
@@ -883,7 +886,7 @@
           <a:p>
             <a:fld id="{5F1E1CA5-B2D8-4145-95B6-2A9DFAB2AD4B}" type="datetimeFigureOut">
               <a:rPr lang="en-US" smtClean="0"/>
-              <a:t>11/30/2022</a:t>
+              <a:t>12/3/2022</a:t>
             </a:fld>
             <a:endParaRPr lang="en-US"/>
           </a:p>
@@ -1162,7 +1165,7 @@
           <a:p>
             <a:fld id="{5F1E1CA5-B2D8-4145-95B6-2A9DFAB2AD4B}" type="datetimeFigureOut">
               <a:rPr lang="en-US" smtClean="0"/>
-              <a:t>11/30/2022</a:t>
+              <a:t>12/3/2022</a:t>
             </a:fld>
             <a:endParaRPr lang="en-US"/>
           </a:p>
@@ -1430,7 +1433,7 @@
           <a:p>
             <a:fld id="{5F1E1CA5-B2D8-4145-95B6-2A9DFAB2AD4B}" type="datetimeFigureOut">
               <a:rPr lang="en-US" smtClean="0"/>
-              <a:t>11/30/2022</a:t>
+              <a:t>12/3/2022</a:t>
             </a:fld>
             <a:endParaRPr lang="en-US"/>
           </a:p>
@@ -1846,7 +1849,7 @@
           <a:p>
             <a:fld id="{5F1E1CA5-B2D8-4145-95B6-2A9DFAB2AD4B}" type="datetimeFigureOut">
               <a:rPr lang="en-US" smtClean="0"/>
-              <a:t>11/30/2022</a:t>
+              <a:t>12/3/2022</a:t>
             </a:fld>
             <a:endParaRPr lang="en-US"/>
           </a:p>
@@ -1995,7 +1998,7 @@
           <a:p>
             <a:fld id="{5F1E1CA5-B2D8-4145-95B6-2A9DFAB2AD4B}" type="datetimeFigureOut">
               <a:rPr lang="en-US" smtClean="0"/>
-              <a:t>11/30/2022</a:t>
+              <a:t>12/3/2022</a:t>
             </a:fld>
             <a:endParaRPr lang="en-US"/>
           </a:p>
@@ -2121,7 +2124,7 @@
           <a:p>
             <a:fld id="{5F1E1CA5-B2D8-4145-95B6-2A9DFAB2AD4B}" type="datetimeFigureOut">
               <a:rPr lang="en-US" smtClean="0"/>
-              <a:t>11/30/2022</a:t>
+              <a:t>12/3/2022</a:t>
             </a:fld>
             <a:endParaRPr lang="en-US"/>
           </a:p>
@@ -2372,7 +2375,7 @@
           <a:p>
             <a:fld id="{5F1E1CA5-B2D8-4145-95B6-2A9DFAB2AD4B}" type="datetimeFigureOut">
               <a:rPr lang="en-US" smtClean="0"/>
-              <a:t>11/30/2022</a:t>
+              <a:t>12/3/2022</a:t>
             </a:fld>
             <a:endParaRPr lang="en-US"/>
           </a:p>
@@ -2817,7 +2820,7 @@
           <a:p>
             <a:fld id="{5F1E1CA5-B2D8-4145-95B6-2A9DFAB2AD4B}" type="datetimeFigureOut">
               <a:rPr lang="en-US" smtClean="0"/>
-              <a:t>11/30/2022</a:t>
+              <a:t>12/3/2022</a:t>
             </a:fld>
             <a:endParaRPr lang="en-US"/>
           </a:p>
@@ -3144,7 +3147,7 @@
           <a:p>
             <a:fld id="{5F1E1CA5-B2D8-4145-95B6-2A9DFAB2AD4B}" type="datetimeFigureOut">
               <a:rPr lang="en-US" smtClean="0"/>
-              <a:t>11/30/2022</a:t>
+              <a:t>12/3/2022</a:t>
             </a:fld>
             <a:endParaRPr lang="en-US"/>
           </a:p>
@@ -3784,7 +3787,7 @@
           <a:p>
             <a:r>
               <a:rPr lang="en-US" dirty="0"/>
-              <a:t>This forces out all the unnecessary changes that assembly makes to data and made us establish a scope and a consistent way of operating with data.</a:t>
+              <a:t>This forces out all the unnecessary changes that assembly makes to data and made us establish a consistent way of operating with data, as well as passing data to and from procedures.</a:t>
             </a:r>
           </a:p>
           <a:p>
@@ -4542,6 +4545,247 @@
           <p:cNvPr id="2" name="Title 1">
             <a:extLst>
               <a:ext uri="{FF2B5EF4-FFF2-40B4-BE49-F238E27FC236}">
+                <a16:creationId xmlns:a16="http://schemas.microsoft.com/office/drawing/2014/main" id="{DCB47D40-23DD-B57F-91CF-80693E4031E8}"/>
+              </a:ext>
+            </a:extLst>
+          </p:cNvPr>
+          <p:cNvSpPr>
+            <a:spLocks noGrp="1"/>
+          </p:cNvSpPr>
+          <p:nvPr>
+            <p:ph type="title"/>
+          </p:nvPr>
+        </p:nvSpPr>
+        <p:spPr/>
+        <p:txBody>
+          <a:bodyPr/>
+          <a:lstStyle/>
+          <a:p>
+            <a:r>
+              <a:rPr lang="en-US" dirty="0"/>
+              <a:t>Calling conventions</a:t>
+            </a:r>
+          </a:p>
+        </p:txBody>
+      </p:sp>
+      <p:sp>
+        <p:nvSpPr>
+          <p:cNvPr id="3" name="Content Placeholder 2">
+            <a:extLst>
+              <a:ext uri="{FF2B5EF4-FFF2-40B4-BE49-F238E27FC236}">
+                <a16:creationId xmlns:a16="http://schemas.microsoft.com/office/drawing/2014/main" id="{56C9314A-756C-6D8B-29F4-3AF83750E0E1}"/>
+              </a:ext>
+            </a:extLst>
+          </p:cNvPr>
+          <p:cNvSpPr>
+            <a:spLocks noGrp="1"/>
+          </p:cNvSpPr>
+          <p:nvPr>
+            <p:ph idx="1"/>
+          </p:nvPr>
+        </p:nvSpPr>
+        <p:spPr/>
+        <p:txBody>
+          <a:bodyPr>
+            <a:normAutofit fontScale="92500" lnSpcReduction="10000"/>
+          </a:bodyPr>
+          <a:lstStyle/>
+          <a:p>
+            <a:r>
+              <a:rPr lang="en-US" dirty="0"/>
+              <a:t>The specific way that these are implemented is very specific to each compiler.</a:t>
+            </a:r>
+          </a:p>
+          <a:p>
+            <a:r>
+              <a:rPr lang="en-US" dirty="0"/>
+              <a:t>GCC uses one calling convention, Turbo C++ uses a different one, etc. Even within calling conventions these can differ</a:t>
+            </a:r>
+          </a:p>
+          <a:p>
+            <a:r>
+              <a:rPr lang="en-US" dirty="0"/>
+              <a:t>Trying to interface with object files generated from the same code by different compilers can be very different.</a:t>
+            </a:r>
+          </a:p>
+          <a:p>
+            <a:r>
+              <a:rPr lang="en-US" dirty="0"/>
+              <a:t>Assemblers won’t enforce these conventions, when writing x86 assembly directly, it’s the programmer’s job to make sure that these conventions are followed.</a:t>
+            </a:r>
+          </a:p>
+          <a:p>
+            <a:r>
+              <a:rPr lang="en-US" dirty="0"/>
+              <a:t>However, using the same calling convention between x86 procedures and external, compiled C functions can let you work between them.</a:t>
+            </a:r>
+          </a:p>
+        </p:txBody>
+      </p:sp>
+    </p:spTree>
+    <p:extLst>
+      <p:ext uri="{BB962C8B-B14F-4D97-AF65-F5344CB8AC3E}">
+        <p14:creationId xmlns:p14="http://schemas.microsoft.com/office/powerpoint/2010/main" val="1585667265"/>
+      </p:ext>
+    </p:extLst>
+  </p:cSld>
+  <p:clrMapOvr>
+    <a:masterClrMapping/>
+  </p:clrMapOvr>
+</p:sld>
+</file>
+
+<file path=ppt/slides/slide5.xml><?xml version="1.0" encoding="utf-8"?>
+<p:sld xmlns:a="http://schemas.openxmlformats.org/drawingml/2006/main" xmlns:r="http://schemas.openxmlformats.org/officeDocument/2006/relationships" xmlns:p="http://schemas.openxmlformats.org/presentationml/2006/main">
+  <p:cSld>
+    <p:spTree>
+      <p:nvGrpSpPr>
+        <p:cNvPr id="1" name=""/>
+        <p:cNvGrpSpPr/>
+        <p:nvPr/>
+      </p:nvGrpSpPr>
+      <p:grpSpPr>
+        <a:xfrm>
+          <a:off x="0" y="0"/>
+          <a:ext cx="0" cy="0"/>
+          <a:chOff x="0" y="0"/>
+          <a:chExt cx="0" cy="0"/>
+        </a:xfrm>
+      </p:grpSpPr>
+      <p:sp>
+        <p:nvSpPr>
+          <p:cNvPr id="2" name="Title 1">
+            <a:extLst>
+              <a:ext uri="{FF2B5EF4-FFF2-40B4-BE49-F238E27FC236}">
+                <a16:creationId xmlns:a16="http://schemas.microsoft.com/office/drawing/2014/main" id="{67454F1A-0123-8BC3-B19B-311CAF44EF04}"/>
+              </a:ext>
+            </a:extLst>
+          </p:cNvPr>
+          <p:cNvSpPr>
+            <a:spLocks noGrp="1"/>
+          </p:cNvSpPr>
+          <p:nvPr>
+            <p:ph type="title"/>
+          </p:nvPr>
+        </p:nvSpPr>
+        <p:spPr/>
+        <p:txBody>
+          <a:bodyPr/>
+          <a:lstStyle/>
+          <a:p>
+            <a:r>
+              <a:rPr lang="en-US" dirty="0"/>
+              <a:t>Cdecl calling convention</a:t>
+            </a:r>
+          </a:p>
+        </p:txBody>
+      </p:sp>
+      <p:sp>
+        <p:nvSpPr>
+          <p:cNvPr id="3" name="Content Placeholder 2">
+            <a:extLst>
+              <a:ext uri="{FF2B5EF4-FFF2-40B4-BE49-F238E27FC236}">
+                <a16:creationId xmlns:a16="http://schemas.microsoft.com/office/drawing/2014/main" id="{A1A39458-7177-522E-B2EF-3E988CDF9736}"/>
+              </a:ext>
+            </a:extLst>
+          </p:cNvPr>
+          <p:cNvSpPr>
+            <a:spLocks noGrp="1"/>
+          </p:cNvSpPr>
+          <p:nvPr>
+            <p:ph idx="1"/>
+          </p:nvPr>
+        </p:nvSpPr>
+        <p:spPr>
+          <a:xfrm>
+            <a:off x="1451579" y="2015732"/>
+            <a:ext cx="9603275" cy="4037749"/>
+          </a:xfrm>
+        </p:spPr>
+        <p:txBody>
+          <a:bodyPr>
+            <a:normAutofit fontScale="92500" lnSpcReduction="10000"/>
+          </a:bodyPr>
+          <a:lstStyle/>
+          <a:p>
+            <a:r>
+              <a:rPr lang="en-US" dirty="0"/>
+              <a:t>We start with a C function, something like int multiply(int x, int y) { return x * y; }</a:t>
+            </a:r>
+          </a:p>
+          <a:p>
+            <a:r>
+              <a:rPr lang="en-US" dirty="0"/>
+              <a:t>These data types are enforced by the compiler, we obviously won’t have them inside our assembly.</a:t>
+            </a:r>
+          </a:p>
+          <a:p>
+            <a:r>
+              <a:rPr lang="en-US" dirty="0"/>
+              <a:t>Our function name becomes a procedure.</a:t>
+            </a:r>
+          </a:p>
+          <a:p>
+            <a:r>
+              <a:rPr lang="en-US" dirty="0"/>
+              <a:t>Our arguments become things that we pass onto the stack before our procedure call. The specific way this compiles is from right to left, so we push y, then push x.</a:t>
+            </a:r>
+          </a:p>
+          <a:p>
+            <a:r>
+              <a:rPr lang="en-US" dirty="0"/>
+              <a:t>Our return value becomes a value that gets put into ax.</a:t>
+            </a:r>
+          </a:p>
+          <a:p>
+            <a:r>
+              <a:rPr lang="en-US" dirty="0"/>
+              <a:t>Void functions won’t return anything.</a:t>
+            </a:r>
+          </a:p>
+          <a:p>
+            <a:r>
+              <a:rPr lang="en-US" dirty="0"/>
+              <a:t>Our arguments are not cleared from the stack by the procedure, so our stack should be the same as before we called the procedure. (Same stack pointer, same data below it)</a:t>
+            </a:r>
+          </a:p>
+        </p:txBody>
+      </p:sp>
+    </p:spTree>
+    <p:extLst>
+      <p:ext uri="{BB962C8B-B14F-4D97-AF65-F5344CB8AC3E}">
+        <p14:creationId xmlns:p14="http://schemas.microsoft.com/office/powerpoint/2010/main" val="71688917"/>
+      </p:ext>
+    </p:extLst>
+  </p:cSld>
+  <p:clrMapOvr>
+    <a:masterClrMapping/>
+  </p:clrMapOvr>
+</p:sld>
+</file>
+
+<file path=ppt/slides/slide6.xml><?xml version="1.0" encoding="utf-8"?>
+<p:sld xmlns:a="http://schemas.openxmlformats.org/drawingml/2006/main" xmlns:r="http://schemas.openxmlformats.org/officeDocument/2006/relationships" xmlns:p="http://schemas.openxmlformats.org/presentationml/2006/main">
+  <p:cSld>
+    <p:spTree>
+      <p:nvGrpSpPr>
+        <p:cNvPr id="1" name=""/>
+        <p:cNvGrpSpPr/>
+        <p:nvPr/>
+      </p:nvGrpSpPr>
+      <p:grpSpPr>
+        <a:xfrm>
+          <a:off x="0" y="0"/>
+          <a:ext cx="0" cy="0"/>
+          <a:chOff x="0" y="0"/>
+          <a:chExt cx="0" cy="0"/>
+        </a:xfrm>
+      </p:grpSpPr>
+      <p:sp>
+        <p:nvSpPr>
+          <p:cNvPr id="2" name="Title 1">
+            <a:extLst>
+              <a:ext uri="{FF2B5EF4-FFF2-40B4-BE49-F238E27FC236}">
                 <a16:creationId xmlns:a16="http://schemas.microsoft.com/office/drawing/2014/main" id="{D455D13C-797F-9AC1-156F-C35BE28EF1F7}"/>
               </a:ext>
             </a:extLst>
@@ -4583,7 +4827,9 @@
         </p:nvSpPr>
         <p:spPr/>
         <p:txBody>
-          <a:bodyPr/>
+          <a:bodyPr>
+            <a:normAutofit fontScale="92500"/>
+          </a:bodyPr>
           <a:lstStyle/>
           <a:p>
             <a:r>
@@ -4594,7 +4840,7 @@
           <a:p>
             <a:r>
               <a:rPr lang="en-US" dirty="0"/>
-              <a:t>This makes bp into an offset that lets procedure “arguments” be referred to consistently.</a:t>
+              <a:t>This makes bp into an offset that lets procedure “arguments” be referred to consistently, it also saves the stack pointer (so long as bp isn’t modified), letting us consistently return to our main function regardless of what we’ve put onto the stack.</a:t>
             </a:r>
           </a:p>
           <a:p>
@@ -4606,7 +4852,7 @@
           <a:p>
             <a:r>
               <a:rPr lang="en-US" dirty="0"/>
-              <a:t>[bp] is the original base pointer, [bp+2] is the address to return to, [bp+4] is the last “argument” pushed, then [bp+6], [bp+8], and so on.</a:t>
+              <a:t>[bp] is the original base pointer, [bp+2] is the instruction pointer to return to, [bp+4] is the last “argument” pushed (So the left-most, in compiled C), then [bp+6], [bp+8], and so on.</a:t>
             </a:r>
           </a:p>
         </p:txBody>
@@ -4624,7 +4870,7 @@
 </p:sld>
 </file>
 
-<file path=ppt/slides/slide5.xml><?xml version="1.0" encoding="utf-8"?>
+<file path=ppt/slides/slide7.xml><?xml version="1.0" encoding="utf-8"?>
 <p:sld xmlns:a="http://schemas.openxmlformats.org/drawingml/2006/main" xmlns:r="http://schemas.openxmlformats.org/officeDocument/2006/relationships" xmlns:p="http://schemas.openxmlformats.org/presentationml/2006/main">
   <p:cSld>
     <p:bg>
@@ -4667,7 +4913,7 @@
       </p:grpSpPr>
       <p:sp>
         <p:nvSpPr>
-          <p:cNvPr id="42" name="Rectangle 19">
+          <p:cNvPr id="55" name="Rectangle 54">
             <a:extLst>
               <a:ext uri="{FF2B5EF4-FFF2-40B4-BE49-F238E27FC236}">
                 <a16:creationId xmlns:a16="http://schemas.microsoft.com/office/drawing/2014/main" id="{E724B9E8-02C8-4B2E-8770-A00A67760DF0}"/>
@@ -4733,7 +4979,7 @@
       </p:sp>
       <p:pic>
         <p:nvPicPr>
-          <p:cNvPr id="43" name="Picture 21">
+          <p:cNvPr id="57" name="Picture 56">
             <a:extLst>
               <a:ext uri="{FF2B5EF4-FFF2-40B4-BE49-F238E27FC236}">
                 <a16:creationId xmlns:a16="http://schemas.microsoft.com/office/drawing/2014/main" id="{7B8AE548-0BFA-4792-9962-3375923C7635}"/>
@@ -4777,7 +5023,7 @@
       </p:pic>
       <p:cxnSp>
         <p:nvCxnSpPr>
-          <p:cNvPr id="44" name="Straight Connector 23">
+          <p:cNvPr id="59" name="Straight Connector 58">
             <a:extLst>
               <a:ext uri="{FF2B5EF4-FFF2-40B4-BE49-F238E27FC236}">
                 <a16:creationId xmlns:a16="http://schemas.microsoft.com/office/drawing/2014/main" id="{67639EF4-FA83-4D85-90FE-B831AF283896}"/>
@@ -4831,7 +5077,7 @@
       </p:cxnSp>
       <p:cxnSp>
         <p:nvCxnSpPr>
-          <p:cNvPr id="45" name="Straight Connector 25">
+          <p:cNvPr id="61" name="Straight Connector 60">
             <a:extLst>
               <a:ext uri="{FF2B5EF4-FFF2-40B4-BE49-F238E27FC236}">
                 <a16:creationId xmlns:a16="http://schemas.microsoft.com/office/drawing/2014/main" id="{CC87E76A-8F50-413D-9BFC-C5A1525BD9BC}"/>
@@ -4879,7 +5125,7 @@
       </p:cxnSp>
       <p:sp useBgFill="1">
         <p:nvSpPr>
-          <p:cNvPr id="46" name="Rectangle 27">
+          <p:cNvPr id="110" name="Rectangle 62">
             <a:extLst>
               <a:ext uri="{FF2B5EF4-FFF2-40B4-BE49-F238E27FC236}">
                 <a16:creationId xmlns:a16="http://schemas.microsoft.com/office/drawing/2014/main" id="{0F28EA84-13B4-4494-A4D3-8DE462FF0E6B}"/>
@@ -4939,7 +5185,7 @@
       </p:sp>
       <p:sp>
         <p:nvSpPr>
-          <p:cNvPr id="47" name="Rectangle 29">
+          <p:cNvPr id="111" name="Rectangle 64">
             <a:extLst>
               <a:ext uri="{FF2B5EF4-FFF2-40B4-BE49-F238E27FC236}">
                 <a16:creationId xmlns:a16="http://schemas.microsoft.com/office/drawing/2014/main" id="{6BEB1B24-66CE-4D63-A39D-2D1B481DF95E}"/>
@@ -5040,15 +5286,16 @@
           <a:lstStyle/>
           <a:p>
             <a:r>
-              <a:rPr lang="en-US" sz="2800" dirty="0"/>
+              <a:rPr lang="en-US" sz="2800"/>
               <a:t>Implementing this process</a:t>
             </a:r>
+            <a:endParaRPr lang="en-US" sz="2800" dirty="0"/>
           </a:p>
         </p:txBody>
       </p:sp>
       <p:cxnSp>
         <p:nvCxnSpPr>
-          <p:cNvPr id="48" name="Straight Connector 31">
+          <p:cNvPr id="67" name="Straight Connector 66">
             <a:extLst>
               <a:ext uri="{FF2B5EF4-FFF2-40B4-BE49-F238E27FC236}">
                 <a16:creationId xmlns:a16="http://schemas.microsoft.com/office/drawing/2014/main" id="{78DE337D-1DBA-4536-8145-B43EE65C747D}"/>
@@ -5096,10 +5343,10 @@
       </p:cxnSp>
       <p:pic>
         <p:nvPicPr>
-          <p:cNvPr id="15" name="Picture 14">
+          <p:cNvPr id="4" name="Picture 3">
             <a:extLst>
               <a:ext uri="{FF2B5EF4-FFF2-40B4-BE49-F238E27FC236}">
-                <a16:creationId xmlns:a16="http://schemas.microsoft.com/office/drawing/2014/main" id="{47B6ADB0-F81B-2AAB-13E3-E1CA7317EA45}"/>
+                <a16:creationId xmlns:a16="http://schemas.microsoft.com/office/drawing/2014/main" id="{6F46C0AB-B9BA-4994-911E-098FA7A3B064}"/>
               </a:ext>
             </a:extLst>
           </p:cNvPr>
@@ -5116,8 +5363,8 @@
         </p:blipFill>
         <p:spPr>
           <a:xfrm>
-            <a:off x="3989479" y="1547615"/>
-            <a:ext cx="3693150" cy="3016271"/>
+            <a:off x="3989479" y="1645730"/>
+            <a:ext cx="3693150" cy="2820041"/>
           </a:xfrm>
           <a:prstGeom prst="rect">
             <a:avLst/>
@@ -5186,7 +5433,7 @@
       </p:pic>
       <p:pic>
         <p:nvPicPr>
-          <p:cNvPr id="49" name="Picture 33">
+          <p:cNvPr id="69" name="Picture 68">
             <a:extLst>
               <a:ext uri="{FF2B5EF4-FFF2-40B4-BE49-F238E27FC236}">
                 <a16:creationId xmlns:a16="http://schemas.microsoft.com/office/drawing/2014/main" id="{E7233926-059A-41AD-A9F2-56552CF4FF6B}"/>
@@ -5230,7 +5477,7 @@
       </p:pic>
       <p:cxnSp>
         <p:nvCxnSpPr>
-          <p:cNvPr id="50" name="Straight Connector 35">
+          <p:cNvPr id="112" name="Straight Connector 70">
             <a:extLst>
               <a:ext uri="{FF2B5EF4-FFF2-40B4-BE49-F238E27FC236}">
                 <a16:creationId xmlns:a16="http://schemas.microsoft.com/office/drawing/2014/main" id="{C13C145E-93D4-481E-92DC-736D9EBA37FC}"/>
@@ -5295,7 +5542,7 @@
 </p:sld>
 </file>
 
-<file path=ppt/slides/slide6.xml><?xml version="1.0" encoding="utf-8"?>
+<file path=ppt/slides/slide8.xml><?xml version="1.0" encoding="utf-8"?>
 <p:sld xmlns:a="http://schemas.openxmlformats.org/drawingml/2006/main" xmlns:r="http://schemas.openxmlformats.org/officeDocument/2006/relationships" xmlns:p="http://schemas.openxmlformats.org/presentationml/2006/main">
   <p:cSld>
     <p:spTree>
@@ -5381,7 +5628,7 @@
           <a:p>
             <a:r>
               <a:rPr lang="en-US" dirty="0"/>
-              <a:t>Push bx, call square is now identical to ax = square(bx), with no need to modify those registers before calling the function.</a:t>
+              <a:t>Push bx, call square, sub sp, 2 is now identical to ax = square(bx);</a:t>
             </a:r>
           </a:p>
         </p:txBody>
@@ -5390,6 +5637,112 @@
     <p:extLst>
       <p:ext uri="{BB962C8B-B14F-4D97-AF65-F5344CB8AC3E}">
         <p14:creationId xmlns:p14="http://schemas.microsoft.com/office/powerpoint/2010/main" val="2074227398"/>
+      </p:ext>
+    </p:extLst>
+  </p:cSld>
+  <p:clrMapOvr>
+    <a:masterClrMapping/>
+  </p:clrMapOvr>
+</p:sld>
+</file>
+
+<file path=ppt/slides/slide9.xml><?xml version="1.0" encoding="utf-8"?>
+<p:sld xmlns:a="http://schemas.openxmlformats.org/drawingml/2006/main" xmlns:r="http://schemas.openxmlformats.org/officeDocument/2006/relationships" xmlns:p="http://schemas.openxmlformats.org/presentationml/2006/main">
+  <p:cSld>
+    <p:spTree>
+      <p:nvGrpSpPr>
+        <p:cNvPr id="1" name=""/>
+        <p:cNvGrpSpPr/>
+        <p:nvPr/>
+      </p:nvGrpSpPr>
+      <p:grpSpPr>
+        <a:xfrm>
+          <a:off x="0" y="0"/>
+          <a:ext cx="0" cy="0"/>
+          <a:chOff x="0" y="0"/>
+          <a:chExt cx="0" cy="0"/>
+        </a:xfrm>
+      </p:grpSpPr>
+      <p:sp>
+        <p:nvSpPr>
+          <p:cNvPr id="2" name="Title 1">
+            <a:extLst>
+              <a:ext uri="{FF2B5EF4-FFF2-40B4-BE49-F238E27FC236}">
+                <a16:creationId xmlns:a16="http://schemas.microsoft.com/office/drawing/2014/main" id="{0212BF9B-8F5B-021F-71E6-0F2A290DAF86}"/>
+              </a:ext>
+            </a:extLst>
+          </p:cNvPr>
+          <p:cNvSpPr>
+            <a:spLocks noGrp="1"/>
+          </p:cNvSpPr>
+          <p:nvPr>
+            <p:ph type="title"/>
+          </p:nvPr>
+        </p:nvSpPr>
+        <p:spPr/>
+        <p:txBody>
+          <a:bodyPr/>
+          <a:lstStyle/>
+          <a:p>
+            <a:r>
+              <a:rPr lang="en-US" dirty="0"/>
+              <a:t>Practicality	</a:t>
+            </a:r>
+          </a:p>
+        </p:txBody>
+      </p:sp>
+      <p:sp>
+        <p:nvSpPr>
+          <p:cNvPr id="3" name="Content Placeholder 2">
+            <a:extLst>
+              <a:ext uri="{FF2B5EF4-FFF2-40B4-BE49-F238E27FC236}">
+                <a16:creationId xmlns:a16="http://schemas.microsoft.com/office/drawing/2014/main" id="{764C0BF9-689A-BBE5-A69C-F5C644A959FC}"/>
+              </a:ext>
+            </a:extLst>
+          </p:cNvPr>
+          <p:cNvSpPr>
+            <a:spLocks noGrp="1"/>
+          </p:cNvSpPr>
+          <p:nvPr>
+            <p:ph idx="1"/>
+          </p:nvPr>
+        </p:nvSpPr>
+        <p:spPr/>
+        <p:txBody>
+          <a:bodyPr/>
+          <a:lstStyle/>
+          <a:p>
+            <a:r>
+              <a:rPr lang="en-US" dirty="0"/>
+              <a:t>However, to make it even more practical, we could make our calling convention match a specific C compiler, and then we would be able to interface external C functions with our assembly code.</a:t>
+            </a:r>
+          </a:p>
+          <a:p>
+            <a:r>
+              <a:rPr lang="en-US" dirty="0"/>
+              <a:t>Since we decided to study </a:t>
+            </a:r>
+            <a:r>
+              <a:rPr lang="en-US" dirty="0" err="1"/>
+              <a:t>cdecl</a:t>
+            </a:r>
+            <a:r>
+              <a:rPr lang="en-US" dirty="0"/>
+              <a:t>, our code will be easier to work with functions compiled with GCC, but our directives and structure is still set up for TASM.</a:t>
+            </a:r>
+          </a:p>
+          <a:p>
+            <a:r>
+              <a:rPr lang="en-US" dirty="0"/>
+              <a:t>However, this specific project was more about understanding how higher-level code compiles than it is about specifically interfacing our assembly code with C functions.</a:t>
+            </a:r>
+          </a:p>
+        </p:txBody>
+      </p:sp>
+    </p:spTree>
+    <p:extLst>
+      <p:ext uri="{BB962C8B-B14F-4D97-AF65-F5344CB8AC3E}">
+        <p14:creationId xmlns:p14="http://schemas.microsoft.com/office/powerpoint/2010/main" val="3615227313"/>
       </p:ext>
     </p:extLst>
   </p:cSld>

--- a/FinalPresentation.pptx
+++ b/FinalPresentation.pptx
@@ -259,7 +259,7 @@
           <a:p>
             <a:fld id="{5F1E1CA5-B2D8-4145-95B6-2A9DFAB2AD4B}" type="datetimeFigureOut">
               <a:rPr lang="en-US" smtClean="0"/>
-              <a:t>12/3/2022</a:t>
+              <a:t>12/4/2022</a:t>
             </a:fld>
             <a:endParaRPr lang="en-US"/>
           </a:p>
@@ -470,7 +470,7 @@
           <a:p>
             <a:fld id="{5F1E1CA5-B2D8-4145-95B6-2A9DFAB2AD4B}" type="datetimeFigureOut">
               <a:rPr lang="en-US" smtClean="0"/>
-              <a:t>12/3/2022</a:t>
+              <a:t>12/4/2022</a:t>
             </a:fld>
             <a:endParaRPr lang="en-US"/>
           </a:p>
@@ -685,7 +685,7 @@
           <a:p>
             <a:fld id="{5F1E1CA5-B2D8-4145-95B6-2A9DFAB2AD4B}" type="datetimeFigureOut">
               <a:rPr lang="en-US" smtClean="0"/>
-              <a:t>12/3/2022</a:t>
+              <a:t>12/4/2022</a:t>
             </a:fld>
             <a:endParaRPr lang="en-US"/>
           </a:p>
@@ -886,7 +886,7 @@
           <a:p>
             <a:fld id="{5F1E1CA5-B2D8-4145-95B6-2A9DFAB2AD4B}" type="datetimeFigureOut">
               <a:rPr lang="en-US" smtClean="0"/>
-              <a:t>12/3/2022</a:t>
+              <a:t>12/4/2022</a:t>
             </a:fld>
             <a:endParaRPr lang="en-US"/>
           </a:p>
@@ -1165,7 +1165,7 @@
           <a:p>
             <a:fld id="{5F1E1CA5-B2D8-4145-95B6-2A9DFAB2AD4B}" type="datetimeFigureOut">
               <a:rPr lang="en-US" smtClean="0"/>
-              <a:t>12/3/2022</a:t>
+              <a:t>12/4/2022</a:t>
             </a:fld>
             <a:endParaRPr lang="en-US"/>
           </a:p>
@@ -1433,7 +1433,7 @@
           <a:p>
             <a:fld id="{5F1E1CA5-B2D8-4145-95B6-2A9DFAB2AD4B}" type="datetimeFigureOut">
               <a:rPr lang="en-US" smtClean="0"/>
-              <a:t>12/3/2022</a:t>
+              <a:t>12/4/2022</a:t>
             </a:fld>
             <a:endParaRPr lang="en-US"/>
           </a:p>
@@ -1849,7 +1849,7 @@
           <a:p>
             <a:fld id="{5F1E1CA5-B2D8-4145-95B6-2A9DFAB2AD4B}" type="datetimeFigureOut">
               <a:rPr lang="en-US" smtClean="0"/>
-              <a:t>12/3/2022</a:t>
+              <a:t>12/4/2022</a:t>
             </a:fld>
             <a:endParaRPr lang="en-US"/>
           </a:p>
@@ -1998,7 +1998,7 @@
           <a:p>
             <a:fld id="{5F1E1CA5-B2D8-4145-95B6-2A9DFAB2AD4B}" type="datetimeFigureOut">
               <a:rPr lang="en-US" smtClean="0"/>
-              <a:t>12/3/2022</a:t>
+              <a:t>12/4/2022</a:t>
             </a:fld>
             <a:endParaRPr lang="en-US"/>
           </a:p>
@@ -2124,7 +2124,7 @@
           <a:p>
             <a:fld id="{5F1E1CA5-B2D8-4145-95B6-2A9DFAB2AD4B}" type="datetimeFigureOut">
               <a:rPr lang="en-US" smtClean="0"/>
-              <a:t>12/3/2022</a:t>
+              <a:t>12/4/2022</a:t>
             </a:fld>
             <a:endParaRPr lang="en-US"/>
           </a:p>
@@ -2375,7 +2375,7 @@
           <a:p>
             <a:fld id="{5F1E1CA5-B2D8-4145-95B6-2A9DFAB2AD4B}" type="datetimeFigureOut">
               <a:rPr lang="en-US" smtClean="0"/>
-              <a:t>12/3/2022</a:t>
+              <a:t>12/4/2022</a:t>
             </a:fld>
             <a:endParaRPr lang="en-US"/>
           </a:p>
@@ -2820,7 +2820,7 @@
           <a:p>
             <a:fld id="{5F1E1CA5-B2D8-4145-95B6-2A9DFAB2AD4B}" type="datetimeFigureOut">
               <a:rPr lang="en-US" smtClean="0"/>
-              <a:t>12/3/2022</a:t>
+              <a:t>12/4/2022</a:t>
             </a:fld>
             <a:endParaRPr lang="en-US"/>
           </a:p>
@@ -3147,7 +3147,7 @@
           <a:p>
             <a:fld id="{5F1E1CA5-B2D8-4145-95B6-2A9DFAB2AD4B}" type="datetimeFigureOut">
               <a:rPr lang="en-US" smtClean="0"/>
-              <a:t>12/3/2022</a:t>
+              <a:t>12/4/2022</a:t>
             </a:fld>
             <a:endParaRPr lang="en-US"/>
           </a:p>
@@ -3656,7 +3656,7 @@
           <a:p>
             <a:r>
               <a:rPr lang="en-US" dirty="0"/>
-              <a:t>X86 Assembly Library</a:t>
+              <a:t>Base conversion library</a:t>
             </a:r>
           </a:p>
         </p:txBody>

--- a/FinalPresentation.pptx
+++ b/FinalPresentation.pptx
@@ -8,12 +8,13 @@
     <p:sldId id="256" r:id="rId2"/>
     <p:sldId id="257" r:id="rId3"/>
     <p:sldId id="258" r:id="rId4"/>
-    <p:sldId id="262" r:id="rId5"/>
-    <p:sldId id="263" r:id="rId6"/>
-    <p:sldId id="259" r:id="rId7"/>
-    <p:sldId id="260" r:id="rId8"/>
-    <p:sldId id="261" r:id="rId9"/>
-    <p:sldId id="264" r:id="rId10"/>
+    <p:sldId id="265" r:id="rId5"/>
+    <p:sldId id="262" r:id="rId6"/>
+    <p:sldId id="263" r:id="rId7"/>
+    <p:sldId id="259" r:id="rId8"/>
+    <p:sldId id="260" r:id="rId9"/>
+    <p:sldId id="261" r:id="rId10"/>
+    <p:sldId id="264" r:id="rId11"/>
   </p:sldIdLst>
   <p:sldSz cx="12192000" cy="6858000"/>
   <p:notesSz cx="6858000" cy="9144000"/>
@@ -259,7 +260,7 @@
           <a:p>
             <a:fld id="{5F1E1CA5-B2D8-4145-95B6-2A9DFAB2AD4B}" type="datetimeFigureOut">
               <a:rPr lang="en-US" smtClean="0"/>
-              <a:t>12/4/2022</a:t>
+              <a:t>12/5/2022</a:t>
             </a:fld>
             <a:endParaRPr lang="en-US"/>
           </a:p>
@@ -470,7 +471,7 @@
           <a:p>
             <a:fld id="{5F1E1CA5-B2D8-4145-95B6-2A9DFAB2AD4B}" type="datetimeFigureOut">
               <a:rPr lang="en-US" smtClean="0"/>
-              <a:t>12/4/2022</a:t>
+              <a:t>12/5/2022</a:t>
             </a:fld>
             <a:endParaRPr lang="en-US"/>
           </a:p>
@@ -685,7 +686,7 @@
           <a:p>
             <a:fld id="{5F1E1CA5-B2D8-4145-95B6-2A9DFAB2AD4B}" type="datetimeFigureOut">
               <a:rPr lang="en-US" smtClean="0"/>
-              <a:t>12/4/2022</a:t>
+              <a:t>12/5/2022</a:t>
             </a:fld>
             <a:endParaRPr lang="en-US"/>
           </a:p>
@@ -886,7 +887,7 @@
           <a:p>
             <a:fld id="{5F1E1CA5-B2D8-4145-95B6-2A9DFAB2AD4B}" type="datetimeFigureOut">
               <a:rPr lang="en-US" smtClean="0"/>
-              <a:t>12/4/2022</a:t>
+              <a:t>12/5/2022</a:t>
             </a:fld>
             <a:endParaRPr lang="en-US"/>
           </a:p>
@@ -1165,7 +1166,7 @@
           <a:p>
             <a:fld id="{5F1E1CA5-B2D8-4145-95B6-2A9DFAB2AD4B}" type="datetimeFigureOut">
               <a:rPr lang="en-US" smtClean="0"/>
-              <a:t>12/4/2022</a:t>
+              <a:t>12/5/2022</a:t>
             </a:fld>
             <a:endParaRPr lang="en-US"/>
           </a:p>
@@ -1433,7 +1434,7 @@
           <a:p>
             <a:fld id="{5F1E1CA5-B2D8-4145-95B6-2A9DFAB2AD4B}" type="datetimeFigureOut">
               <a:rPr lang="en-US" smtClean="0"/>
-              <a:t>12/4/2022</a:t>
+              <a:t>12/5/2022</a:t>
             </a:fld>
             <a:endParaRPr lang="en-US"/>
           </a:p>
@@ -1849,7 +1850,7 @@
           <a:p>
             <a:fld id="{5F1E1CA5-B2D8-4145-95B6-2A9DFAB2AD4B}" type="datetimeFigureOut">
               <a:rPr lang="en-US" smtClean="0"/>
-              <a:t>12/4/2022</a:t>
+              <a:t>12/5/2022</a:t>
             </a:fld>
             <a:endParaRPr lang="en-US"/>
           </a:p>
@@ -1998,7 +1999,7 @@
           <a:p>
             <a:fld id="{5F1E1CA5-B2D8-4145-95B6-2A9DFAB2AD4B}" type="datetimeFigureOut">
               <a:rPr lang="en-US" smtClean="0"/>
-              <a:t>12/4/2022</a:t>
+              <a:t>12/5/2022</a:t>
             </a:fld>
             <a:endParaRPr lang="en-US"/>
           </a:p>
@@ -2124,7 +2125,7 @@
           <a:p>
             <a:fld id="{5F1E1CA5-B2D8-4145-95B6-2A9DFAB2AD4B}" type="datetimeFigureOut">
               <a:rPr lang="en-US" smtClean="0"/>
-              <a:t>12/4/2022</a:t>
+              <a:t>12/5/2022</a:t>
             </a:fld>
             <a:endParaRPr lang="en-US"/>
           </a:p>
@@ -2375,7 +2376,7 @@
           <a:p>
             <a:fld id="{5F1E1CA5-B2D8-4145-95B6-2A9DFAB2AD4B}" type="datetimeFigureOut">
               <a:rPr lang="en-US" smtClean="0"/>
-              <a:t>12/4/2022</a:t>
+              <a:t>12/5/2022</a:t>
             </a:fld>
             <a:endParaRPr lang="en-US"/>
           </a:p>
@@ -2820,7 +2821,7 @@
           <a:p>
             <a:fld id="{5F1E1CA5-B2D8-4145-95B6-2A9DFAB2AD4B}" type="datetimeFigureOut">
               <a:rPr lang="en-US" smtClean="0"/>
-              <a:t>12/4/2022</a:t>
+              <a:t>12/5/2022</a:t>
             </a:fld>
             <a:endParaRPr lang="en-US"/>
           </a:p>
@@ -3147,7 +3148,7 @@
           <a:p>
             <a:fld id="{5F1E1CA5-B2D8-4145-95B6-2A9DFAB2AD4B}" type="datetimeFigureOut">
               <a:rPr lang="en-US" smtClean="0"/>
-              <a:t>12/4/2022</a:t>
+              <a:t>12/5/2022</a:t>
             </a:fld>
             <a:endParaRPr lang="en-US"/>
           </a:p>
@@ -3707,6 +3708,112 @@
 </p:sld>
 </file>
 
+<file path=ppt/slides/slide10.xml><?xml version="1.0" encoding="utf-8"?>
+<p:sld xmlns:a="http://schemas.openxmlformats.org/drawingml/2006/main" xmlns:r="http://schemas.openxmlformats.org/officeDocument/2006/relationships" xmlns:p="http://schemas.openxmlformats.org/presentationml/2006/main">
+  <p:cSld>
+    <p:spTree>
+      <p:nvGrpSpPr>
+        <p:cNvPr id="1" name=""/>
+        <p:cNvGrpSpPr/>
+        <p:nvPr/>
+      </p:nvGrpSpPr>
+      <p:grpSpPr>
+        <a:xfrm>
+          <a:off x="0" y="0"/>
+          <a:ext cx="0" cy="0"/>
+          <a:chOff x="0" y="0"/>
+          <a:chExt cx="0" cy="0"/>
+        </a:xfrm>
+      </p:grpSpPr>
+      <p:sp>
+        <p:nvSpPr>
+          <p:cNvPr id="2" name="Title 1">
+            <a:extLst>
+              <a:ext uri="{FF2B5EF4-FFF2-40B4-BE49-F238E27FC236}">
+                <a16:creationId xmlns:a16="http://schemas.microsoft.com/office/drawing/2014/main" id="{0212BF9B-8F5B-021F-71E6-0F2A290DAF86}"/>
+              </a:ext>
+            </a:extLst>
+          </p:cNvPr>
+          <p:cNvSpPr>
+            <a:spLocks noGrp="1"/>
+          </p:cNvSpPr>
+          <p:nvPr>
+            <p:ph type="title"/>
+          </p:nvPr>
+        </p:nvSpPr>
+        <p:spPr/>
+        <p:txBody>
+          <a:bodyPr/>
+          <a:lstStyle/>
+          <a:p>
+            <a:r>
+              <a:rPr lang="en-US" dirty="0"/>
+              <a:t>Practicality	</a:t>
+            </a:r>
+          </a:p>
+        </p:txBody>
+      </p:sp>
+      <p:sp>
+        <p:nvSpPr>
+          <p:cNvPr id="3" name="Content Placeholder 2">
+            <a:extLst>
+              <a:ext uri="{FF2B5EF4-FFF2-40B4-BE49-F238E27FC236}">
+                <a16:creationId xmlns:a16="http://schemas.microsoft.com/office/drawing/2014/main" id="{764C0BF9-689A-BBE5-A69C-F5C644A959FC}"/>
+              </a:ext>
+            </a:extLst>
+          </p:cNvPr>
+          <p:cNvSpPr>
+            <a:spLocks noGrp="1"/>
+          </p:cNvSpPr>
+          <p:nvPr>
+            <p:ph idx="1"/>
+          </p:nvPr>
+        </p:nvSpPr>
+        <p:spPr/>
+        <p:txBody>
+          <a:bodyPr/>
+          <a:lstStyle/>
+          <a:p>
+            <a:r>
+              <a:rPr lang="en-US" dirty="0"/>
+              <a:t>However, to make it even more practical, we could make our calling convention match a specific C compiler, and then we would be able to interface external C functions with our assembly code.</a:t>
+            </a:r>
+          </a:p>
+          <a:p>
+            <a:r>
+              <a:rPr lang="en-US" dirty="0"/>
+              <a:t>Since we decided to study </a:t>
+            </a:r>
+            <a:r>
+              <a:rPr lang="en-US" dirty="0" err="1"/>
+              <a:t>cdecl</a:t>
+            </a:r>
+            <a:r>
+              <a:rPr lang="en-US" dirty="0"/>
+              <a:t>, our code will be easier to work with functions compiled with GCC, but our directives and structure is still set up for TASM.</a:t>
+            </a:r>
+          </a:p>
+          <a:p>
+            <a:r>
+              <a:rPr lang="en-US" dirty="0"/>
+              <a:t>However, this specific project was more about understanding how higher-level code compiles than it is about specifically interfacing our assembly code with C functions.</a:t>
+            </a:r>
+          </a:p>
+        </p:txBody>
+      </p:sp>
+    </p:spTree>
+    <p:extLst>
+      <p:ext uri="{BB962C8B-B14F-4D97-AF65-F5344CB8AC3E}">
+        <p14:creationId xmlns:p14="http://schemas.microsoft.com/office/powerpoint/2010/main" val="3615227313"/>
+      </p:ext>
+    </p:extLst>
+  </p:cSld>
+  <p:clrMapOvr>
+    <a:masterClrMapping/>
+  </p:clrMapOvr>
+</p:sld>
+</file>
+
 <file path=ppt/slides/slide2.xml><?xml version="1.0" encoding="utf-8"?>
 <p:sld xmlns:a="http://schemas.openxmlformats.org/drawingml/2006/main" xmlns:r="http://schemas.openxmlformats.org/officeDocument/2006/relationships" xmlns:p="http://schemas.openxmlformats.org/presentationml/2006/main">
   <p:cSld>
@@ -4545,7 +4652,7 @@
           <p:cNvPr id="2" name="Title 1">
             <a:extLst>
               <a:ext uri="{FF2B5EF4-FFF2-40B4-BE49-F238E27FC236}">
-                <a16:creationId xmlns:a16="http://schemas.microsoft.com/office/drawing/2014/main" id="{DCB47D40-23DD-B57F-91CF-80693E4031E8}"/>
+                <a16:creationId xmlns:a16="http://schemas.microsoft.com/office/drawing/2014/main" id="{630B7691-240A-4F80-F202-92CBB76AE6DA}"/>
               </a:ext>
             </a:extLst>
           </p:cNvPr>
@@ -4573,7 +4680,7 @@
           <p:cNvPr id="3" name="Content Placeholder 2">
             <a:extLst>
               <a:ext uri="{FF2B5EF4-FFF2-40B4-BE49-F238E27FC236}">
-                <a16:creationId xmlns:a16="http://schemas.microsoft.com/office/drawing/2014/main" id="{56C9314A-756C-6D8B-29F4-3AF83750E0E1}"/>
+                <a16:creationId xmlns:a16="http://schemas.microsoft.com/office/drawing/2014/main" id="{CF7693BA-6E72-ED3A-0770-429CA0DB12DD}"/>
               </a:ext>
             </a:extLst>
           </p:cNvPr>
@@ -4586,38 +4693,18 @@
         </p:nvSpPr>
         <p:spPr/>
         <p:txBody>
-          <a:bodyPr>
-            <a:normAutofit fontScale="92500" lnSpcReduction="10000"/>
-          </a:bodyPr>
+          <a:bodyPr/>
           <a:lstStyle/>
           <a:p>
             <a:r>
               <a:rPr lang="en-US" dirty="0"/>
-              <a:t>The specific way that these are implemented is very specific to each compiler.</a:t>
+              <a:t>There is no one way to interface with procedures, it is up to each programmer working with each other to decide how data gets passed to and from procedures.</a:t>
             </a:r>
           </a:p>
           <a:p>
             <a:r>
               <a:rPr lang="en-US" dirty="0"/>
-              <a:t>GCC uses one calling convention, Turbo C++ uses a different one, etc. Even within calling conventions these can differ</a:t>
-            </a:r>
-          </a:p>
-          <a:p>
-            <a:r>
-              <a:rPr lang="en-US" dirty="0"/>
-              <a:t>Trying to interface with object files generated from the same code by different compilers can be very different.</a:t>
-            </a:r>
-          </a:p>
-          <a:p>
-            <a:r>
-              <a:rPr lang="en-US" dirty="0"/>
-              <a:t>Assemblers won’t enforce these conventions, when writing x86 assembly directly, it’s the programmer’s job to make sure that these conventions are followed.</a:t>
-            </a:r>
-          </a:p>
-          <a:p>
-            <a:r>
-              <a:rPr lang="en-US" dirty="0"/>
-              <a:t>However, using the same calling convention between x86 procedures and external, compiled C functions can let you work between them.</a:t>
+              <a:t>However, there are several standards set up, to facilitate compiler creation or API creation.</a:t>
             </a:r>
           </a:p>
         </p:txBody>
@@ -4625,7 +4712,7 @@
     </p:spTree>
     <p:extLst>
       <p:ext uri="{BB962C8B-B14F-4D97-AF65-F5344CB8AC3E}">
-        <p14:creationId xmlns:p14="http://schemas.microsoft.com/office/powerpoint/2010/main" val="1585667265"/>
+        <p14:creationId xmlns:p14="http://schemas.microsoft.com/office/powerpoint/2010/main" val="1810497624"/>
       </p:ext>
     </p:extLst>
   </p:cSld>
@@ -4657,7 +4744,7 @@
           <p:cNvPr id="2" name="Title 1">
             <a:extLst>
               <a:ext uri="{FF2B5EF4-FFF2-40B4-BE49-F238E27FC236}">
-                <a16:creationId xmlns:a16="http://schemas.microsoft.com/office/drawing/2014/main" id="{67454F1A-0123-8BC3-B19B-311CAF44EF04}"/>
+                <a16:creationId xmlns:a16="http://schemas.microsoft.com/office/drawing/2014/main" id="{DCB47D40-23DD-B57F-91CF-80693E4031E8}"/>
               </a:ext>
             </a:extLst>
           </p:cNvPr>
@@ -4675,7 +4762,7 @@
           <a:p>
             <a:r>
               <a:rPr lang="en-US" dirty="0"/>
-              <a:t>Cdecl calling convention</a:t>
+              <a:t>Calling conventions</a:t>
             </a:r>
           </a:p>
         </p:txBody>
@@ -4685,7 +4772,7 @@
           <p:cNvPr id="3" name="Content Placeholder 2">
             <a:extLst>
               <a:ext uri="{FF2B5EF4-FFF2-40B4-BE49-F238E27FC236}">
-                <a16:creationId xmlns:a16="http://schemas.microsoft.com/office/drawing/2014/main" id="{A1A39458-7177-522E-B2EF-3E988CDF9736}"/>
+                <a16:creationId xmlns:a16="http://schemas.microsoft.com/office/drawing/2014/main" id="{56C9314A-756C-6D8B-29F4-3AF83750E0E1}"/>
               </a:ext>
             </a:extLst>
           </p:cNvPr>
@@ -4696,12 +4783,7 @@
             <p:ph idx="1"/>
           </p:nvPr>
         </p:nvSpPr>
-        <p:spPr>
-          <a:xfrm>
-            <a:off x="1451579" y="2015732"/>
-            <a:ext cx="9603275" cy="4037749"/>
-          </a:xfrm>
-        </p:spPr>
+        <p:spPr/>
         <p:txBody>
           <a:bodyPr>
             <a:normAutofit fontScale="92500" lnSpcReduction="10000"/>
@@ -4710,43 +4792,31 @@
           <a:p>
             <a:r>
               <a:rPr lang="en-US" dirty="0"/>
-              <a:t>We start with a C function, something like int multiply(int x, int y) { return x * y; }</a:t>
+              <a:t>The specific way that these are implemented is very specific to each compiler.</a:t>
             </a:r>
           </a:p>
           <a:p>
             <a:r>
               <a:rPr lang="en-US" dirty="0"/>
-              <a:t>These data types are enforced by the compiler, we obviously won’t have them inside our assembly.</a:t>
+              <a:t>GCC uses one calling convention, Turbo C++ uses a different one, etc. Even within calling conventions these can differ</a:t>
             </a:r>
           </a:p>
           <a:p>
             <a:r>
               <a:rPr lang="en-US" dirty="0"/>
-              <a:t>Our function name becomes a procedure.</a:t>
+              <a:t>Trying to interface with object files generated from the same code by different compilers can be very different.</a:t>
             </a:r>
           </a:p>
           <a:p>
             <a:r>
               <a:rPr lang="en-US" dirty="0"/>
-              <a:t>Our arguments become things that we pass onto the stack before our procedure call. The specific way this compiles is from right to left, so we push y, then push x.</a:t>
+              <a:t>Assemblers won’t enforce these conventions, when writing x86 assembly directly, it’s the programmer’s job to make sure that these conventions are followed.</a:t>
             </a:r>
           </a:p>
           <a:p>
             <a:r>
               <a:rPr lang="en-US" dirty="0"/>
-              <a:t>Our return value becomes a value that gets put into ax.</a:t>
-            </a:r>
-          </a:p>
-          <a:p>
-            <a:r>
-              <a:rPr lang="en-US" dirty="0"/>
-              <a:t>Void functions won’t return anything.</a:t>
-            </a:r>
-          </a:p>
-          <a:p>
-            <a:r>
-              <a:rPr lang="en-US" dirty="0"/>
-              <a:t>Our arguments are not cleared from the stack by the procedure, so our stack should be the same as before we called the procedure. (Same stack pointer, same data below it)</a:t>
+              <a:t>However, using the same calling convention between x86 procedures and external, compiled C functions can let you work between them.</a:t>
             </a:r>
           </a:p>
         </p:txBody>
@@ -4754,7 +4824,7 @@
     </p:spTree>
     <p:extLst>
       <p:ext uri="{BB962C8B-B14F-4D97-AF65-F5344CB8AC3E}">
-        <p14:creationId xmlns:p14="http://schemas.microsoft.com/office/powerpoint/2010/main" val="71688917"/>
+        <p14:creationId xmlns:p14="http://schemas.microsoft.com/office/powerpoint/2010/main" val="1585667265"/>
       </p:ext>
     </p:extLst>
   </p:cSld>
@@ -4786,6 +4856,135 @@
           <p:cNvPr id="2" name="Title 1">
             <a:extLst>
               <a:ext uri="{FF2B5EF4-FFF2-40B4-BE49-F238E27FC236}">
+                <a16:creationId xmlns:a16="http://schemas.microsoft.com/office/drawing/2014/main" id="{67454F1A-0123-8BC3-B19B-311CAF44EF04}"/>
+              </a:ext>
+            </a:extLst>
+          </p:cNvPr>
+          <p:cNvSpPr>
+            <a:spLocks noGrp="1"/>
+          </p:cNvSpPr>
+          <p:nvPr>
+            <p:ph type="title"/>
+          </p:nvPr>
+        </p:nvSpPr>
+        <p:spPr/>
+        <p:txBody>
+          <a:bodyPr/>
+          <a:lstStyle/>
+          <a:p>
+            <a:r>
+              <a:rPr lang="en-US" dirty="0"/>
+              <a:t>Cdecl calling convention</a:t>
+            </a:r>
+          </a:p>
+        </p:txBody>
+      </p:sp>
+      <p:sp>
+        <p:nvSpPr>
+          <p:cNvPr id="3" name="Content Placeholder 2">
+            <a:extLst>
+              <a:ext uri="{FF2B5EF4-FFF2-40B4-BE49-F238E27FC236}">
+                <a16:creationId xmlns:a16="http://schemas.microsoft.com/office/drawing/2014/main" id="{A1A39458-7177-522E-B2EF-3E988CDF9736}"/>
+              </a:ext>
+            </a:extLst>
+          </p:cNvPr>
+          <p:cNvSpPr>
+            <a:spLocks noGrp="1"/>
+          </p:cNvSpPr>
+          <p:nvPr>
+            <p:ph idx="1"/>
+          </p:nvPr>
+        </p:nvSpPr>
+        <p:spPr>
+          <a:xfrm>
+            <a:off x="1451579" y="2015732"/>
+            <a:ext cx="9603275" cy="4037749"/>
+          </a:xfrm>
+        </p:spPr>
+        <p:txBody>
+          <a:bodyPr>
+            <a:normAutofit fontScale="92500" lnSpcReduction="10000"/>
+          </a:bodyPr>
+          <a:lstStyle/>
+          <a:p>
+            <a:r>
+              <a:rPr lang="en-US" dirty="0"/>
+              <a:t>We start with a C function, something like int multiply(int x, int y) { return x * y; }</a:t>
+            </a:r>
+          </a:p>
+          <a:p>
+            <a:r>
+              <a:rPr lang="en-US" dirty="0"/>
+              <a:t>These data types are enforced by the compiler, we obviously won’t have them inside our assembly.</a:t>
+            </a:r>
+          </a:p>
+          <a:p>
+            <a:r>
+              <a:rPr lang="en-US" dirty="0"/>
+              <a:t>Our function name becomes a procedure.</a:t>
+            </a:r>
+          </a:p>
+          <a:p>
+            <a:r>
+              <a:rPr lang="en-US" dirty="0"/>
+              <a:t>Our arguments become things that we pass onto the stack before our procedure call. The specific way this compiles is from right to left, so we push y, then push x.</a:t>
+            </a:r>
+          </a:p>
+          <a:p>
+            <a:r>
+              <a:rPr lang="en-US" dirty="0"/>
+              <a:t>Our return value becomes a value that gets put into ax.</a:t>
+            </a:r>
+          </a:p>
+          <a:p>
+            <a:r>
+              <a:rPr lang="en-US" dirty="0"/>
+              <a:t>Void functions won’t return anything.</a:t>
+            </a:r>
+          </a:p>
+          <a:p>
+            <a:r>
+              <a:rPr lang="en-US" dirty="0"/>
+              <a:t>Our arguments are not cleared from the stack by the procedure, so our stack should be the same as before we called the procedure. (Same stack pointer, same data below it)</a:t>
+            </a:r>
+          </a:p>
+        </p:txBody>
+      </p:sp>
+    </p:spTree>
+    <p:extLst>
+      <p:ext uri="{BB962C8B-B14F-4D97-AF65-F5344CB8AC3E}">
+        <p14:creationId xmlns:p14="http://schemas.microsoft.com/office/powerpoint/2010/main" val="71688917"/>
+      </p:ext>
+    </p:extLst>
+  </p:cSld>
+  <p:clrMapOvr>
+    <a:masterClrMapping/>
+  </p:clrMapOvr>
+</p:sld>
+</file>
+
+<file path=ppt/slides/slide7.xml><?xml version="1.0" encoding="utf-8"?>
+<p:sld xmlns:a="http://schemas.openxmlformats.org/drawingml/2006/main" xmlns:r="http://schemas.openxmlformats.org/officeDocument/2006/relationships" xmlns:p="http://schemas.openxmlformats.org/presentationml/2006/main">
+  <p:cSld>
+    <p:spTree>
+      <p:nvGrpSpPr>
+        <p:cNvPr id="1" name=""/>
+        <p:cNvGrpSpPr/>
+        <p:nvPr/>
+      </p:nvGrpSpPr>
+      <p:grpSpPr>
+        <a:xfrm>
+          <a:off x="0" y="0"/>
+          <a:ext cx="0" cy="0"/>
+          <a:chOff x="0" y="0"/>
+          <a:chExt cx="0" cy="0"/>
+        </a:xfrm>
+      </p:grpSpPr>
+      <p:sp>
+        <p:nvSpPr>
+          <p:cNvPr id="2" name="Title 1">
+            <a:extLst>
+              <a:ext uri="{FF2B5EF4-FFF2-40B4-BE49-F238E27FC236}">
                 <a16:creationId xmlns:a16="http://schemas.microsoft.com/office/drawing/2014/main" id="{D455D13C-797F-9AC1-156F-C35BE28EF1F7}"/>
               </a:ext>
             </a:extLst>
@@ -4870,7 +5069,7 @@
 </p:sld>
 </file>
 
-<file path=ppt/slides/slide7.xml><?xml version="1.0" encoding="utf-8"?>
+<file path=ppt/slides/slide8.xml><?xml version="1.0" encoding="utf-8"?>
 <p:sld xmlns:a="http://schemas.openxmlformats.org/drawingml/2006/main" xmlns:r="http://schemas.openxmlformats.org/officeDocument/2006/relationships" xmlns:p="http://schemas.openxmlformats.org/presentationml/2006/main">
   <p:cSld>
     <p:bg>
@@ -5542,110 +5741,6 @@
 </p:sld>
 </file>
 
-<file path=ppt/slides/slide8.xml><?xml version="1.0" encoding="utf-8"?>
-<p:sld xmlns:a="http://schemas.openxmlformats.org/drawingml/2006/main" xmlns:r="http://schemas.openxmlformats.org/officeDocument/2006/relationships" xmlns:p="http://schemas.openxmlformats.org/presentationml/2006/main">
-  <p:cSld>
-    <p:spTree>
-      <p:nvGrpSpPr>
-        <p:cNvPr id="1" name=""/>
-        <p:cNvGrpSpPr/>
-        <p:nvPr/>
-      </p:nvGrpSpPr>
-      <p:grpSpPr>
-        <a:xfrm>
-          <a:off x="0" y="0"/>
-          <a:ext cx="0" cy="0"/>
-          <a:chOff x="0" y="0"/>
-          <a:chExt cx="0" cy="0"/>
-        </a:xfrm>
-      </p:grpSpPr>
-      <p:sp>
-        <p:nvSpPr>
-          <p:cNvPr id="2" name="Title 1">
-            <a:extLst>
-              <a:ext uri="{FF2B5EF4-FFF2-40B4-BE49-F238E27FC236}">
-                <a16:creationId xmlns:a16="http://schemas.microsoft.com/office/drawing/2014/main" id="{AC45F756-34DC-D118-26B3-BFD22B6E1CC8}"/>
-              </a:ext>
-            </a:extLst>
-          </p:cNvPr>
-          <p:cNvSpPr>
-            <a:spLocks noGrp="1"/>
-          </p:cNvSpPr>
-          <p:nvPr>
-            <p:ph type="title"/>
-          </p:nvPr>
-        </p:nvSpPr>
-        <p:spPr/>
-        <p:txBody>
-          <a:bodyPr/>
-          <a:lstStyle/>
-          <a:p>
-            <a:r>
-              <a:rPr lang="en-US" dirty="0"/>
-              <a:t>Practicality	</a:t>
-            </a:r>
-          </a:p>
-        </p:txBody>
-      </p:sp>
-      <p:sp>
-        <p:nvSpPr>
-          <p:cNvPr id="3" name="Content Placeholder 2">
-            <a:extLst>
-              <a:ext uri="{FF2B5EF4-FFF2-40B4-BE49-F238E27FC236}">
-                <a16:creationId xmlns:a16="http://schemas.microsoft.com/office/drawing/2014/main" id="{0FDD1A63-4F8B-27A5-DF41-FDE8CD9440CF}"/>
-              </a:ext>
-            </a:extLst>
-          </p:cNvPr>
-          <p:cNvSpPr>
-            <a:spLocks noGrp="1"/>
-          </p:cNvSpPr>
-          <p:nvPr>
-            <p:ph idx="1"/>
-          </p:nvPr>
-        </p:nvSpPr>
-        <p:spPr/>
-        <p:txBody>
-          <a:bodyPr/>
-          <a:lstStyle/>
-          <a:p>
-            <a:r>
-              <a:rPr lang="en-US" dirty="0"/>
-              <a:t>Most of the time, functions only take, at most, one or two arguments.</a:t>
-            </a:r>
-          </a:p>
-          <a:p>
-            <a:r>
-              <a:rPr lang="en-US" dirty="0"/>
-              <a:t>This is easy to implement by passing registers, so why bother pushing everything just to move it back into registers to do operations on?</a:t>
-            </a:r>
-          </a:p>
-          <a:p>
-            <a:r>
-              <a:rPr lang="en-US" dirty="0"/>
-              <a:t>Consistency: Literally every procedure can be designed to have the exact same input/output behavior, and that makes working with those procedures as if they were C functions extremely easy.</a:t>
-            </a:r>
-          </a:p>
-          <a:p>
-            <a:r>
-              <a:rPr lang="en-US" dirty="0"/>
-              <a:t>Push bx, call square, sub sp, 2 is now identical to ax = square(bx);</a:t>
-            </a:r>
-          </a:p>
-        </p:txBody>
-      </p:sp>
-    </p:spTree>
-    <p:extLst>
-      <p:ext uri="{BB962C8B-B14F-4D97-AF65-F5344CB8AC3E}">
-        <p14:creationId xmlns:p14="http://schemas.microsoft.com/office/powerpoint/2010/main" val="2074227398"/>
-      </p:ext>
-    </p:extLst>
-  </p:cSld>
-  <p:clrMapOvr>
-    <a:masterClrMapping/>
-  </p:clrMapOvr>
-</p:sld>
-</file>
-
 <file path=ppt/slides/slide9.xml><?xml version="1.0" encoding="utf-8"?>
 <p:sld xmlns:a="http://schemas.openxmlformats.org/drawingml/2006/main" xmlns:r="http://schemas.openxmlformats.org/officeDocument/2006/relationships" xmlns:p="http://schemas.openxmlformats.org/presentationml/2006/main">
   <p:cSld>
@@ -5668,7 +5763,7 @@
           <p:cNvPr id="2" name="Title 1">
             <a:extLst>
               <a:ext uri="{FF2B5EF4-FFF2-40B4-BE49-F238E27FC236}">
-                <a16:creationId xmlns:a16="http://schemas.microsoft.com/office/drawing/2014/main" id="{0212BF9B-8F5B-021F-71E6-0F2A290DAF86}"/>
+                <a16:creationId xmlns:a16="http://schemas.microsoft.com/office/drawing/2014/main" id="{AC45F756-34DC-D118-26B3-BFD22B6E1CC8}"/>
               </a:ext>
             </a:extLst>
           </p:cNvPr>
@@ -5696,7 +5791,7 @@
           <p:cNvPr id="3" name="Content Placeholder 2">
             <a:extLst>
               <a:ext uri="{FF2B5EF4-FFF2-40B4-BE49-F238E27FC236}">
-                <a16:creationId xmlns:a16="http://schemas.microsoft.com/office/drawing/2014/main" id="{764C0BF9-689A-BBE5-A69C-F5C644A959FC}"/>
+                <a16:creationId xmlns:a16="http://schemas.microsoft.com/office/drawing/2014/main" id="{0FDD1A63-4F8B-27A5-DF41-FDE8CD9440CF}"/>
               </a:ext>
             </a:extLst>
           </p:cNvPr>
@@ -5714,27 +5809,25 @@
           <a:p>
             <a:r>
               <a:rPr lang="en-US" dirty="0"/>
-              <a:t>However, to make it even more practical, we could make our calling convention match a specific C compiler, and then we would be able to interface external C functions with our assembly code.</a:t>
+              <a:t>Most of the time, functions only take, at most, one or two arguments.</a:t>
             </a:r>
           </a:p>
           <a:p>
             <a:r>
               <a:rPr lang="en-US" dirty="0"/>
-              <a:t>Since we decided to study </a:t>
-            </a:r>
-            <a:r>
-              <a:rPr lang="en-US" dirty="0" err="1"/>
-              <a:t>cdecl</a:t>
-            </a:r>
+              <a:t>This is easy to implement by passing registers, so why bother pushing everything just to move it back into registers to do operations on?</a:t>
+            </a:r>
+          </a:p>
+          <a:p>
             <a:r>
               <a:rPr lang="en-US" dirty="0"/>
-              <a:t>, our code will be easier to work with functions compiled with GCC, but our directives and structure is still set up for TASM.</a:t>
+              <a:t>Consistency: Literally every procedure can be designed to have the exact same input/output behavior, and that makes working with those procedures as if they were C functions extremely easy.</a:t>
             </a:r>
           </a:p>
           <a:p>
             <a:r>
               <a:rPr lang="en-US" dirty="0"/>
-              <a:t>However, this specific project was more about understanding how higher-level code compiles than it is about specifically interfacing our assembly code with C functions.</a:t>
+              <a:t>Push bx, call square, sub sp, 2 is now identical to ax = square(bx);</a:t>
             </a:r>
           </a:p>
         </p:txBody>
@@ -5742,7 +5835,7 @@
     </p:spTree>
     <p:extLst>
       <p:ext uri="{BB962C8B-B14F-4D97-AF65-F5344CB8AC3E}">
-        <p14:creationId xmlns:p14="http://schemas.microsoft.com/office/powerpoint/2010/main" val="3615227313"/>
+        <p14:creationId xmlns:p14="http://schemas.microsoft.com/office/powerpoint/2010/main" val="2074227398"/>
       </p:ext>
     </p:extLst>
   </p:cSld>

--- a/FinalPresentation.pptx
+++ b/FinalPresentation.pptx
@@ -7,14 +7,13 @@
   <p:sldIdLst>
     <p:sldId id="256" r:id="rId2"/>
     <p:sldId id="257" r:id="rId3"/>
-    <p:sldId id="258" r:id="rId4"/>
-    <p:sldId id="265" r:id="rId5"/>
-    <p:sldId id="262" r:id="rId6"/>
-    <p:sldId id="263" r:id="rId7"/>
-    <p:sldId id="259" r:id="rId8"/>
-    <p:sldId id="260" r:id="rId9"/>
-    <p:sldId id="261" r:id="rId10"/>
-    <p:sldId id="264" r:id="rId11"/>
+    <p:sldId id="265" r:id="rId4"/>
+    <p:sldId id="262" r:id="rId5"/>
+    <p:sldId id="263" r:id="rId6"/>
+    <p:sldId id="259" r:id="rId7"/>
+    <p:sldId id="260" r:id="rId8"/>
+    <p:sldId id="261" r:id="rId9"/>
+    <p:sldId id="264" r:id="rId10"/>
   </p:sldIdLst>
   <p:sldSz cx="12192000" cy="6858000"/>
   <p:notesSz cx="6858000" cy="9144000"/>
@@ -260,7 +259,7 @@
           <a:p>
             <a:fld id="{5F1E1CA5-B2D8-4145-95B6-2A9DFAB2AD4B}" type="datetimeFigureOut">
               <a:rPr lang="en-US" smtClean="0"/>
-              <a:t>12/5/2022</a:t>
+              <a:t>12/7/2022</a:t>
             </a:fld>
             <a:endParaRPr lang="en-US"/>
           </a:p>
@@ -471,7 +470,7 @@
           <a:p>
             <a:fld id="{5F1E1CA5-B2D8-4145-95B6-2A9DFAB2AD4B}" type="datetimeFigureOut">
               <a:rPr lang="en-US" smtClean="0"/>
-              <a:t>12/5/2022</a:t>
+              <a:t>12/7/2022</a:t>
             </a:fld>
             <a:endParaRPr lang="en-US"/>
           </a:p>
@@ -686,7 +685,7 @@
           <a:p>
             <a:fld id="{5F1E1CA5-B2D8-4145-95B6-2A9DFAB2AD4B}" type="datetimeFigureOut">
               <a:rPr lang="en-US" smtClean="0"/>
-              <a:t>12/5/2022</a:t>
+              <a:t>12/7/2022</a:t>
             </a:fld>
             <a:endParaRPr lang="en-US"/>
           </a:p>
@@ -887,7 +886,7 @@
           <a:p>
             <a:fld id="{5F1E1CA5-B2D8-4145-95B6-2A9DFAB2AD4B}" type="datetimeFigureOut">
               <a:rPr lang="en-US" smtClean="0"/>
-              <a:t>12/5/2022</a:t>
+              <a:t>12/7/2022</a:t>
             </a:fld>
             <a:endParaRPr lang="en-US"/>
           </a:p>
@@ -1166,7 +1165,7 @@
           <a:p>
             <a:fld id="{5F1E1CA5-B2D8-4145-95B6-2A9DFAB2AD4B}" type="datetimeFigureOut">
               <a:rPr lang="en-US" smtClean="0"/>
-              <a:t>12/5/2022</a:t>
+              <a:t>12/7/2022</a:t>
             </a:fld>
             <a:endParaRPr lang="en-US"/>
           </a:p>
@@ -1434,7 +1433,7 @@
           <a:p>
             <a:fld id="{5F1E1CA5-B2D8-4145-95B6-2A9DFAB2AD4B}" type="datetimeFigureOut">
               <a:rPr lang="en-US" smtClean="0"/>
-              <a:t>12/5/2022</a:t>
+              <a:t>12/7/2022</a:t>
             </a:fld>
             <a:endParaRPr lang="en-US"/>
           </a:p>
@@ -1850,7 +1849,7 @@
           <a:p>
             <a:fld id="{5F1E1CA5-B2D8-4145-95B6-2A9DFAB2AD4B}" type="datetimeFigureOut">
               <a:rPr lang="en-US" smtClean="0"/>
-              <a:t>12/5/2022</a:t>
+              <a:t>12/7/2022</a:t>
             </a:fld>
             <a:endParaRPr lang="en-US"/>
           </a:p>
@@ -1999,7 +1998,7 @@
           <a:p>
             <a:fld id="{5F1E1CA5-B2D8-4145-95B6-2A9DFAB2AD4B}" type="datetimeFigureOut">
               <a:rPr lang="en-US" smtClean="0"/>
-              <a:t>12/5/2022</a:t>
+              <a:t>12/7/2022</a:t>
             </a:fld>
             <a:endParaRPr lang="en-US"/>
           </a:p>
@@ -2125,7 +2124,7 @@
           <a:p>
             <a:fld id="{5F1E1CA5-B2D8-4145-95B6-2A9DFAB2AD4B}" type="datetimeFigureOut">
               <a:rPr lang="en-US" smtClean="0"/>
-              <a:t>12/5/2022</a:t>
+              <a:t>12/7/2022</a:t>
             </a:fld>
             <a:endParaRPr lang="en-US"/>
           </a:p>
@@ -2376,7 +2375,7 @@
           <a:p>
             <a:fld id="{5F1E1CA5-B2D8-4145-95B6-2A9DFAB2AD4B}" type="datetimeFigureOut">
               <a:rPr lang="en-US" smtClean="0"/>
-              <a:t>12/5/2022</a:t>
+              <a:t>12/7/2022</a:t>
             </a:fld>
             <a:endParaRPr lang="en-US"/>
           </a:p>
@@ -2821,7 +2820,7 @@
           <a:p>
             <a:fld id="{5F1E1CA5-B2D8-4145-95B6-2A9DFAB2AD4B}" type="datetimeFigureOut">
               <a:rPr lang="en-US" smtClean="0"/>
-              <a:t>12/5/2022</a:t>
+              <a:t>12/7/2022</a:t>
             </a:fld>
             <a:endParaRPr lang="en-US"/>
           </a:p>
@@ -3148,7 +3147,7 @@
           <a:p>
             <a:fld id="{5F1E1CA5-B2D8-4145-95B6-2A9DFAB2AD4B}" type="datetimeFigureOut">
               <a:rPr lang="en-US" smtClean="0"/>
-              <a:t>12/5/2022</a:t>
+              <a:t>12/7/2022</a:t>
             </a:fld>
             <a:endParaRPr lang="en-US"/>
           </a:p>
@@ -3708,112 +3707,6 @@
 </p:sld>
 </file>
 
-<file path=ppt/slides/slide10.xml><?xml version="1.0" encoding="utf-8"?>
-<p:sld xmlns:a="http://schemas.openxmlformats.org/drawingml/2006/main" xmlns:r="http://schemas.openxmlformats.org/officeDocument/2006/relationships" xmlns:p="http://schemas.openxmlformats.org/presentationml/2006/main">
-  <p:cSld>
-    <p:spTree>
-      <p:nvGrpSpPr>
-        <p:cNvPr id="1" name=""/>
-        <p:cNvGrpSpPr/>
-        <p:nvPr/>
-      </p:nvGrpSpPr>
-      <p:grpSpPr>
-        <a:xfrm>
-          <a:off x="0" y="0"/>
-          <a:ext cx="0" cy="0"/>
-          <a:chOff x="0" y="0"/>
-          <a:chExt cx="0" cy="0"/>
-        </a:xfrm>
-      </p:grpSpPr>
-      <p:sp>
-        <p:nvSpPr>
-          <p:cNvPr id="2" name="Title 1">
-            <a:extLst>
-              <a:ext uri="{FF2B5EF4-FFF2-40B4-BE49-F238E27FC236}">
-                <a16:creationId xmlns:a16="http://schemas.microsoft.com/office/drawing/2014/main" id="{0212BF9B-8F5B-021F-71E6-0F2A290DAF86}"/>
-              </a:ext>
-            </a:extLst>
-          </p:cNvPr>
-          <p:cNvSpPr>
-            <a:spLocks noGrp="1"/>
-          </p:cNvSpPr>
-          <p:nvPr>
-            <p:ph type="title"/>
-          </p:nvPr>
-        </p:nvSpPr>
-        <p:spPr/>
-        <p:txBody>
-          <a:bodyPr/>
-          <a:lstStyle/>
-          <a:p>
-            <a:r>
-              <a:rPr lang="en-US" dirty="0"/>
-              <a:t>Practicality	</a:t>
-            </a:r>
-          </a:p>
-        </p:txBody>
-      </p:sp>
-      <p:sp>
-        <p:nvSpPr>
-          <p:cNvPr id="3" name="Content Placeholder 2">
-            <a:extLst>
-              <a:ext uri="{FF2B5EF4-FFF2-40B4-BE49-F238E27FC236}">
-                <a16:creationId xmlns:a16="http://schemas.microsoft.com/office/drawing/2014/main" id="{764C0BF9-689A-BBE5-A69C-F5C644A959FC}"/>
-              </a:ext>
-            </a:extLst>
-          </p:cNvPr>
-          <p:cNvSpPr>
-            <a:spLocks noGrp="1"/>
-          </p:cNvSpPr>
-          <p:nvPr>
-            <p:ph idx="1"/>
-          </p:nvPr>
-        </p:nvSpPr>
-        <p:spPr/>
-        <p:txBody>
-          <a:bodyPr/>
-          <a:lstStyle/>
-          <a:p>
-            <a:r>
-              <a:rPr lang="en-US" dirty="0"/>
-              <a:t>However, to make it even more practical, we could make our calling convention match a specific C compiler, and then we would be able to interface external C functions with our assembly code.</a:t>
-            </a:r>
-          </a:p>
-          <a:p>
-            <a:r>
-              <a:rPr lang="en-US" dirty="0"/>
-              <a:t>Since we decided to study </a:t>
-            </a:r>
-            <a:r>
-              <a:rPr lang="en-US" dirty="0" err="1"/>
-              <a:t>cdecl</a:t>
-            </a:r>
-            <a:r>
-              <a:rPr lang="en-US" dirty="0"/>
-              <a:t>, our code will be easier to work with functions compiled with GCC, but our directives and structure is still set up for TASM.</a:t>
-            </a:r>
-          </a:p>
-          <a:p>
-            <a:r>
-              <a:rPr lang="en-US" dirty="0"/>
-              <a:t>However, this specific project was more about understanding how higher-level code compiles than it is about specifically interfacing our assembly code with C functions.</a:t>
-            </a:r>
-          </a:p>
-        </p:txBody>
-      </p:sp>
-    </p:spTree>
-    <p:extLst>
-      <p:ext uri="{BB962C8B-B14F-4D97-AF65-F5344CB8AC3E}">
-        <p14:creationId xmlns:p14="http://schemas.microsoft.com/office/powerpoint/2010/main" val="3615227313"/>
-      </p:ext>
-    </p:extLst>
-  </p:cSld>
-  <p:clrMapOvr>
-    <a:masterClrMapping/>
-  </p:clrMapOvr>
-</p:sld>
-</file>
-
 <file path=ppt/slides/slide2.xml><?xml version="1.0" encoding="utf-8"?>
 <p:sld xmlns:a="http://schemas.openxmlformats.org/drawingml/2006/main" xmlns:r="http://schemas.openxmlformats.org/officeDocument/2006/relationships" xmlns:p="http://schemas.openxmlformats.org/presentationml/2006/main">
   <p:cSld>
@@ -3919,6 +3812,445 @@
 </file>
 
 <file path=ppt/slides/slide3.xml><?xml version="1.0" encoding="utf-8"?>
+<p:sld xmlns:a="http://schemas.openxmlformats.org/drawingml/2006/main" xmlns:r="http://schemas.openxmlformats.org/officeDocument/2006/relationships" xmlns:p="http://schemas.openxmlformats.org/presentationml/2006/main">
+  <p:cSld>
+    <p:spTree>
+      <p:nvGrpSpPr>
+        <p:cNvPr id="1" name=""/>
+        <p:cNvGrpSpPr/>
+        <p:nvPr/>
+      </p:nvGrpSpPr>
+      <p:grpSpPr>
+        <a:xfrm>
+          <a:off x="0" y="0"/>
+          <a:ext cx="0" cy="0"/>
+          <a:chOff x="0" y="0"/>
+          <a:chExt cx="0" cy="0"/>
+        </a:xfrm>
+      </p:grpSpPr>
+      <p:sp>
+        <p:nvSpPr>
+          <p:cNvPr id="2" name="Title 1">
+            <a:extLst>
+              <a:ext uri="{FF2B5EF4-FFF2-40B4-BE49-F238E27FC236}">
+                <a16:creationId xmlns:a16="http://schemas.microsoft.com/office/drawing/2014/main" id="{630B7691-240A-4F80-F202-92CBB76AE6DA}"/>
+              </a:ext>
+            </a:extLst>
+          </p:cNvPr>
+          <p:cNvSpPr>
+            <a:spLocks noGrp="1"/>
+          </p:cNvSpPr>
+          <p:nvPr>
+            <p:ph type="title"/>
+          </p:nvPr>
+        </p:nvSpPr>
+        <p:spPr/>
+        <p:txBody>
+          <a:bodyPr/>
+          <a:lstStyle/>
+          <a:p>
+            <a:r>
+              <a:rPr lang="en-US" dirty="0"/>
+              <a:t>Calling conventions</a:t>
+            </a:r>
+          </a:p>
+        </p:txBody>
+      </p:sp>
+      <p:sp>
+        <p:nvSpPr>
+          <p:cNvPr id="3" name="Content Placeholder 2">
+            <a:extLst>
+              <a:ext uri="{FF2B5EF4-FFF2-40B4-BE49-F238E27FC236}">
+                <a16:creationId xmlns:a16="http://schemas.microsoft.com/office/drawing/2014/main" id="{CF7693BA-6E72-ED3A-0770-429CA0DB12DD}"/>
+              </a:ext>
+            </a:extLst>
+          </p:cNvPr>
+          <p:cNvSpPr>
+            <a:spLocks noGrp="1"/>
+          </p:cNvSpPr>
+          <p:nvPr>
+            <p:ph idx="1"/>
+          </p:nvPr>
+        </p:nvSpPr>
+        <p:spPr/>
+        <p:txBody>
+          <a:bodyPr/>
+          <a:lstStyle/>
+          <a:p>
+            <a:r>
+              <a:rPr lang="en-US" dirty="0"/>
+              <a:t>There is no one way to interface with procedures, it is up to each programmer working with each other to decide how data gets passed to and from procedures.</a:t>
+            </a:r>
+          </a:p>
+          <a:p>
+            <a:r>
+              <a:rPr lang="en-US" dirty="0"/>
+              <a:t>However, there are several standards set up, to facilitate compiler creation or API creation.</a:t>
+            </a:r>
+          </a:p>
+        </p:txBody>
+      </p:sp>
+    </p:spTree>
+    <p:extLst>
+      <p:ext uri="{BB962C8B-B14F-4D97-AF65-F5344CB8AC3E}">
+        <p14:creationId xmlns:p14="http://schemas.microsoft.com/office/powerpoint/2010/main" val="1810497624"/>
+      </p:ext>
+    </p:extLst>
+  </p:cSld>
+  <p:clrMapOvr>
+    <a:masterClrMapping/>
+  </p:clrMapOvr>
+</p:sld>
+</file>
+
+<file path=ppt/slides/slide4.xml><?xml version="1.0" encoding="utf-8"?>
+<p:sld xmlns:a="http://schemas.openxmlformats.org/drawingml/2006/main" xmlns:r="http://schemas.openxmlformats.org/officeDocument/2006/relationships" xmlns:p="http://schemas.openxmlformats.org/presentationml/2006/main">
+  <p:cSld>
+    <p:spTree>
+      <p:nvGrpSpPr>
+        <p:cNvPr id="1" name=""/>
+        <p:cNvGrpSpPr/>
+        <p:nvPr/>
+      </p:nvGrpSpPr>
+      <p:grpSpPr>
+        <a:xfrm>
+          <a:off x="0" y="0"/>
+          <a:ext cx="0" cy="0"/>
+          <a:chOff x="0" y="0"/>
+          <a:chExt cx="0" cy="0"/>
+        </a:xfrm>
+      </p:grpSpPr>
+      <p:sp>
+        <p:nvSpPr>
+          <p:cNvPr id="2" name="Title 1">
+            <a:extLst>
+              <a:ext uri="{FF2B5EF4-FFF2-40B4-BE49-F238E27FC236}">
+                <a16:creationId xmlns:a16="http://schemas.microsoft.com/office/drawing/2014/main" id="{DCB47D40-23DD-B57F-91CF-80693E4031E8}"/>
+              </a:ext>
+            </a:extLst>
+          </p:cNvPr>
+          <p:cNvSpPr>
+            <a:spLocks noGrp="1"/>
+          </p:cNvSpPr>
+          <p:nvPr>
+            <p:ph type="title"/>
+          </p:nvPr>
+        </p:nvSpPr>
+        <p:spPr/>
+        <p:txBody>
+          <a:bodyPr/>
+          <a:lstStyle/>
+          <a:p>
+            <a:r>
+              <a:rPr lang="en-US" dirty="0"/>
+              <a:t>Calling conventions</a:t>
+            </a:r>
+          </a:p>
+        </p:txBody>
+      </p:sp>
+      <p:sp>
+        <p:nvSpPr>
+          <p:cNvPr id="3" name="Content Placeholder 2">
+            <a:extLst>
+              <a:ext uri="{FF2B5EF4-FFF2-40B4-BE49-F238E27FC236}">
+                <a16:creationId xmlns:a16="http://schemas.microsoft.com/office/drawing/2014/main" id="{56C9314A-756C-6D8B-29F4-3AF83750E0E1}"/>
+              </a:ext>
+            </a:extLst>
+          </p:cNvPr>
+          <p:cNvSpPr>
+            <a:spLocks noGrp="1"/>
+          </p:cNvSpPr>
+          <p:nvPr>
+            <p:ph idx="1"/>
+          </p:nvPr>
+        </p:nvSpPr>
+        <p:spPr/>
+        <p:txBody>
+          <a:bodyPr>
+            <a:normAutofit fontScale="92500" lnSpcReduction="10000"/>
+          </a:bodyPr>
+          <a:lstStyle/>
+          <a:p>
+            <a:r>
+              <a:rPr lang="en-US" dirty="0"/>
+              <a:t>The specific way that these are implemented is very specific to each compiler.</a:t>
+            </a:r>
+          </a:p>
+          <a:p>
+            <a:r>
+              <a:rPr lang="en-US" dirty="0"/>
+              <a:t>GCC uses one calling convention, Turbo C++ uses a different one, etc. Even within calling conventions these can differ</a:t>
+            </a:r>
+          </a:p>
+          <a:p>
+            <a:r>
+              <a:rPr lang="en-US" dirty="0"/>
+              <a:t>Trying to interface with object files generated from the same code by different compilers can be very different.</a:t>
+            </a:r>
+          </a:p>
+          <a:p>
+            <a:r>
+              <a:rPr lang="en-US" dirty="0"/>
+              <a:t>Assemblers won’t enforce these conventions, when writing x86 assembly directly, it’s the programmer’s job to make sure that these conventions are followed.</a:t>
+            </a:r>
+          </a:p>
+          <a:p>
+            <a:r>
+              <a:rPr lang="en-US" dirty="0"/>
+              <a:t>However, using the same calling convention between x86 procedures and external, compiled C functions can let you work between them.</a:t>
+            </a:r>
+          </a:p>
+        </p:txBody>
+      </p:sp>
+    </p:spTree>
+    <p:extLst>
+      <p:ext uri="{BB962C8B-B14F-4D97-AF65-F5344CB8AC3E}">
+        <p14:creationId xmlns:p14="http://schemas.microsoft.com/office/powerpoint/2010/main" val="1585667265"/>
+      </p:ext>
+    </p:extLst>
+  </p:cSld>
+  <p:clrMapOvr>
+    <a:masterClrMapping/>
+  </p:clrMapOvr>
+</p:sld>
+</file>
+
+<file path=ppt/slides/slide5.xml><?xml version="1.0" encoding="utf-8"?>
+<p:sld xmlns:a="http://schemas.openxmlformats.org/drawingml/2006/main" xmlns:r="http://schemas.openxmlformats.org/officeDocument/2006/relationships" xmlns:p="http://schemas.openxmlformats.org/presentationml/2006/main">
+  <p:cSld>
+    <p:spTree>
+      <p:nvGrpSpPr>
+        <p:cNvPr id="1" name=""/>
+        <p:cNvGrpSpPr/>
+        <p:nvPr/>
+      </p:nvGrpSpPr>
+      <p:grpSpPr>
+        <a:xfrm>
+          <a:off x="0" y="0"/>
+          <a:ext cx="0" cy="0"/>
+          <a:chOff x="0" y="0"/>
+          <a:chExt cx="0" cy="0"/>
+        </a:xfrm>
+      </p:grpSpPr>
+      <p:sp>
+        <p:nvSpPr>
+          <p:cNvPr id="2" name="Title 1">
+            <a:extLst>
+              <a:ext uri="{FF2B5EF4-FFF2-40B4-BE49-F238E27FC236}">
+                <a16:creationId xmlns:a16="http://schemas.microsoft.com/office/drawing/2014/main" id="{67454F1A-0123-8BC3-B19B-311CAF44EF04}"/>
+              </a:ext>
+            </a:extLst>
+          </p:cNvPr>
+          <p:cNvSpPr>
+            <a:spLocks noGrp="1"/>
+          </p:cNvSpPr>
+          <p:nvPr>
+            <p:ph type="title"/>
+          </p:nvPr>
+        </p:nvSpPr>
+        <p:spPr/>
+        <p:txBody>
+          <a:bodyPr/>
+          <a:lstStyle/>
+          <a:p>
+            <a:r>
+              <a:rPr lang="en-US" dirty="0"/>
+              <a:t>Cdecl calling convention</a:t>
+            </a:r>
+          </a:p>
+        </p:txBody>
+      </p:sp>
+      <p:sp>
+        <p:nvSpPr>
+          <p:cNvPr id="3" name="Content Placeholder 2">
+            <a:extLst>
+              <a:ext uri="{FF2B5EF4-FFF2-40B4-BE49-F238E27FC236}">
+                <a16:creationId xmlns:a16="http://schemas.microsoft.com/office/drawing/2014/main" id="{A1A39458-7177-522E-B2EF-3E988CDF9736}"/>
+              </a:ext>
+            </a:extLst>
+          </p:cNvPr>
+          <p:cNvSpPr>
+            <a:spLocks noGrp="1"/>
+          </p:cNvSpPr>
+          <p:nvPr>
+            <p:ph idx="1"/>
+          </p:nvPr>
+        </p:nvSpPr>
+        <p:spPr>
+          <a:xfrm>
+            <a:off x="1451579" y="2015732"/>
+            <a:ext cx="9603275" cy="4037749"/>
+          </a:xfrm>
+        </p:spPr>
+        <p:txBody>
+          <a:bodyPr>
+            <a:normAutofit fontScale="92500" lnSpcReduction="10000"/>
+          </a:bodyPr>
+          <a:lstStyle/>
+          <a:p>
+            <a:r>
+              <a:rPr lang="en-US" dirty="0"/>
+              <a:t>We start with a C function, something like int multiply(int x, int y) { return x * y; }</a:t>
+            </a:r>
+          </a:p>
+          <a:p>
+            <a:r>
+              <a:rPr lang="en-US" dirty="0"/>
+              <a:t>These data types are enforced by the compiler, we obviously won’t have them inside our assembly.</a:t>
+            </a:r>
+          </a:p>
+          <a:p>
+            <a:r>
+              <a:rPr lang="en-US" dirty="0"/>
+              <a:t>Our function name becomes a procedure.</a:t>
+            </a:r>
+          </a:p>
+          <a:p>
+            <a:r>
+              <a:rPr lang="en-US" dirty="0"/>
+              <a:t>Our arguments become things that we pass onto the stack before our procedure call. The specific way this compiles is from right to left, so we push y, then push x.</a:t>
+            </a:r>
+          </a:p>
+          <a:p>
+            <a:r>
+              <a:rPr lang="en-US" dirty="0"/>
+              <a:t>Our return value becomes a value that gets put into ax.</a:t>
+            </a:r>
+          </a:p>
+          <a:p>
+            <a:r>
+              <a:rPr lang="en-US" dirty="0"/>
+              <a:t>Void functions won’t return anything.</a:t>
+            </a:r>
+          </a:p>
+          <a:p>
+            <a:r>
+              <a:rPr lang="en-US" dirty="0"/>
+              <a:t>Our arguments are not cleared from the stack by the procedure, so our stack should be the same as before we called the procedure. (Same stack pointer, same data below it)</a:t>
+            </a:r>
+          </a:p>
+        </p:txBody>
+      </p:sp>
+    </p:spTree>
+    <p:extLst>
+      <p:ext uri="{BB962C8B-B14F-4D97-AF65-F5344CB8AC3E}">
+        <p14:creationId xmlns:p14="http://schemas.microsoft.com/office/powerpoint/2010/main" val="71688917"/>
+      </p:ext>
+    </p:extLst>
+  </p:cSld>
+  <p:clrMapOvr>
+    <a:masterClrMapping/>
+  </p:clrMapOvr>
+</p:sld>
+</file>
+
+<file path=ppt/slides/slide6.xml><?xml version="1.0" encoding="utf-8"?>
+<p:sld xmlns:a="http://schemas.openxmlformats.org/drawingml/2006/main" xmlns:r="http://schemas.openxmlformats.org/officeDocument/2006/relationships" xmlns:p="http://schemas.openxmlformats.org/presentationml/2006/main">
+  <p:cSld>
+    <p:spTree>
+      <p:nvGrpSpPr>
+        <p:cNvPr id="1" name=""/>
+        <p:cNvGrpSpPr/>
+        <p:nvPr/>
+      </p:nvGrpSpPr>
+      <p:grpSpPr>
+        <a:xfrm>
+          <a:off x="0" y="0"/>
+          <a:ext cx="0" cy="0"/>
+          <a:chOff x="0" y="0"/>
+          <a:chExt cx="0" cy="0"/>
+        </a:xfrm>
+      </p:grpSpPr>
+      <p:sp>
+        <p:nvSpPr>
+          <p:cNvPr id="2" name="Title 1">
+            <a:extLst>
+              <a:ext uri="{FF2B5EF4-FFF2-40B4-BE49-F238E27FC236}">
+                <a16:creationId xmlns:a16="http://schemas.microsoft.com/office/drawing/2014/main" id="{D455D13C-797F-9AC1-156F-C35BE28EF1F7}"/>
+              </a:ext>
+            </a:extLst>
+          </p:cNvPr>
+          <p:cNvSpPr>
+            <a:spLocks noGrp="1"/>
+          </p:cNvSpPr>
+          <p:nvPr>
+            <p:ph type="title"/>
+          </p:nvPr>
+        </p:nvSpPr>
+        <p:spPr/>
+        <p:txBody>
+          <a:bodyPr/>
+          <a:lstStyle/>
+          <a:p>
+            <a:r>
+              <a:rPr lang="en-US" dirty="0"/>
+              <a:t>Implementing this process	 in TASM</a:t>
+            </a:r>
+          </a:p>
+        </p:txBody>
+      </p:sp>
+      <p:sp>
+        <p:nvSpPr>
+          <p:cNvPr id="3" name="Content Placeholder 2">
+            <a:extLst>
+              <a:ext uri="{FF2B5EF4-FFF2-40B4-BE49-F238E27FC236}">
+                <a16:creationId xmlns:a16="http://schemas.microsoft.com/office/drawing/2014/main" id="{7315A839-25B3-5D0B-6FD1-D954D53407C9}"/>
+              </a:ext>
+            </a:extLst>
+          </p:cNvPr>
+          <p:cNvSpPr>
+            <a:spLocks noGrp="1"/>
+          </p:cNvSpPr>
+          <p:nvPr>
+            <p:ph idx="1"/>
+          </p:nvPr>
+        </p:nvSpPr>
+        <p:spPr/>
+        <p:txBody>
+          <a:bodyPr>
+            <a:normAutofit fontScale="92500"/>
+          </a:bodyPr>
+          <a:lstStyle/>
+          <a:p>
+            <a:r>
+              <a:rPr lang="en-US" dirty="0"/>
+              <a:t>First, save the base pointer and move the stack pointer into base pointer.</a:t>
+            </a:r>
+          </a:p>
+          <a:p>
+            <a:r>
+              <a:rPr lang="en-US" dirty="0"/>
+              <a:t>This makes bp into an offset that lets procedure “arguments” be referred to consistently, it also saves the stack pointer (so long as bp isn’t modified), letting us consistently return to our main function regardless of what we’ve put onto the stack.</a:t>
+            </a:r>
+          </a:p>
+          <a:p>
+            <a:r>
+              <a:rPr lang="en-US" dirty="0"/>
+              <a:t>When procedure is called, return address gets pushed to stack by the call operation, then bp is pushed to stack by us, bp holds the stack pointer at this moment in time.</a:t>
+            </a:r>
+          </a:p>
+          <a:p>
+            <a:r>
+              <a:rPr lang="en-US" dirty="0"/>
+              <a:t>[bp] is the original base pointer, [bp+2] is the instruction pointer to return to, [bp+4] is the last “argument” pushed (So the left-most, in compiled C), then [bp+6], [bp+8], and so on.</a:t>
+            </a:r>
+          </a:p>
+        </p:txBody>
+      </p:sp>
+    </p:spTree>
+    <p:extLst>
+      <p:ext uri="{BB962C8B-B14F-4D97-AF65-F5344CB8AC3E}">
+        <p14:creationId xmlns:p14="http://schemas.microsoft.com/office/powerpoint/2010/main" val="692019691"/>
+      </p:ext>
+    </p:extLst>
+  </p:cSld>
+  <p:clrMapOvr>
+    <a:masterClrMapping/>
+  </p:clrMapOvr>
+</p:sld>
+</file>
+
+<file path=ppt/slides/slide7.xml><?xml version="1.0" encoding="utf-8"?>
 <p:sld xmlns:a="http://schemas.openxmlformats.org/drawingml/2006/main" xmlns:r="http://schemas.openxmlformats.org/officeDocument/2006/relationships" xmlns:p="http://schemas.openxmlformats.org/presentationml/2006/main">
   <p:cSld>
     <p:bg>
@@ -3961,1157 +4293,6 @@
       </p:grpSpPr>
       <p:sp>
         <p:nvSpPr>
-          <p:cNvPr id="138" name="Rectangle 137">
-            <a:extLst>
-              <a:ext uri="{FF2B5EF4-FFF2-40B4-BE49-F238E27FC236}">
-                <a16:creationId xmlns:a16="http://schemas.microsoft.com/office/drawing/2014/main" id="{E724B9E8-02C8-4B2E-8770-A00A67760DF0}"/>
-              </a:ext>
-              <a:ext uri="{C183D7F6-B498-43B3-948B-1728B52AA6E4}">
-                <adec:decorative xmlns:adec="http://schemas.microsoft.com/office/drawing/2017/decorative" val="1"/>
-              </a:ext>
-            </a:extLst>
-          </p:cNvPr>
-          <p:cNvSpPr>
-            <a:spLocks noGrp="1" noRot="1" noChangeAspect="1" noMove="1" noResize="1" noEditPoints="1" noAdjustHandles="1" noChangeArrowheads="1" noChangeShapeType="1" noTextEdit="1"/>
-          </p:cNvSpPr>
-          <p:nvPr>
-            <p:extLst>
-              <p:ext uri="{386F3935-93C4-4BCD-93E2-E3B085C9AB24}">
-                <p16:designElem xmlns:p16="http://schemas.microsoft.com/office/powerpoint/2015/main" val="1"/>
-              </p:ext>
-            </p:extLst>
-          </p:nvPr>
-        </p:nvSpPr>
-        <p:spPr>
-          <a:xfrm>
-            <a:off x="0" y="2019476"/>
-            <a:ext cx="12192000" cy="4105941"/>
-          </a:xfrm>
-          <a:prstGeom prst="rect">
-            <a:avLst/>
-          </a:prstGeom>
-          <a:gradFill flip="none" rotWithShape="1">
-            <a:gsLst>
-              <a:gs pos="0">
-                <a:schemeClr val="bg2">
-                  <a:alpha val="0"/>
-                </a:schemeClr>
-              </a:gs>
-              <a:gs pos="100000">
-                <a:schemeClr val="bg2"/>
-              </a:gs>
-            </a:gsLst>
-            <a:lin ang="5400000" scaled="0"/>
-            <a:tileRect/>
-          </a:gradFill>
-          <a:ln>
-            <a:noFill/>
-          </a:ln>
-        </p:spPr>
-        <p:style>
-          <a:lnRef idx="2">
-            <a:schemeClr val="accent1">
-              <a:shade val="50000"/>
-            </a:schemeClr>
-          </a:lnRef>
-          <a:fillRef idx="1">
-            <a:schemeClr val="accent1"/>
-          </a:fillRef>
-          <a:effectRef idx="0">
-            <a:schemeClr val="accent1"/>
-          </a:effectRef>
-          <a:fontRef idx="minor">
-            <a:schemeClr val="lt1"/>
-          </a:fontRef>
-        </p:style>
-      </p:sp>
-      <p:pic>
-        <p:nvPicPr>
-          <p:cNvPr id="140" name="Picture 139">
-            <a:extLst>
-              <a:ext uri="{FF2B5EF4-FFF2-40B4-BE49-F238E27FC236}">
-                <a16:creationId xmlns:a16="http://schemas.microsoft.com/office/drawing/2014/main" id="{7B8AE548-0BFA-4792-9962-3375923C7635}"/>
-              </a:ext>
-              <a:ext uri="{C183D7F6-B498-43B3-948B-1728B52AA6E4}">
-                <adec:decorative xmlns:adec="http://schemas.microsoft.com/office/drawing/2017/decorative" val="1"/>
-              </a:ext>
-            </a:extLst>
-          </p:cNvPr>
-          <p:cNvPicPr>
-            <a:picLocks noGrp="1" noRot="1" noChangeAspect="1" noMove="1" noResize="1" noEditPoints="1" noAdjustHandles="1" noChangeArrowheads="1" noChangeShapeType="1" noCrop="1"/>
-          </p:cNvPicPr>
-          <p:nvPr>
-            <p:extLst>
-              <p:ext uri="{386F3935-93C4-4BCD-93E2-E3B085C9AB24}">
-                <p16:designElem xmlns:p16="http://schemas.microsoft.com/office/powerpoint/2015/main" val="1"/>
-              </p:ext>
-            </p:extLst>
-          </p:nvPr>
-        </p:nvPicPr>
-        <p:blipFill rotWithShape="1">
-          <a:blip r:embed="rId2">
-            <a:extLst>
-              <a:ext uri="{28A0092B-C50C-407E-A947-70E740481C1C}">
-                <a14:useLocalDpi xmlns:a14="http://schemas.microsoft.com/office/drawing/2010/main" val="0"/>
-              </a:ext>
-            </a:extLst>
-          </a:blip>
-          <a:srcRect t="1538" b="-1538"/>
-          <a:stretch/>
-        </p:blipFill>
-        <p:spPr bwMode="black">
-          <a:xfrm>
-            <a:off x="0" y="6126480"/>
-            <a:ext cx="12192000" cy="742950"/>
-          </a:xfrm>
-          <a:prstGeom prst="rect">
-            <a:avLst/>
-          </a:prstGeom>
-        </p:spPr>
-      </p:pic>
-      <p:cxnSp>
-        <p:nvCxnSpPr>
-          <p:cNvPr id="142" name="Straight Connector 141">
-            <a:extLst>
-              <a:ext uri="{FF2B5EF4-FFF2-40B4-BE49-F238E27FC236}">
-                <a16:creationId xmlns:a16="http://schemas.microsoft.com/office/drawing/2014/main" id="{67639EF4-FA83-4D85-90FE-B831AF283896}"/>
-              </a:ext>
-              <a:ext uri="{C183D7F6-B498-43B3-948B-1728B52AA6E4}">
-                <adec:decorative xmlns:adec="http://schemas.microsoft.com/office/drawing/2017/decorative" val="1"/>
-              </a:ext>
-            </a:extLst>
-          </p:cNvPr>
-          <p:cNvCxnSpPr>
-            <a:cxnSpLocks noGrp="1" noRot="1" noChangeAspect="1" noMove="1" noResize="1" noEditPoints="1" noAdjustHandles="1" noChangeArrowheads="1" noChangeShapeType="1"/>
-          </p:cNvCxnSpPr>
-          <p:nvPr>
-            <p:extLst>
-              <p:ext uri="{386F3935-93C4-4BCD-93E2-E3B085C9AB24}">
-                <p16:designElem xmlns:p16="http://schemas.microsoft.com/office/powerpoint/2015/main" val="1"/>
-              </p:ext>
-            </p:extLst>
-          </p:nvPr>
-        </p:nvCxnSpPr>
-        <p:spPr>
-          <a:xfrm>
-            <a:off x="0" y="6128413"/>
-            <a:ext cx="12192000" cy="0"/>
-          </a:xfrm>
-          <a:prstGeom prst="line">
-            <a:avLst/>
-          </a:prstGeom>
-          <a:ln w="12700">
-            <a:solidFill>
-              <a:srgbClr val="000001">
-                <a:alpha val="20000"/>
-              </a:srgbClr>
-            </a:solidFill>
-          </a:ln>
-        </p:spPr>
-        <p:style>
-          <a:lnRef idx="1">
-            <a:schemeClr val="accent1"/>
-          </a:lnRef>
-          <a:fillRef idx="0">
-            <a:schemeClr val="accent1"/>
-          </a:fillRef>
-          <a:effectRef idx="0">
-            <a:schemeClr val="accent1"/>
-          </a:effectRef>
-          <a:fontRef idx="minor">
-            <a:schemeClr val="tx1"/>
-          </a:fontRef>
-        </p:style>
-      </p:cxnSp>
-      <p:cxnSp>
-        <p:nvCxnSpPr>
-          <p:cNvPr id="144" name="Straight Connector 143">
-            <a:extLst>
-              <a:ext uri="{FF2B5EF4-FFF2-40B4-BE49-F238E27FC236}">
-                <a16:creationId xmlns:a16="http://schemas.microsoft.com/office/drawing/2014/main" id="{CC87E76A-8F50-413D-9BFC-C5A1525BD9BC}"/>
-              </a:ext>
-              <a:ext uri="{C183D7F6-B498-43B3-948B-1728B52AA6E4}">
-                <adec:decorative xmlns:adec="http://schemas.microsoft.com/office/drawing/2017/decorative" val="1"/>
-              </a:ext>
-            </a:extLst>
-          </p:cNvPr>
-          <p:cNvCxnSpPr>
-            <a:cxnSpLocks noGrp="1" noRot="1" noChangeAspect="1" noMove="1" noResize="1" noEditPoints="1" noAdjustHandles="1" noChangeArrowheads="1" noChangeShapeType="1"/>
-          </p:cNvCxnSpPr>
-          <p:nvPr>
-            <p:extLst>
-              <p:ext uri="{386F3935-93C4-4BCD-93E2-E3B085C9AB24}">
-                <p16:designElem xmlns:p16="http://schemas.microsoft.com/office/powerpoint/2015/main" val="1"/>
-              </p:ext>
-            </p:extLst>
-          </p:nvPr>
-        </p:nvCxnSpPr>
-        <p:spPr>
-          <a:xfrm>
-            <a:off x="2417780" y="3528542"/>
-            <a:ext cx="8637072" cy="0"/>
-          </a:xfrm>
-          <a:prstGeom prst="line">
-            <a:avLst/>
-          </a:prstGeom>
-          <a:ln w="31750"/>
-        </p:spPr>
-        <p:style>
-          <a:lnRef idx="3">
-            <a:schemeClr val="accent1"/>
-          </a:lnRef>
-          <a:fillRef idx="0">
-            <a:schemeClr val="accent1"/>
-          </a:fillRef>
-          <a:effectRef idx="2">
-            <a:schemeClr val="accent1"/>
-          </a:effectRef>
-          <a:fontRef idx="minor">
-            <a:schemeClr val="tx1"/>
-          </a:fontRef>
-        </p:style>
-      </p:cxnSp>
-      <p:sp useBgFill="1">
-        <p:nvSpPr>
-          <p:cNvPr id="146" name="Rectangle 145">
-            <a:extLst>
-              <a:ext uri="{FF2B5EF4-FFF2-40B4-BE49-F238E27FC236}">
-                <a16:creationId xmlns:a16="http://schemas.microsoft.com/office/drawing/2014/main" id="{773E595B-9F61-4FDD-9E17-2C10990593E4}"/>
-              </a:ext>
-              <a:ext uri="{C183D7F6-B498-43B3-948B-1728B52AA6E4}">
-                <adec:decorative xmlns:adec="http://schemas.microsoft.com/office/drawing/2017/decorative" val="1"/>
-              </a:ext>
-            </a:extLst>
-          </p:cNvPr>
-          <p:cNvSpPr>
-            <a:spLocks noGrp="1" noRot="1" noChangeAspect="1" noMove="1" noResize="1" noEditPoints="1" noAdjustHandles="1" noChangeArrowheads="1" noChangeShapeType="1" noTextEdit="1"/>
-          </p:cNvSpPr>
-          <p:nvPr>
-            <p:extLst>
-              <p:ext uri="{386F3935-93C4-4BCD-93E2-E3B085C9AB24}">
-                <p16:designElem xmlns:p16="http://schemas.microsoft.com/office/powerpoint/2015/main" val="1"/>
-              </p:ext>
-            </p:extLst>
-          </p:nvPr>
-        </p:nvSpPr>
-        <p:spPr>
-          <a:xfrm>
-            <a:off x="2" y="0"/>
-            <a:ext cx="12191695" cy="6858000"/>
-          </a:xfrm>
-          <a:prstGeom prst="rect">
-            <a:avLst/>
-          </a:prstGeom>
-          <a:ln>
-            <a:noFill/>
-          </a:ln>
-        </p:spPr>
-        <p:style>
-          <a:lnRef idx="2">
-            <a:schemeClr val="accent1">
-              <a:shade val="50000"/>
-            </a:schemeClr>
-          </a:lnRef>
-          <a:fillRef idx="1">
-            <a:schemeClr val="accent1"/>
-          </a:fillRef>
-          <a:effectRef idx="0">
-            <a:schemeClr val="accent1"/>
-          </a:effectRef>
-          <a:fontRef idx="minor">
-            <a:schemeClr val="lt1"/>
-          </a:fontRef>
-        </p:style>
-        <p:txBody>
-          <a:bodyPr rtlCol="0" anchor="ctr"/>
-          <a:lstStyle/>
-          <a:p>
-            <a:pPr algn="ctr"/>
-            <a:endParaRPr lang="en-US"/>
-          </a:p>
-        </p:txBody>
-      </p:sp>
-      <p:sp>
-        <p:nvSpPr>
-          <p:cNvPr id="148" name="Rectangle 147">
-            <a:extLst>
-              <a:ext uri="{FF2B5EF4-FFF2-40B4-BE49-F238E27FC236}">
-                <a16:creationId xmlns:a16="http://schemas.microsoft.com/office/drawing/2014/main" id="{27BC3662-B476-4E80-9DB8-92244082FDEF}"/>
-              </a:ext>
-              <a:ext uri="{C183D7F6-B498-43B3-948B-1728B52AA6E4}">
-                <adec:decorative xmlns:adec="http://schemas.microsoft.com/office/drawing/2017/decorative" val="1"/>
-              </a:ext>
-            </a:extLst>
-          </p:cNvPr>
-          <p:cNvSpPr>
-            <a:spLocks noGrp="1" noRot="1" noChangeAspect="1" noMove="1" noResize="1" noEditPoints="1" noAdjustHandles="1" noChangeArrowheads="1" noChangeShapeType="1" noTextEdit="1"/>
-          </p:cNvSpPr>
-          <p:nvPr>
-            <p:extLst>
-              <p:ext uri="{386F3935-93C4-4BCD-93E2-E3B085C9AB24}">
-                <p16:designElem xmlns:p16="http://schemas.microsoft.com/office/powerpoint/2015/main" val="1"/>
-              </p:ext>
-            </p:extLst>
-          </p:nvPr>
-        </p:nvSpPr>
-        <p:spPr>
-          <a:xfrm>
-            <a:off x="0" y="2019476"/>
-            <a:ext cx="12192000" cy="4105941"/>
-          </a:xfrm>
-          <a:prstGeom prst="rect">
-            <a:avLst/>
-          </a:prstGeom>
-          <a:gradFill flip="none" rotWithShape="1">
-            <a:gsLst>
-              <a:gs pos="0">
-                <a:schemeClr val="bg2">
-                  <a:alpha val="0"/>
-                </a:schemeClr>
-              </a:gs>
-              <a:gs pos="100000">
-                <a:schemeClr val="bg2"/>
-              </a:gs>
-            </a:gsLst>
-            <a:lin ang="5400000" scaled="0"/>
-            <a:tileRect/>
-          </a:gradFill>
-          <a:ln>
-            <a:noFill/>
-          </a:ln>
-        </p:spPr>
-        <p:style>
-          <a:lnRef idx="2">
-            <a:schemeClr val="accent1">
-              <a:shade val="50000"/>
-            </a:schemeClr>
-          </a:lnRef>
-          <a:fillRef idx="1">
-            <a:schemeClr val="accent1"/>
-          </a:fillRef>
-          <a:effectRef idx="0">
-            <a:schemeClr val="accent1"/>
-          </a:effectRef>
-          <a:fontRef idx="minor">
-            <a:schemeClr val="lt1"/>
-          </a:fontRef>
-        </p:style>
-        <p:txBody>
-          <a:bodyPr rtlCol="0" anchor="ctr"/>
-          <a:lstStyle/>
-          <a:p>
-            <a:pPr lvl="0" algn="ctr"/>
-            <a:endParaRPr lang="en-US"/>
-          </a:p>
-        </p:txBody>
-      </p:sp>
-      <p:sp>
-        <p:nvSpPr>
-          <p:cNvPr id="2" name="Title 1">
-            <a:extLst>
-              <a:ext uri="{FF2B5EF4-FFF2-40B4-BE49-F238E27FC236}">
-                <a16:creationId xmlns:a16="http://schemas.microsoft.com/office/drawing/2014/main" id="{561D0A1F-0C63-0C4E-D9AC-CACCCD7DEA1C}"/>
-              </a:ext>
-            </a:extLst>
-          </p:cNvPr>
-          <p:cNvSpPr>
-            <a:spLocks noGrp="1"/>
-          </p:cNvSpPr>
-          <p:nvPr>
-            <p:ph type="title"/>
-          </p:nvPr>
-        </p:nvSpPr>
-        <p:spPr>
-          <a:xfrm>
-            <a:off x="8673476" y="1468464"/>
-            <a:ext cx="2858835" cy="1873219"/>
-          </a:xfrm>
-        </p:spPr>
-        <p:txBody>
-          <a:bodyPr vert="horz" lIns="91440" tIns="45720" rIns="91440" bIns="0" rtlCol="0" anchor="b">
-            <a:normAutofit/>
-          </a:bodyPr>
-          <a:lstStyle/>
-          <a:p>
-            <a:r>
-              <a:rPr lang="en-US" sz="3600" dirty="0"/>
-              <a:t>Compiling</a:t>
-            </a:r>
-          </a:p>
-        </p:txBody>
-      </p:sp>
-      <p:sp>
-        <p:nvSpPr>
-          <p:cNvPr id="3" name="Content Placeholder 2">
-            <a:extLst>
-              <a:ext uri="{FF2B5EF4-FFF2-40B4-BE49-F238E27FC236}">
-                <a16:creationId xmlns:a16="http://schemas.microsoft.com/office/drawing/2014/main" id="{0EE3E2BF-EE5F-7EFF-BDED-76C29CBCEA02}"/>
-              </a:ext>
-            </a:extLst>
-          </p:cNvPr>
-          <p:cNvSpPr>
-            <a:spLocks noGrp="1"/>
-          </p:cNvSpPr>
-          <p:nvPr>
-            <p:ph idx="1"/>
-          </p:nvPr>
-        </p:nvSpPr>
-        <p:spPr>
-          <a:xfrm>
-            <a:off x="8671407" y="3529160"/>
-            <a:ext cx="2848300" cy="1613537"/>
-          </a:xfrm>
-        </p:spPr>
-        <p:txBody>
-          <a:bodyPr vert="horz" lIns="91440" tIns="91440" rIns="91440" bIns="91440" rtlCol="0">
-            <a:normAutofit/>
-          </a:bodyPr>
-          <a:lstStyle/>
-          <a:p>
-            <a:pPr marL="0" indent="0">
-              <a:lnSpc>
-                <a:spcPct val="110000"/>
-              </a:lnSpc>
-              <a:buNone/>
-            </a:pPr>
-            <a:r>
-              <a:rPr lang="en-US" sz="1600" cap="all"/>
-              <a:t>The first place to turn to for how to make a function with a consistent scope was compiled C.</a:t>
-            </a:r>
-          </a:p>
-        </p:txBody>
-      </p:sp>
-      <p:pic>
-        <p:nvPicPr>
-          <p:cNvPr id="23" name="Picture 22" descr="A screenshot of a computer&#10;&#10;Description automatically generated with medium confidence">
-            <a:extLst>
-              <a:ext uri="{FF2B5EF4-FFF2-40B4-BE49-F238E27FC236}">
-                <a16:creationId xmlns:a16="http://schemas.microsoft.com/office/drawing/2014/main" id="{68A033CD-D030-36EA-63E0-046EE2B55712}"/>
-              </a:ext>
-            </a:extLst>
-          </p:cNvPr>
-          <p:cNvPicPr>
-            <a:picLocks noChangeAspect="1"/>
-          </p:cNvPicPr>
-          <p:nvPr/>
-        </p:nvPicPr>
-        <p:blipFill>
-          <a:blip r:embed="rId3"/>
-          <a:stretch>
-            <a:fillRect/>
-          </a:stretch>
-        </p:blipFill>
-        <p:spPr>
-          <a:xfrm>
-            <a:off x="1411533" y="520604"/>
-            <a:ext cx="2760642" cy="2491907"/>
-          </a:xfrm>
-          <a:prstGeom prst="rect">
-            <a:avLst/>
-          </a:prstGeom>
-        </p:spPr>
-      </p:pic>
-      <p:pic>
-        <p:nvPicPr>
-          <p:cNvPr id="27" name="Picture 26" descr="A screenshot of a computer&#10;&#10;Description automatically generated with medium confidence">
-            <a:extLst>
-              <a:ext uri="{FF2B5EF4-FFF2-40B4-BE49-F238E27FC236}">
-                <a16:creationId xmlns:a16="http://schemas.microsoft.com/office/drawing/2014/main" id="{EF05C489-9233-DBC2-384F-1CB9B255ADF7}"/>
-              </a:ext>
-            </a:extLst>
-          </p:cNvPr>
-          <p:cNvPicPr>
-            <a:picLocks noChangeAspect="1"/>
-          </p:cNvPicPr>
-          <p:nvPr/>
-        </p:nvPicPr>
-        <p:blipFill>
-          <a:blip r:embed="rId4"/>
-          <a:stretch>
-            <a:fillRect/>
-          </a:stretch>
-        </p:blipFill>
-        <p:spPr>
-          <a:xfrm>
-            <a:off x="4488786" y="522206"/>
-            <a:ext cx="3693150" cy="5067089"/>
-          </a:xfrm>
-          <a:prstGeom prst="rect">
-            <a:avLst/>
-          </a:prstGeom>
-        </p:spPr>
-      </p:pic>
-      <p:pic>
-        <p:nvPicPr>
-          <p:cNvPr id="31" name="Picture 30">
-            <a:extLst>
-              <a:ext uri="{FF2B5EF4-FFF2-40B4-BE49-F238E27FC236}">
-                <a16:creationId xmlns:a16="http://schemas.microsoft.com/office/drawing/2014/main" id="{B304D378-8E50-6E61-2FE6-EC153F8EE20D}"/>
-              </a:ext>
-            </a:extLst>
-          </p:cNvPr>
-          <p:cNvPicPr>
-            <a:picLocks noChangeAspect="1"/>
-          </p:cNvPicPr>
-          <p:nvPr/>
-        </p:nvPicPr>
-        <p:blipFill>
-          <a:blip r:embed="rId5"/>
-          <a:stretch>
-            <a:fillRect/>
-          </a:stretch>
-        </p:blipFill>
-        <p:spPr>
-          <a:xfrm>
-            <a:off x="485007" y="3597287"/>
-            <a:ext cx="3687168" cy="1992008"/>
-          </a:xfrm>
-          <a:prstGeom prst="rect">
-            <a:avLst/>
-          </a:prstGeom>
-        </p:spPr>
-      </p:pic>
-      <p:cxnSp>
-        <p:nvCxnSpPr>
-          <p:cNvPr id="150" name="Straight Connector 149">
-            <a:extLst>
-              <a:ext uri="{FF2B5EF4-FFF2-40B4-BE49-F238E27FC236}">
-                <a16:creationId xmlns:a16="http://schemas.microsoft.com/office/drawing/2014/main" id="{9F824A54-888E-4305-AAC0-F58D136F21C9}"/>
-              </a:ext>
-              <a:ext uri="{C183D7F6-B498-43B3-948B-1728B52AA6E4}">
-                <adec:decorative xmlns:adec="http://schemas.microsoft.com/office/drawing/2017/decorative" val="1"/>
-              </a:ext>
-            </a:extLst>
-          </p:cNvPr>
-          <p:cNvCxnSpPr>
-            <a:cxnSpLocks noGrp="1" noRot="1" noChangeAspect="1" noMove="1" noResize="1" noEditPoints="1" noAdjustHandles="1" noChangeArrowheads="1" noChangeShapeType="1"/>
-          </p:cNvCxnSpPr>
-          <p:nvPr>
-            <p:extLst>
-              <p:ext uri="{386F3935-93C4-4BCD-93E2-E3B085C9AB24}">
-                <p16:designElem xmlns:p16="http://schemas.microsoft.com/office/powerpoint/2015/main" val="1"/>
-              </p:ext>
-            </p:extLst>
-          </p:nvPr>
-        </p:nvCxnSpPr>
-        <p:spPr>
-          <a:xfrm>
-            <a:off x="8680960" y="3526496"/>
-            <a:ext cx="2844424" cy="0"/>
-          </a:xfrm>
-          <a:prstGeom prst="line">
-            <a:avLst/>
-          </a:prstGeom>
-          <a:ln w="31750"/>
-        </p:spPr>
-        <p:style>
-          <a:lnRef idx="3">
-            <a:schemeClr val="accent1"/>
-          </a:lnRef>
-          <a:fillRef idx="0">
-            <a:schemeClr val="accent1"/>
-          </a:fillRef>
-          <a:effectRef idx="2">
-            <a:schemeClr val="accent1"/>
-          </a:effectRef>
-          <a:fontRef idx="minor">
-            <a:schemeClr val="tx1"/>
-          </a:fontRef>
-        </p:style>
-      </p:cxnSp>
-      <p:pic>
-        <p:nvPicPr>
-          <p:cNvPr id="152" name="Picture 151">
-            <a:extLst>
-              <a:ext uri="{FF2B5EF4-FFF2-40B4-BE49-F238E27FC236}">
-                <a16:creationId xmlns:a16="http://schemas.microsoft.com/office/drawing/2014/main" id="{63C4FC2C-673A-4C7E-B73D-41007CF3836B}"/>
-              </a:ext>
-              <a:ext uri="{C183D7F6-B498-43B3-948B-1728B52AA6E4}">
-                <adec:decorative xmlns:adec="http://schemas.microsoft.com/office/drawing/2017/decorative" val="1"/>
-              </a:ext>
-            </a:extLst>
-          </p:cNvPr>
-          <p:cNvPicPr>
-            <a:picLocks noGrp="1" noRot="1" noChangeAspect="1" noMove="1" noResize="1" noEditPoints="1" noAdjustHandles="1" noChangeArrowheads="1" noChangeShapeType="1" noCrop="1"/>
-          </p:cNvPicPr>
-          <p:nvPr>
-            <p:extLst>
-              <p:ext uri="{386F3935-93C4-4BCD-93E2-E3B085C9AB24}">
-                <p16:designElem xmlns:p16="http://schemas.microsoft.com/office/powerpoint/2015/main" val="1"/>
-              </p:ext>
-            </p:extLst>
-          </p:nvPr>
-        </p:nvPicPr>
-        <p:blipFill rotWithShape="1">
-          <a:blip r:embed="rId2">
-            <a:extLst>
-              <a:ext uri="{28A0092B-C50C-407E-A947-70E740481C1C}">
-                <a14:useLocalDpi xmlns:a14="http://schemas.microsoft.com/office/drawing/2010/main" val="0"/>
-              </a:ext>
-            </a:extLst>
-          </a:blip>
-          <a:srcRect t="1538" b="-1538"/>
-          <a:stretch/>
-        </p:blipFill>
-        <p:spPr bwMode="black">
-          <a:xfrm>
-            <a:off x="0" y="6126480"/>
-            <a:ext cx="12192000" cy="742950"/>
-          </a:xfrm>
-          <a:prstGeom prst="rect">
-            <a:avLst/>
-          </a:prstGeom>
-        </p:spPr>
-      </p:pic>
-      <p:cxnSp>
-        <p:nvCxnSpPr>
-          <p:cNvPr id="154" name="Straight Connector 153">
-            <a:extLst>
-              <a:ext uri="{FF2B5EF4-FFF2-40B4-BE49-F238E27FC236}">
-                <a16:creationId xmlns:a16="http://schemas.microsoft.com/office/drawing/2014/main" id="{717C0D9D-2585-4972-BB3E-A26585F1F83E}"/>
-              </a:ext>
-              <a:ext uri="{C183D7F6-B498-43B3-948B-1728B52AA6E4}">
-                <adec:decorative xmlns:adec="http://schemas.microsoft.com/office/drawing/2017/decorative" val="1"/>
-              </a:ext>
-            </a:extLst>
-          </p:cNvPr>
-          <p:cNvCxnSpPr>
-            <a:cxnSpLocks noGrp="1" noRot="1" noChangeAspect="1" noMove="1" noResize="1" noEditPoints="1" noAdjustHandles="1" noChangeArrowheads="1" noChangeShapeType="1"/>
-          </p:cNvCxnSpPr>
-          <p:nvPr>
-            <p:extLst>
-              <p:ext uri="{386F3935-93C4-4BCD-93E2-E3B085C9AB24}">
-                <p16:designElem xmlns:p16="http://schemas.microsoft.com/office/powerpoint/2015/main" val="1"/>
-              </p:ext>
-            </p:extLst>
-          </p:nvPr>
-        </p:nvCxnSpPr>
-        <p:spPr>
-          <a:xfrm>
-            <a:off x="0" y="6128413"/>
-            <a:ext cx="12192000" cy="0"/>
-          </a:xfrm>
-          <a:prstGeom prst="line">
-            <a:avLst/>
-          </a:prstGeom>
-          <a:ln w="12700">
-            <a:solidFill>
-              <a:srgbClr val="000001">
-                <a:alpha val="20000"/>
-              </a:srgbClr>
-            </a:solidFill>
-          </a:ln>
-        </p:spPr>
-        <p:style>
-          <a:lnRef idx="1">
-            <a:schemeClr val="accent1"/>
-          </a:lnRef>
-          <a:fillRef idx="0">
-            <a:schemeClr val="accent1"/>
-          </a:fillRef>
-          <a:effectRef idx="0">
-            <a:schemeClr val="accent1"/>
-          </a:effectRef>
-          <a:fontRef idx="minor">
-            <a:schemeClr val="tx1"/>
-          </a:fontRef>
-        </p:style>
-      </p:cxnSp>
-    </p:spTree>
-    <p:extLst>
-      <p:ext uri="{BB962C8B-B14F-4D97-AF65-F5344CB8AC3E}">
-        <p14:creationId xmlns:p14="http://schemas.microsoft.com/office/powerpoint/2010/main" val="1105069204"/>
-      </p:ext>
-    </p:extLst>
-  </p:cSld>
-  <p:clrMapOvr>
-    <a:masterClrMapping/>
-  </p:clrMapOvr>
-</p:sld>
-</file>
-
-<file path=ppt/slides/slide4.xml><?xml version="1.0" encoding="utf-8"?>
-<p:sld xmlns:a="http://schemas.openxmlformats.org/drawingml/2006/main" xmlns:r="http://schemas.openxmlformats.org/officeDocument/2006/relationships" xmlns:p="http://schemas.openxmlformats.org/presentationml/2006/main">
-  <p:cSld>
-    <p:spTree>
-      <p:nvGrpSpPr>
-        <p:cNvPr id="1" name=""/>
-        <p:cNvGrpSpPr/>
-        <p:nvPr/>
-      </p:nvGrpSpPr>
-      <p:grpSpPr>
-        <a:xfrm>
-          <a:off x="0" y="0"/>
-          <a:ext cx="0" cy="0"/>
-          <a:chOff x="0" y="0"/>
-          <a:chExt cx="0" cy="0"/>
-        </a:xfrm>
-      </p:grpSpPr>
-      <p:sp>
-        <p:nvSpPr>
-          <p:cNvPr id="2" name="Title 1">
-            <a:extLst>
-              <a:ext uri="{FF2B5EF4-FFF2-40B4-BE49-F238E27FC236}">
-                <a16:creationId xmlns:a16="http://schemas.microsoft.com/office/drawing/2014/main" id="{630B7691-240A-4F80-F202-92CBB76AE6DA}"/>
-              </a:ext>
-            </a:extLst>
-          </p:cNvPr>
-          <p:cNvSpPr>
-            <a:spLocks noGrp="1"/>
-          </p:cNvSpPr>
-          <p:nvPr>
-            <p:ph type="title"/>
-          </p:nvPr>
-        </p:nvSpPr>
-        <p:spPr/>
-        <p:txBody>
-          <a:bodyPr/>
-          <a:lstStyle/>
-          <a:p>
-            <a:r>
-              <a:rPr lang="en-US" dirty="0"/>
-              <a:t>Calling conventions</a:t>
-            </a:r>
-          </a:p>
-        </p:txBody>
-      </p:sp>
-      <p:sp>
-        <p:nvSpPr>
-          <p:cNvPr id="3" name="Content Placeholder 2">
-            <a:extLst>
-              <a:ext uri="{FF2B5EF4-FFF2-40B4-BE49-F238E27FC236}">
-                <a16:creationId xmlns:a16="http://schemas.microsoft.com/office/drawing/2014/main" id="{CF7693BA-6E72-ED3A-0770-429CA0DB12DD}"/>
-              </a:ext>
-            </a:extLst>
-          </p:cNvPr>
-          <p:cNvSpPr>
-            <a:spLocks noGrp="1"/>
-          </p:cNvSpPr>
-          <p:nvPr>
-            <p:ph idx="1"/>
-          </p:nvPr>
-        </p:nvSpPr>
-        <p:spPr/>
-        <p:txBody>
-          <a:bodyPr/>
-          <a:lstStyle/>
-          <a:p>
-            <a:r>
-              <a:rPr lang="en-US" dirty="0"/>
-              <a:t>There is no one way to interface with procedures, it is up to each programmer working with each other to decide how data gets passed to and from procedures.</a:t>
-            </a:r>
-          </a:p>
-          <a:p>
-            <a:r>
-              <a:rPr lang="en-US" dirty="0"/>
-              <a:t>However, there are several standards set up, to facilitate compiler creation or API creation.</a:t>
-            </a:r>
-          </a:p>
-        </p:txBody>
-      </p:sp>
-    </p:spTree>
-    <p:extLst>
-      <p:ext uri="{BB962C8B-B14F-4D97-AF65-F5344CB8AC3E}">
-        <p14:creationId xmlns:p14="http://schemas.microsoft.com/office/powerpoint/2010/main" val="1810497624"/>
-      </p:ext>
-    </p:extLst>
-  </p:cSld>
-  <p:clrMapOvr>
-    <a:masterClrMapping/>
-  </p:clrMapOvr>
-</p:sld>
-</file>
-
-<file path=ppt/slides/slide5.xml><?xml version="1.0" encoding="utf-8"?>
-<p:sld xmlns:a="http://schemas.openxmlformats.org/drawingml/2006/main" xmlns:r="http://schemas.openxmlformats.org/officeDocument/2006/relationships" xmlns:p="http://schemas.openxmlformats.org/presentationml/2006/main">
-  <p:cSld>
-    <p:spTree>
-      <p:nvGrpSpPr>
-        <p:cNvPr id="1" name=""/>
-        <p:cNvGrpSpPr/>
-        <p:nvPr/>
-      </p:nvGrpSpPr>
-      <p:grpSpPr>
-        <a:xfrm>
-          <a:off x="0" y="0"/>
-          <a:ext cx="0" cy="0"/>
-          <a:chOff x="0" y="0"/>
-          <a:chExt cx="0" cy="0"/>
-        </a:xfrm>
-      </p:grpSpPr>
-      <p:sp>
-        <p:nvSpPr>
-          <p:cNvPr id="2" name="Title 1">
-            <a:extLst>
-              <a:ext uri="{FF2B5EF4-FFF2-40B4-BE49-F238E27FC236}">
-                <a16:creationId xmlns:a16="http://schemas.microsoft.com/office/drawing/2014/main" id="{DCB47D40-23DD-B57F-91CF-80693E4031E8}"/>
-              </a:ext>
-            </a:extLst>
-          </p:cNvPr>
-          <p:cNvSpPr>
-            <a:spLocks noGrp="1"/>
-          </p:cNvSpPr>
-          <p:nvPr>
-            <p:ph type="title"/>
-          </p:nvPr>
-        </p:nvSpPr>
-        <p:spPr/>
-        <p:txBody>
-          <a:bodyPr/>
-          <a:lstStyle/>
-          <a:p>
-            <a:r>
-              <a:rPr lang="en-US" dirty="0"/>
-              <a:t>Calling conventions</a:t>
-            </a:r>
-          </a:p>
-        </p:txBody>
-      </p:sp>
-      <p:sp>
-        <p:nvSpPr>
-          <p:cNvPr id="3" name="Content Placeholder 2">
-            <a:extLst>
-              <a:ext uri="{FF2B5EF4-FFF2-40B4-BE49-F238E27FC236}">
-                <a16:creationId xmlns:a16="http://schemas.microsoft.com/office/drawing/2014/main" id="{56C9314A-756C-6D8B-29F4-3AF83750E0E1}"/>
-              </a:ext>
-            </a:extLst>
-          </p:cNvPr>
-          <p:cNvSpPr>
-            <a:spLocks noGrp="1"/>
-          </p:cNvSpPr>
-          <p:nvPr>
-            <p:ph idx="1"/>
-          </p:nvPr>
-        </p:nvSpPr>
-        <p:spPr/>
-        <p:txBody>
-          <a:bodyPr>
-            <a:normAutofit fontScale="92500" lnSpcReduction="10000"/>
-          </a:bodyPr>
-          <a:lstStyle/>
-          <a:p>
-            <a:r>
-              <a:rPr lang="en-US" dirty="0"/>
-              <a:t>The specific way that these are implemented is very specific to each compiler.</a:t>
-            </a:r>
-          </a:p>
-          <a:p>
-            <a:r>
-              <a:rPr lang="en-US" dirty="0"/>
-              <a:t>GCC uses one calling convention, Turbo C++ uses a different one, etc. Even within calling conventions these can differ</a:t>
-            </a:r>
-          </a:p>
-          <a:p>
-            <a:r>
-              <a:rPr lang="en-US" dirty="0"/>
-              <a:t>Trying to interface with object files generated from the same code by different compilers can be very different.</a:t>
-            </a:r>
-          </a:p>
-          <a:p>
-            <a:r>
-              <a:rPr lang="en-US" dirty="0"/>
-              <a:t>Assemblers won’t enforce these conventions, when writing x86 assembly directly, it’s the programmer’s job to make sure that these conventions are followed.</a:t>
-            </a:r>
-          </a:p>
-          <a:p>
-            <a:r>
-              <a:rPr lang="en-US" dirty="0"/>
-              <a:t>However, using the same calling convention between x86 procedures and external, compiled C functions can let you work between them.</a:t>
-            </a:r>
-          </a:p>
-        </p:txBody>
-      </p:sp>
-    </p:spTree>
-    <p:extLst>
-      <p:ext uri="{BB962C8B-B14F-4D97-AF65-F5344CB8AC3E}">
-        <p14:creationId xmlns:p14="http://schemas.microsoft.com/office/powerpoint/2010/main" val="1585667265"/>
-      </p:ext>
-    </p:extLst>
-  </p:cSld>
-  <p:clrMapOvr>
-    <a:masterClrMapping/>
-  </p:clrMapOvr>
-</p:sld>
-</file>
-
-<file path=ppt/slides/slide6.xml><?xml version="1.0" encoding="utf-8"?>
-<p:sld xmlns:a="http://schemas.openxmlformats.org/drawingml/2006/main" xmlns:r="http://schemas.openxmlformats.org/officeDocument/2006/relationships" xmlns:p="http://schemas.openxmlformats.org/presentationml/2006/main">
-  <p:cSld>
-    <p:spTree>
-      <p:nvGrpSpPr>
-        <p:cNvPr id="1" name=""/>
-        <p:cNvGrpSpPr/>
-        <p:nvPr/>
-      </p:nvGrpSpPr>
-      <p:grpSpPr>
-        <a:xfrm>
-          <a:off x="0" y="0"/>
-          <a:ext cx="0" cy="0"/>
-          <a:chOff x="0" y="0"/>
-          <a:chExt cx="0" cy="0"/>
-        </a:xfrm>
-      </p:grpSpPr>
-      <p:sp>
-        <p:nvSpPr>
-          <p:cNvPr id="2" name="Title 1">
-            <a:extLst>
-              <a:ext uri="{FF2B5EF4-FFF2-40B4-BE49-F238E27FC236}">
-                <a16:creationId xmlns:a16="http://schemas.microsoft.com/office/drawing/2014/main" id="{67454F1A-0123-8BC3-B19B-311CAF44EF04}"/>
-              </a:ext>
-            </a:extLst>
-          </p:cNvPr>
-          <p:cNvSpPr>
-            <a:spLocks noGrp="1"/>
-          </p:cNvSpPr>
-          <p:nvPr>
-            <p:ph type="title"/>
-          </p:nvPr>
-        </p:nvSpPr>
-        <p:spPr/>
-        <p:txBody>
-          <a:bodyPr/>
-          <a:lstStyle/>
-          <a:p>
-            <a:r>
-              <a:rPr lang="en-US" dirty="0"/>
-              <a:t>Cdecl calling convention</a:t>
-            </a:r>
-          </a:p>
-        </p:txBody>
-      </p:sp>
-      <p:sp>
-        <p:nvSpPr>
-          <p:cNvPr id="3" name="Content Placeholder 2">
-            <a:extLst>
-              <a:ext uri="{FF2B5EF4-FFF2-40B4-BE49-F238E27FC236}">
-                <a16:creationId xmlns:a16="http://schemas.microsoft.com/office/drawing/2014/main" id="{A1A39458-7177-522E-B2EF-3E988CDF9736}"/>
-              </a:ext>
-            </a:extLst>
-          </p:cNvPr>
-          <p:cNvSpPr>
-            <a:spLocks noGrp="1"/>
-          </p:cNvSpPr>
-          <p:nvPr>
-            <p:ph idx="1"/>
-          </p:nvPr>
-        </p:nvSpPr>
-        <p:spPr>
-          <a:xfrm>
-            <a:off x="1451579" y="2015732"/>
-            <a:ext cx="9603275" cy="4037749"/>
-          </a:xfrm>
-        </p:spPr>
-        <p:txBody>
-          <a:bodyPr>
-            <a:normAutofit fontScale="92500" lnSpcReduction="10000"/>
-          </a:bodyPr>
-          <a:lstStyle/>
-          <a:p>
-            <a:r>
-              <a:rPr lang="en-US" dirty="0"/>
-              <a:t>We start with a C function, something like int multiply(int x, int y) { return x * y; }</a:t>
-            </a:r>
-          </a:p>
-          <a:p>
-            <a:r>
-              <a:rPr lang="en-US" dirty="0"/>
-              <a:t>These data types are enforced by the compiler, we obviously won’t have them inside our assembly.</a:t>
-            </a:r>
-          </a:p>
-          <a:p>
-            <a:r>
-              <a:rPr lang="en-US" dirty="0"/>
-              <a:t>Our function name becomes a procedure.</a:t>
-            </a:r>
-          </a:p>
-          <a:p>
-            <a:r>
-              <a:rPr lang="en-US" dirty="0"/>
-              <a:t>Our arguments become things that we pass onto the stack before our procedure call. The specific way this compiles is from right to left, so we push y, then push x.</a:t>
-            </a:r>
-          </a:p>
-          <a:p>
-            <a:r>
-              <a:rPr lang="en-US" dirty="0"/>
-              <a:t>Our return value becomes a value that gets put into ax.</a:t>
-            </a:r>
-          </a:p>
-          <a:p>
-            <a:r>
-              <a:rPr lang="en-US" dirty="0"/>
-              <a:t>Void functions won’t return anything.</a:t>
-            </a:r>
-          </a:p>
-          <a:p>
-            <a:r>
-              <a:rPr lang="en-US" dirty="0"/>
-              <a:t>Our arguments are not cleared from the stack by the procedure, so our stack should be the same as before we called the procedure. (Same stack pointer, same data below it)</a:t>
-            </a:r>
-          </a:p>
-        </p:txBody>
-      </p:sp>
-    </p:spTree>
-    <p:extLst>
-      <p:ext uri="{BB962C8B-B14F-4D97-AF65-F5344CB8AC3E}">
-        <p14:creationId xmlns:p14="http://schemas.microsoft.com/office/powerpoint/2010/main" val="71688917"/>
-      </p:ext>
-    </p:extLst>
-  </p:cSld>
-  <p:clrMapOvr>
-    <a:masterClrMapping/>
-  </p:clrMapOvr>
-</p:sld>
-</file>
-
-<file path=ppt/slides/slide7.xml><?xml version="1.0" encoding="utf-8"?>
-<p:sld xmlns:a="http://schemas.openxmlformats.org/drawingml/2006/main" xmlns:r="http://schemas.openxmlformats.org/officeDocument/2006/relationships" xmlns:p="http://schemas.openxmlformats.org/presentationml/2006/main">
-  <p:cSld>
-    <p:spTree>
-      <p:nvGrpSpPr>
-        <p:cNvPr id="1" name=""/>
-        <p:cNvGrpSpPr/>
-        <p:nvPr/>
-      </p:nvGrpSpPr>
-      <p:grpSpPr>
-        <a:xfrm>
-          <a:off x="0" y="0"/>
-          <a:ext cx="0" cy="0"/>
-          <a:chOff x="0" y="0"/>
-          <a:chExt cx="0" cy="0"/>
-        </a:xfrm>
-      </p:grpSpPr>
-      <p:sp>
-        <p:nvSpPr>
-          <p:cNvPr id="2" name="Title 1">
-            <a:extLst>
-              <a:ext uri="{FF2B5EF4-FFF2-40B4-BE49-F238E27FC236}">
-                <a16:creationId xmlns:a16="http://schemas.microsoft.com/office/drawing/2014/main" id="{D455D13C-797F-9AC1-156F-C35BE28EF1F7}"/>
-              </a:ext>
-            </a:extLst>
-          </p:cNvPr>
-          <p:cNvSpPr>
-            <a:spLocks noGrp="1"/>
-          </p:cNvSpPr>
-          <p:nvPr>
-            <p:ph type="title"/>
-          </p:nvPr>
-        </p:nvSpPr>
-        <p:spPr/>
-        <p:txBody>
-          <a:bodyPr/>
-          <a:lstStyle/>
-          <a:p>
-            <a:r>
-              <a:rPr lang="en-US" dirty="0"/>
-              <a:t>Implementing this process	 in TASM</a:t>
-            </a:r>
-          </a:p>
-        </p:txBody>
-      </p:sp>
-      <p:sp>
-        <p:nvSpPr>
-          <p:cNvPr id="3" name="Content Placeholder 2">
-            <a:extLst>
-              <a:ext uri="{FF2B5EF4-FFF2-40B4-BE49-F238E27FC236}">
-                <a16:creationId xmlns:a16="http://schemas.microsoft.com/office/drawing/2014/main" id="{7315A839-25B3-5D0B-6FD1-D954D53407C9}"/>
-              </a:ext>
-            </a:extLst>
-          </p:cNvPr>
-          <p:cNvSpPr>
-            <a:spLocks noGrp="1"/>
-          </p:cNvSpPr>
-          <p:nvPr>
-            <p:ph idx="1"/>
-          </p:nvPr>
-        </p:nvSpPr>
-        <p:spPr/>
-        <p:txBody>
-          <a:bodyPr>
-            <a:normAutofit fontScale="92500"/>
-          </a:bodyPr>
-          <a:lstStyle/>
-          <a:p>
-            <a:r>
-              <a:rPr lang="en-US" dirty="0"/>
-              <a:t>First, save the base pointer and move the stack pointer into base pointer.</a:t>
-            </a:r>
-          </a:p>
-          <a:p>
-            <a:r>
-              <a:rPr lang="en-US" dirty="0"/>
-              <a:t>This makes bp into an offset that lets procedure “arguments” be referred to consistently, it also saves the stack pointer (so long as bp isn’t modified), letting us consistently return to our main function regardless of what we’ve put onto the stack.</a:t>
-            </a:r>
-          </a:p>
-          <a:p>
-            <a:r>
-              <a:rPr lang="en-US" dirty="0"/>
-              <a:t>When procedure is called, return address gets pushed to stack by the call operation, then bp is pushed to stack by us, bp holds the stack pointer at this moment in time.</a:t>
-            </a:r>
-          </a:p>
-          <a:p>
-            <a:r>
-              <a:rPr lang="en-US" dirty="0"/>
-              <a:t>[bp] is the original base pointer, [bp+2] is the instruction pointer to return to, [bp+4] is the last “argument” pushed (So the left-most, in compiled C), then [bp+6], [bp+8], and so on.</a:t>
-            </a:r>
-          </a:p>
-        </p:txBody>
-      </p:sp>
-    </p:spTree>
-    <p:extLst>
-      <p:ext uri="{BB962C8B-B14F-4D97-AF65-F5344CB8AC3E}">
-        <p14:creationId xmlns:p14="http://schemas.microsoft.com/office/powerpoint/2010/main" val="692019691"/>
-      </p:ext>
-    </p:extLst>
-  </p:cSld>
-  <p:clrMapOvr>
-    <a:masterClrMapping/>
-  </p:clrMapOvr>
-</p:sld>
-</file>
-
-<file path=ppt/slides/slide8.xml><?xml version="1.0" encoding="utf-8"?>
-<p:sld xmlns:a="http://schemas.openxmlformats.org/drawingml/2006/main" xmlns:r="http://schemas.openxmlformats.org/officeDocument/2006/relationships" xmlns:p="http://schemas.openxmlformats.org/presentationml/2006/main">
-  <p:cSld>
-    <p:bg>
-      <p:bgPr>
-        <a:gradFill rotWithShape="1">
-          <a:gsLst>
-            <a:gs pos="0">
-              <a:schemeClr val="bg2">
-                <a:tint val="94000"/>
-                <a:satMod val="80000"/>
-                <a:lumMod val="106000"/>
-              </a:schemeClr>
-            </a:gs>
-            <a:gs pos="100000">
-              <a:schemeClr val="bg2">
-                <a:shade val="80000"/>
-              </a:schemeClr>
-            </a:gs>
-          </a:gsLst>
-          <a:path path="circle">
-            <a:fillToRect l="43000" r="43000" b="100000"/>
-          </a:path>
-        </a:gradFill>
-        <a:effectLst/>
-      </p:bgPr>
-    </p:bg>
-    <p:spTree>
-      <p:nvGrpSpPr>
-        <p:cNvPr id="1" name=""/>
-        <p:cNvGrpSpPr/>
-        <p:nvPr/>
-      </p:nvGrpSpPr>
-      <p:grpSpPr>
-        <a:xfrm>
-          <a:off x="0" y="0"/>
-          <a:ext cx="0" cy="0"/>
-          <a:chOff x="0" y="0"/>
-          <a:chExt cx="0" cy="0"/>
-        </a:xfrm>
-      </p:grpSpPr>
-      <p:sp>
-        <p:nvSpPr>
           <p:cNvPr id="55" name="Rectangle 54">
             <a:extLst>
               <a:ext uri="{FF2B5EF4-FFF2-40B4-BE49-F238E27FC236}">
@@ -5741,6 +4922,110 @@
 </p:sld>
 </file>
 
+<file path=ppt/slides/slide8.xml><?xml version="1.0" encoding="utf-8"?>
+<p:sld xmlns:a="http://schemas.openxmlformats.org/drawingml/2006/main" xmlns:r="http://schemas.openxmlformats.org/officeDocument/2006/relationships" xmlns:p="http://schemas.openxmlformats.org/presentationml/2006/main">
+  <p:cSld>
+    <p:spTree>
+      <p:nvGrpSpPr>
+        <p:cNvPr id="1" name=""/>
+        <p:cNvGrpSpPr/>
+        <p:nvPr/>
+      </p:nvGrpSpPr>
+      <p:grpSpPr>
+        <a:xfrm>
+          <a:off x="0" y="0"/>
+          <a:ext cx="0" cy="0"/>
+          <a:chOff x="0" y="0"/>
+          <a:chExt cx="0" cy="0"/>
+        </a:xfrm>
+      </p:grpSpPr>
+      <p:sp>
+        <p:nvSpPr>
+          <p:cNvPr id="2" name="Title 1">
+            <a:extLst>
+              <a:ext uri="{FF2B5EF4-FFF2-40B4-BE49-F238E27FC236}">
+                <a16:creationId xmlns:a16="http://schemas.microsoft.com/office/drawing/2014/main" id="{AC45F756-34DC-D118-26B3-BFD22B6E1CC8}"/>
+              </a:ext>
+            </a:extLst>
+          </p:cNvPr>
+          <p:cNvSpPr>
+            <a:spLocks noGrp="1"/>
+          </p:cNvSpPr>
+          <p:nvPr>
+            <p:ph type="title"/>
+          </p:nvPr>
+        </p:nvSpPr>
+        <p:spPr/>
+        <p:txBody>
+          <a:bodyPr/>
+          <a:lstStyle/>
+          <a:p>
+            <a:r>
+              <a:rPr lang="en-US" dirty="0"/>
+              <a:t>Practicality	</a:t>
+            </a:r>
+          </a:p>
+        </p:txBody>
+      </p:sp>
+      <p:sp>
+        <p:nvSpPr>
+          <p:cNvPr id="3" name="Content Placeholder 2">
+            <a:extLst>
+              <a:ext uri="{FF2B5EF4-FFF2-40B4-BE49-F238E27FC236}">
+                <a16:creationId xmlns:a16="http://schemas.microsoft.com/office/drawing/2014/main" id="{0FDD1A63-4F8B-27A5-DF41-FDE8CD9440CF}"/>
+              </a:ext>
+            </a:extLst>
+          </p:cNvPr>
+          <p:cNvSpPr>
+            <a:spLocks noGrp="1"/>
+          </p:cNvSpPr>
+          <p:nvPr>
+            <p:ph idx="1"/>
+          </p:nvPr>
+        </p:nvSpPr>
+        <p:spPr/>
+        <p:txBody>
+          <a:bodyPr/>
+          <a:lstStyle/>
+          <a:p>
+            <a:r>
+              <a:rPr lang="en-US" dirty="0"/>
+              <a:t>Most of the time, functions only take, at most, one or two arguments.</a:t>
+            </a:r>
+          </a:p>
+          <a:p>
+            <a:r>
+              <a:rPr lang="en-US" dirty="0"/>
+              <a:t>This is easy to implement by passing registers, so why bother pushing everything just to move it back into registers to do operations on?</a:t>
+            </a:r>
+          </a:p>
+          <a:p>
+            <a:r>
+              <a:rPr lang="en-US" dirty="0"/>
+              <a:t>Consistency: Literally every procedure can be designed to have the exact same input/output behavior, and that makes working with those procedures as if they were C functions extremely easy.</a:t>
+            </a:r>
+          </a:p>
+          <a:p>
+            <a:r>
+              <a:rPr lang="en-US" dirty="0"/>
+              <a:t>Push bx, call square, sub sp, 2 is now identical to ax = square(bx);</a:t>
+            </a:r>
+          </a:p>
+        </p:txBody>
+      </p:sp>
+    </p:spTree>
+    <p:extLst>
+      <p:ext uri="{BB962C8B-B14F-4D97-AF65-F5344CB8AC3E}">
+        <p14:creationId xmlns:p14="http://schemas.microsoft.com/office/powerpoint/2010/main" val="2074227398"/>
+      </p:ext>
+    </p:extLst>
+  </p:cSld>
+  <p:clrMapOvr>
+    <a:masterClrMapping/>
+  </p:clrMapOvr>
+</p:sld>
+</file>
+
 <file path=ppt/slides/slide9.xml><?xml version="1.0" encoding="utf-8"?>
 <p:sld xmlns:a="http://schemas.openxmlformats.org/drawingml/2006/main" xmlns:r="http://schemas.openxmlformats.org/officeDocument/2006/relationships" xmlns:p="http://schemas.openxmlformats.org/presentationml/2006/main">
   <p:cSld>
@@ -5763,7 +5048,7 @@
           <p:cNvPr id="2" name="Title 1">
             <a:extLst>
               <a:ext uri="{FF2B5EF4-FFF2-40B4-BE49-F238E27FC236}">
-                <a16:creationId xmlns:a16="http://schemas.microsoft.com/office/drawing/2014/main" id="{AC45F756-34DC-D118-26B3-BFD22B6E1CC8}"/>
+                <a16:creationId xmlns:a16="http://schemas.microsoft.com/office/drawing/2014/main" id="{0212BF9B-8F5B-021F-71E6-0F2A290DAF86}"/>
               </a:ext>
             </a:extLst>
           </p:cNvPr>
@@ -5791,7 +5076,7 @@
           <p:cNvPr id="3" name="Content Placeholder 2">
             <a:extLst>
               <a:ext uri="{FF2B5EF4-FFF2-40B4-BE49-F238E27FC236}">
-                <a16:creationId xmlns:a16="http://schemas.microsoft.com/office/drawing/2014/main" id="{0FDD1A63-4F8B-27A5-DF41-FDE8CD9440CF}"/>
+                <a16:creationId xmlns:a16="http://schemas.microsoft.com/office/drawing/2014/main" id="{764C0BF9-689A-BBE5-A69C-F5C644A959FC}"/>
               </a:ext>
             </a:extLst>
           </p:cNvPr>
@@ -5809,25 +5094,27 @@
           <a:p>
             <a:r>
               <a:rPr lang="en-US" dirty="0"/>
-              <a:t>Most of the time, functions only take, at most, one or two arguments.</a:t>
+              <a:t>However, to make it even more practical, we could make our calling convention match a specific C compiler, and then we would be able to interface external C functions with our assembly code.</a:t>
             </a:r>
           </a:p>
           <a:p>
             <a:r>
               <a:rPr lang="en-US" dirty="0"/>
-              <a:t>This is easy to implement by passing registers, so why bother pushing everything just to move it back into registers to do operations on?</a:t>
-            </a:r>
-          </a:p>
-          <a:p>
+              <a:t>Since we decided to study </a:t>
+            </a:r>
+            <a:r>
+              <a:rPr lang="en-US" dirty="0" err="1"/>
+              <a:t>cdecl</a:t>
+            </a:r>
             <a:r>
               <a:rPr lang="en-US" dirty="0"/>
-              <a:t>Consistency: Literally every procedure can be designed to have the exact same input/output behavior, and that makes working with those procedures as if they were C functions extremely easy.</a:t>
+              <a:t>, our code will be easier to work with functions compiled with GCC, but our directives and structure is still set up for TASM.</a:t>
             </a:r>
           </a:p>
           <a:p>
             <a:r>
               <a:rPr lang="en-US" dirty="0"/>
-              <a:t>Push bx, call square, sub sp, 2 is now identical to ax = square(bx);</a:t>
+              <a:t>However, this specific project was more about understanding how higher-level code compiles than it is about specifically interfacing our assembly code with C functions.</a:t>
             </a:r>
           </a:p>
         </p:txBody>
@@ -5835,7 +5122,7 @@
     </p:spTree>
     <p:extLst>
       <p:ext uri="{BB962C8B-B14F-4D97-AF65-F5344CB8AC3E}">
-        <p14:creationId xmlns:p14="http://schemas.microsoft.com/office/powerpoint/2010/main" val="2074227398"/>
+        <p14:creationId xmlns:p14="http://schemas.microsoft.com/office/powerpoint/2010/main" val="3615227313"/>
       </p:ext>
     </p:extLst>
   </p:cSld>

--- a/FinalPresentation.pptx
+++ b/FinalPresentation.pptx
@@ -4666,10 +4666,9 @@
           <a:lstStyle/>
           <a:p>
             <a:r>
-              <a:rPr lang="en-US" sz="2800"/>
+              <a:rPr lang="en-US" sz="2800" dirty="0"/>
               <a:t>Implementing this process</a:t>
             </a:r>
-            <a:endParaRPr lang="en-US" sz="2800" dirty="0"/>
           </a:p>
         </p:txBody>
       </p:sp>
